--- a/Data Structure_upload.pptx
+++ b/Data Structure_upload.pptx
@@ -5,7 +5,7 @@
     <p:sldMasterId id="2147483648" r:id="rId1"/>
   </p:sldMasterIdLst>
   <p:notesMasterIdLst>
-    <p:notesMasterId r:id="rId64"/>
+    <p:notesMasterId r:id="rId76"/>
   </p:notesMasterIdLst>
   <p:sldIdLst>
     <p:sldId id="256" r:id="rId2"/>
@@ -49,27 +49,39 @@
     <p:sldId id="303" r:id="rId40"/>
     <p:sldId id="304" r:id="rId41"/>
     <p:sldId id="305" r:id="rId42"/>
-    <p:sldId id="306" r:id="rId43"/>
-    <p:sldId id="307" r:id="rId44"/>
-    <p:sldId id="308" r:id="rId45"/>
-    <p:sldId id="309" r:id="rId46"/>
-    <p:sldId id="310" r:id="rId47"/>
-    <p:sldId id="311" r:id="rId48"/>
-    <p:sldId id="312" r:id="rId49"/>
-    <p:sldId id="313" r:id="rId50"/>
-    <p:sldId id="314" r:id="rId51"/>
-    <p:sldId id="324" r:id="rId52"/>
-    <p:sldId id="315" r:id="rId53"/>
-    <p:sldId id="316" r:id="rId54"/>
-    <p:sldId id="317" r:id="rId55"/>
-    <p:sldId id="318" r:id="rId56"/>
-    <p:sldId id="319" r:id="rId57"/>
-    <p:sldId id="320" r:id="rId58"/>
-    <p:sldId id="321" r:id="rId59"/>
-    <p:sldId id="322" r:id="rId60"/>
-    <p:sldId id="323" r:id="rId61"/>
-    <p:sldId id="325" r:id="rId62"/>
-    <p:sldId id="275" r:id="rId63"/>
+    <p:sldId id="338" r:id="rId43"/>
+    <p:sldId id="306" r:id="rId44"/>
+    <p:sldId id="307" r:id="rId45"/>
+    <p:sldId id="308" r:id="rId46"/>
+    <p:sldId id="309" r:id="rId47"/>
+    <p:sldId id="310" r:id="rId48"/>
+    <p:sldId id="311" r:id="rId49"/>
+    <p:sldId id="312" r:id="rId50"/>
+    <p:sldId id="313" r:id="rId51"/>
+    <p:sldId id="314" r:id="rId52"/>
+    <p:sldId id="324" r:id="rId53"/>
+    <p:sldId id="315" r:id="rId54"/>
+    <p:sldId id="316" r:id="rId55"/>
+    <p:sldId id="317" r:id="rId56"/>
+    <p:sldId id="318" r:id="rId57"/>
+    <p:sldId id="319" r:id="rId58"/>
+    <p:sldId id="320" r:id="rId59"/>
+    <p:sldId id="321" r:id="rId60"/>
+    <p:sldId id="322" r:id="rId61"/>
+    <p:sldId id="323" r:id="rId62"/>
+    <p:sldId id="325" r:id="rId63"/>
+    <p:sldId id="326" r:id="rId64"/>
+    <p:sldId id="327" r:id="rId65"/>
+    <p:sldId id="328" r:id="rId66"/>
+    <p:sldId id="329" r:id="rId67"/>
+    <p:sldId id="330" r:id="rId68"/>
+    <p:sldId id="331" r:id="rId69"/>
+    <p:sldId id="332" r:id="rId70"/>
+    <p:sldId id="333" r:id="rId71"/>
+    <p:sldId id="334" r:id="rId72"/>
+    <p:sldId id="335" r:id="rId73"/>
+    <p:sldId id="336" r:id="rId74"/>
+    <p:sldId id="337" r:id="rId75"/>
   </p:sldIdLst>
   <p:sldSz cx="12192000" cy="6858000"/>
   <p:notesSz cx="6858000" cy="9144000"/>
@@ -258,7 +270,7 @@
           <a:p>
             <a:fld id="{E0AEB28F-ED19-49F5-9AD0-38E067396522}" type="datetimeFigureOut">
               <a:rPr lang="ko-KR" altLang="en-US" smtClean="0"/>
-              <a:t>2024-04-06</a:t>
+              <a:t>2024-04-09</a:t>
             </a:fld>
             <a:endParaRPr lang="ko-KR" altLang="en-US"/>
           </a:p>
@@ -672,7 +684,7 @@
           <a:p>
             <a:fld id="{6714B0E2-2187-432D-8345-EAB331648CF4}" type="datetimeFigureOut">
               <a:rPr lang="ko-KR" altLang="en-US" smtClean="0"/>
-              <a:t>2024-04-06</a:t>
+              <a:t>2024-04-09</a:t>
             </a:fld>
             <a:endParaRPr lang="ko-KR" altLang="en-US"/>
           </a:p>
@@ -870,7 +882,7 @@
           <a:p>
             <a:fld id="{6714B0E2-2187-432D-8345-EAB331648CF4}" type="datetimeFigureOut">
               <a:rPr lang="ko-KR" altLang="en-US" smtClean="0"/>
-              <a:t>2024-04-06</a:t>
+              <a:t>2024-04-09</a:t>
             </a:fld>
             <a:endParaRPr lang="ko-KR" altLang="en-US"/>
           </a:p>
@@ -1078,7 +1090,7 @@
           <a:p>
             <a:fld id="{6714B0E2-2187-432D-8345-EAB331648CF4}" type="datetimeFigureOut">
               <a:rPr lang="ko-KR" altLang="en-US" smtClean="0"/>
-              <a:t>2024-04-06</a:t>
+              <a:t>2024-04-09</a:t>
             </a:fld>
             <a:endParaRPr lang="ko-KR" altLang="en-US"/>
           </a:p>
@@ -1276,7 +1288,7 @@
           <a:p>
             <a:fld id="{6714B0E2-2187-432D-8345-EAB331648CF4}" type="datetimeFigureOut">
               <a:rPr lang="ko-KR" altLang="en-US" smtClean="0"/>
-              <a:t>2024-04-06</a:t>
+              <a:t>2024-04-09</a:t>
             </a:fld>
             <a:endParaRPr lang="ko-KR" altLang="en-US"/>
           </a:p>
@@ -1551,7 +1563,7 @@
           <a:p>
             <a:fld id="{6714B0E2-2187-432D-8345-EAB331648CF4}" type="datetimeFigureOut">
               <a:rPr lang="ko-KR" altLang="en-US" smtClean="0"/>
-              <a:t>2024-04-06</a:t>
+              <a:t>2024-04-09</a:t>
             </a:fld>
             <a:endParaRPr lang="ko-KR" altLang="en-US"/>
           </a:p>
@@ -1816,7 +1828,7 @@
           <a:p>
             <a:fld id="{6714B0E2-2187-432D-8345-EAB331648CF4}" type="datetimeFigureOut">
               <a:rPr lang="ko-KR" altLang="en-US" smtClean="0"/>
-              <a:t>2024-04-06</a:t>
+              <a:t>2024-04-09</a:t>
             </a:fld>
             <a:endParaRPr lang="ko-KR" altLang="en-US"/>
           </a:p>
@@ -2228,7 +2240,7 @@
           <a:p>
             <a:fld id="{6714B0E2-2187-432D-8345-EAB331648CF4}" type="datetimeFigureOut">
               <a:rPr lang="ko-KR" altLang="en-US" smtClean="0"/>
-              <a:t>2024-04-06</a:t>
+              <a:t>2024-04-09</a:t>
             </a:fld>
             <a:endParaRPr lang="ko-KR" altLang="en-US"/>
           </a:p>
@@ -2369,7 +2381,7 @@
           <a:p>
             <a:fld id="{6714B0E2-2187-432D-8345-EAB331648CF4}" type="datetimeFigureOut">
               <a:rPr lang="ko-KR" altLang="en-US" smtClean="0"/>
-              <a:t>2024-04-06</a:t>
+              <a:t>2024-04-09</a:t>
             </a:fld>
             <a:endParaRPr lang="ko-KR" altLang="en-US"/>
           </a:p>
@@ -2482,7 +2494,7 @@
           <a:p>
             <a:fld id="{6714B0E2-2187-432D-8345-EAB331648CF4}" type="datetimeFigureOut">
               <a:rPr lang="ko-KR" altLang="en-US" smtClean="0"/>
-              <a:t>2024-04-06</a:t>
+              <a:t>2024-04-09</a:t>
             </a:fld>
             <a:endParaRPr lang="ko-KR" altLang="en-US"/>
           </a:p>
@@ -2793,7 +2805,7 @@
           <a:p>
             <a:fld id="{6714B0E2-2187-432D-8345-EAB331648CF4}" type="datetimeFigureOut">
               <a:rPr lang="ko-KR" altLang="en-US" smtClean="0"/>
-              <a:t>2024-04-06</a:t>
+              <a:t>2024-04-09</a:t>
             </a:fld>
             <a:endParaRPr lang="ko-KR" altLang="en-US"/>
           </a:p>
@@ -3081,7 +3093,7 @@
           <a:p>
             <a:fld id="{6714B0E2-2187-432D-8345-EAB331648CF4}" type="datetimeFigureOut">
               <a:rPr lang="ko-KR" altLang="en-US" smtClean="0"/>
-              <a:t>2024-04-06</a:t>
+              <a:t>2024-04-09</a:t>
             </a:fld>
             <a:endParaRPr lang="ko-KR" altLang="en-US"/>
           </a:p>
@@ -3322,7 +3334,7 @@
           <a:p>
             <a:fld id="{6714B0E2-2187-432D-8345-EAB331648CF4}" type="datetimeFigureOut">
               <a:rPr lang="ko-KR" altLang="en-US" smtClean="0"/>
-              <a:t>2024-04-06</a:t>
+              <a:t>2024-04-09</a:t>
             </a:fld>
             <a:endParaRPr lang="ko-KR" altLang="en-US"/>
           </a:p>
@@ -3788,7 +3800,7 @@
           <a:bodyPr/>
           <a:lstStyle/>
           <a:p>
-            <a:endParaRPr lang="ko-KR" altLang="en-US"/>
+            <a:endParaRPr lang="ko-KR" altLang="en-US" dirty="0"/>
           </a:p>
         </p:txBody>
       </p:sp>
@@ -14435,7 +14447,7 @@
         <p:spPr>
           <a:xfrm>
             <a:off x="381000" y="1540933"/>
-            <a:ext cx="11565467" cy="5355312"/>
+            <a:ext cx="11565467" cy="5632311"/>
           </a:xfrm>
           <a:prstGeom prst="rect">
             <a:avLst/>
@@ -14643,17 +14655,28 @@
             </a:r>
           </a:p>
           <a:p>
+            <a:endParaRPr lang="en-US" altLang="ko-KR" dirty="0"/>
+          </a:p>
+          <a:p>
             <a:r>
               <a:rPr lang="en-US" altLang="ko-KR" dirty="0"/>
               <a:t>         </a:t>
             </a:r>
             <a:r>
               <a:rPr lang="ko-KR" altLang="en-US" dirty="0"/>
+              <a:t>포인터형 구조체 변수로 일반 포인터 변수를 조종할 때</a:t>
+            </a:r>
+            <a:r>
+              <a:rPr lang="en-US" altLang="ko-KR" dirty="0"/>
+              <a:t>, </a:t>
+            </a:r>
+            <a:r>
+              <a:rPr lang="ko-KR" altLang="en-US" dirty="0"/>
               <a:t>일반 포인터 변수 사용과 다른 특이한 점은</a:t>
             </a:r>
             <a:r>
               <a:rPr lang="en-US" altLang="ko-KR" dirty="0"/>
-              <a:t>, -&gt; </a:t>
+              <a:t> ‘-&gt;’ </a:t>
             </a:r>
             <a:r>
               <a:rPr lang="ko-KR" altLang="en-US" dirty="0"/>
@@ -20990,6 +21013,737 @@
 </file>
 
 <file path=ppt/slides/slide42.xml><?xml version="1.0" encoding="utf-8"?>
+<p:sld xmlns:a="http://schemas.openxmlformats.org/drawingml/2006/main" xmlns:r="http://schemas.openxmlformats.org/officeDocument/2006/relationships" xmlns:p="http://schemas.openxmlformats.org/presentationml/2006/main">
+  <p:cSld>
+    <p:spTree>
+      <p:nvGrpSpPr>
+        <p:cNvPr id="1" name=""/>
+        <p:cNvGrpSpPr/>
+        <p:nvPr/>
+      </p:nvGrpSpPr>
+      <p:grpSpPr>
+        <a:xfrm>
+          <a:off x="0" y="0"/>
+          <a:ext cx="0" cy="0"/>
+          <a:chOff x="0" y="0"/>
+          <a:chExt cx="0" cy="0"/>
+        </a:xfrm>
+      </p:grpSpPr>
+      <p:sp>
+        <p:nvSpPr>
+          <p:cNvPr id="2" name="제목 1">
+            <a:extLst>
+              <a:ext uri="{FF2B5EF4-FFF2-40B4-BE49-F238E27FC236}">
+                <a16:creationId xmlns:a16="http://schemas.microsoft.com/office/drawing/2014/main" id="{D21DC659-6409-7780-2FEA-0684445CD507}"/>
+              </a:ext>
+            </a:extLst>
+          </p:cNvPr>
+          <p:cNvSpPr>
+            <a:spLocks noGrp="1"/>
+          </p:cNvSpPr>
+          <p:nvPr>
+            <p:ph type="title"/>
+          </p:nvPr>
+        </p:nvSpPr>
+        <p:spPr/>
+        <p:txBody>
+          <a:bodyPr/>
+          <a:lstStyle/>
+          <a:p>
+            <a:pPr algn="ctr"/>
+            <a:r>
+              <a:rPr lang="ko-KR" altLang="en-US" dirty="0"/>
+              <a:t>포인터의 포인터</a:t>
+            </a:r>
+          </a:p>
+        </p:txBody>
+      </p:sp>
+      <p:sp>
+        <p:nvSpPr>
+          <p:cNvPr id="4" name="TextBox 3">
+            <a:extLst>
+              <a:ext uri="{FF2B5EF4-FFF2-40B4-BE49-F238E27FC236}">
+                <a16:creationId xmlns:a16="http://schemas.microsoft.com/office/drawing/2014/main" id="{F97140B7-1469-C721-AED2-25BCE46A6A13}"/>
+              </a:ext>
+            </a:extLst>
+          </p:cNvPr>
+          <p:cNvSpPr txBox="1"/>
+          <p:nvPr/>
+        </p:nvSpPr>
+        <p:spPr>
+          <a:xfrm>
+            <a:off x="397164" y="1791855"/>
+            <a:ext cx="4045527" cy="4247317"/>
+          </a:xfrm>
+          <a:prstGeom prst="rect">
+            <a:avLst/>
+          </a:prstGeom>
+          <a:noFill/>
+        </p:spPr>
+        <p:txBody>
+          <a:bodyPr wrap="square" rtlCol="0">
+            <a:spAutoFit/>
+          </a:bodyPr>
+          <a:lstStyle/>
+          <a:p>
+            <a:r>
+              <a:rPr lang="en-US" altLang="ko-KR" sz="1800" dirty="0">
+                <a:solidFill>
+                  <a:srgbClr val="0000FF"/>
+                </a:solidFill>
+                <a:latin typeface="돋움체" panose="020B0609000101010101" pitchFamily="49" charset="-127"/>
+                <a:ea typeface="돋움체" panose="020B0609000101010101" pitchFamily="49" charset="-127"/>
+              </a:rPr>
+              <a:t>int</a:t>
+            </a:r>
+            <a:r>
+              <a:rPr lang="en-US" altLang="ko-KR" sz="1800" dirty="0">
+                <a:solidFill>
+                  <a:srgbClr val="000000"/>
+                </a:solidFill>
+                <a:latin typeface="돋움체" panose="020B0609000101010101" pitchFamily="49" charset="-127"/>
+                <a:ea typeface="돋움체" panose="020B0609000101010101" pitchFamily="49" charset="-127"/>
+              </a:rPr>
+              <a:t> main(</a:t>
+            </a:r>
+            <a:r>
+              <a:rPr lang="en-US" altLang="ko-KR" sz="1800" dirty="0">
+                <a:solidFill>
+                  <a:srgbClr val="0000FF"/>
+                </a:solidFill>
+                <a:latin typeface="돋움체" panose="020B0609000101010101" pitchFamily="49" charset="-127"/>
+                <a:ea typeface="돋움체" panose="020B0609000101010101" pitchFamily="49" charset="-127"/>
+              </a:rPr>
+              <a:t>void</a:t>
+            </a:r>
+            <a:r>
+              <a:rPr lang="en-US" altLang="ko-KR" sz="1800" dirty="0">
+                <a:solidFill>
+                  <a:srgbClr val="000000"/>
+                </a:solidFill>
+                <a:latin typeface="돋움체" panose="020B0609000101010101" pitchFamily="49" charset="-127"/>
+                <a:ea typeface="돋움체" panose="020B0609000101010101" pitchFamily="49" charset="-127"/>
+              </a:rPr>
+              <a:t>)</a:t>
+            </a:r>
+          </a:p>
+          <a:p>
+            <a:r>
+              <a:rPr lang="en-US" altLang="ko-KR" sz="1800" dirty="0">
+                <a:solidFill>
+                  <a:srgbClr val="000000"/>
+                </a:solidFill>
+                <a:latin typeface="돋움체" panose="020B0609000101010101" pitchFamily="49" charset="-127"/>
+                <a:ea typeface="돋움체" panose="020B0609000101010101" pitchFamily="49" charset="-127"/>
+              </a:rPr>
+              <a:t>{</a:t>
+            </a:r>
+          </a:p>
+          <a:p>
+            <a:endParaRPr lang="ko-KR" altLang="en-US" sz="1800" dirty="0">
+              <a:solidFill>
+                <a:srgbClr val="000000"/>
+              </a:solidFill>
+              <a:latin typeface="돋움체" panose="020B0609000101010101" pitchFamily="49" charset="-127"/>
+              <a:ea typeface="돋움체" panose="020B0609000101010101" pitchFamily="49" charset="-127"/>
+            </a:endParaRPr>
+          </a:p>
+          <a:p>
+            <a:r>
+              <a:rPr lang="en-US" altLang="ko-KR" sz="1800" dirty="0">
+                <a:solidFill>
+                  <a:srgbClr val="0000FF"/>
+                </a:solidFill>
+                <a:latin typeface="돋움체" panose="020B0609000101010101" pitchFamily="49" charset="-127"/>
+                <a:ea typeface="돋움체" panose="020B0609000101010101" pitchFamily="49" charset="-127"/>
+              </a:rPr>
+              <a:t>int</a:t>
+            </a:r>
+            <a:r>
+              <a:rPr lang="en-US" altLang="ko-KR" sz="1800" dirty="0">
+                <a:solidFill>
+                  <a:srgbClr val="000000"/>
+                </a:solidFill>
+                <a:latin typeface="돋움체" panose="020B0609000101010101" pitchFamily="49" charset="-127"/>
+                <a:ea typeface="돋움체" panose="020B0609000101010101" pitchFamily="49" charset="-127"/>
+              </a:rPr>
+              <a:t> a = 3;</a:t>
+            </a:r>
+          </a:p>
+          <a:p>
+            <a:r>
+              <a:rPr lang="en-US" altLang="ko-KR" sz="1800" dirty="0">
+                <a:solidFill>
+                  <a:srgbClr val="0000FF"/>
+                </a:solidFill>
+                <a:latin typeface="돋움체" panose="020B0609000101010101" pitchFamily="49" charset="-127"/>
+                <a:ea typeface="돋움체" panose="020B0609000101010101" pitchFamily="49" charset="-127"/>
+              </a:rPr>
+              <a:t>int</a:t>
+            </a:r>
+            <a:r>
+              <a:rPr lang="en-US" altLang="ko-KR" sz="1800" dirty="0">
+                <a:solidFill>
+                  <a:srgbClr val="000000"/>
+                </a:solidFill>
+                <a:latin typeface="돋움체" panose="020B0609000101010101" pitchFamily="49" charset="-127"/>
+                <a:ea typeface="돋움체" panose="020B0609000101010101" pitchFamily="49" charset="-127"/>
+              </a:rPr>
+              <a:t> *b = &amp;a;</a:t>
+            </a:r>
+          </a:p>
+          <a:p>
+            <a:r>
+              <a:rPr lang="en-US" altLang="ko-KR" sz="1800" dirty="0">
+                <a:solidFill>
+                  <a:srgbClr val="0000FF"/>
+                </a:solidFill>
+                <a:latin typeface="돋움체" panose="020B0609000101010101" pitchFamily="49" charset="-127"/>
+                <a:ea typeface="돋움체" panose="020B0609000101010101" pitchFamily="49" charset="-127"/>
+              </a:rPr>
+              <a:t>int</a:t>
+            </a:r>
+            <a:r>
+              <a:rPr lang="en-US" altLang="ko-KR" sz="1800" dirty="0">
+                <a:solidFill>
+                  <a:srgbClr val="000000"/>
+                </a:solidFill>
+                <a:latin typeface="돋움체" panose="020B0609000101010101" pitchFamily="49" charset="-127"/>
+                <a:ea typeface="돋움체" panose="020B0609000101010101" pitchFamily="49" charset="-127"/>
+              </a:rPr>
+              <a:t> *c = &amp;b;</a:t>
+            </a:r>
+          </a:p>
+          <a:p>
+            <a:endParaRPr lang="ko-KR" altLang="en-US" sz="1800" dirty="0">
+              <a:solidFill>
+                <a:srgbClr val="000000"/>
+              </a:solidFill>
+              <a:latin typeface="돋움체" panose="020B0609000101010101" pitchFamily="49" charset="-127"/>
+              <a:ea typeface="돋움체" panose="020B0609000101010101" pitchFamily="49" charset="-127"/>
+            </a:endParaRPr>
+          </a:p>
+          <a:p>
+            <a:r>
+              <a:rPr lang="en-US" altLang="ko-KR" sz="1800" dirty="0" err="1">
+                <a:solidFill>
+                  <a:srgbClr val="000000"/>
+                </a:solidFill>
+                <a:latin typeface="돋움체" panose="020B0609000101010101" pitchFamily="49" charset="-127"/>
+                <a:ea typeface="돋움체" panose="020B0609000101010101" pitchFamily="49" charset="-127"/>
+              </a:rPr>
+              <a:t>printf</a:t>
+            </a:r>
+            <a:r>
+              <a:rPr lang="en-US" altLang="ko-KR" sz="1800" dirty="0">
+                <a:solidFill>
+                  <a:srgbClr val="000000"/>
+                </a:solidFill>
+                <a:latin typeface="돋움체" panose="020B0609000101010101" pitchFamily="49" charset="-127"/>
+                <a:ea typeface="돋움체" panose="020B0609000101010101" pitchFamily="49" charset="-127"/>
+              </a:rPr>
+              <a:t>(</a:t>
+            </a:r>
+            <a:r>
+              <a:rPr lang="en-US" altLang="ko-KR" sz="1800" dirty="0">
+                <a:solidFill>
+                  <a:srgbClr val="A31515"/>
+                </a:solidFill>
+                <a:latin typeface="돋움체" panose="020B0609000101010101" pitchFamily="49" charset="-127"/>
+                <a:ea typeface="돋움체" panose="020B0609000101010101" pitchFamily="49" charset="-127"/>
+              </a:rPr>
+              <a:t>"%p\n"</a:t>
+            </a:r>
+            <a:r>
+              <a:rPr lang="en-US" altLang="ko-KR" sz="1800" dirty="0">
+                <a:solidFill>
+                  <a:srgbClr val="000000"/>
+                </a:solidFill>
+                <a:latin typeface="돋움체" panose="020B0609000101010101" pitchFamily="49" charset="-127"/>
+                <a:ea typeface="돋움체" panose="020B0609000101010101" pitchFamily="49" charset="-127"/>
+              </a:rPr>
+              <a:t>, &amp;a);   </a:t>
+            </a:r>
+            <a:r>
+              <a:rPr lang="en-US" altLang="ko-KR" sz="1800" dirty="0">
+                <a:solidFill>
+                  <a:srgbClr val="008000"/>
+                </a:solidFill>
+                <a:latin typeface="돋움체" panose="020B0609000101010101" pitchFamily="49" charset="-127"/>
+                <a:ea typeface="돋움체" panose="020B0609000101010101" pitchFamily="49" charset="-127"/>
+              </a:rPr>
+              <a:t>//a</a:t>
+            </a:r>
+            <a:r>
+              <a:rPr lang="ko-KR" altLang="en-US" sz="1800" dirty="0">
+                <a:solidFill>
+                  <a:srgbClr val="008000"/>
+                </a:solidFill>
+                <a:latin typeface="돋움체" panose="020B0609000101010101" pitchFamily="49" charset="-127"/>
+                <a:ea typeface="돋움체" panose="020B0609000101010101" pitchFamily="49" charset="-127"/>
+              </a:rPr>
+              <a:t>의 주소</a:t>
+            </a:r>
+            <a:endParaRPr lang="ko-KR" altLang="en-US" sz="1800" dirty="0">
+              <a:solidFill>
+                <a:srgbClr val="000000"/>
+              </a:solidFill>
+              <a:latin typeface="돋움체" panose="020B0609000101010101" pitchFamily="49" charset="-127"/>
+              <a:ea typeface="돋움체" panose="020B0609000101010101" pitchFamily="49" charset="-127"/>
+            </a:endParaRPr>
+          </a:p>
+          <a:p>
+            <a:r>
+              <a:rPr lang="en-US" altLang="ko-KR" sz="1800" dirty="0" err="1">
+                <a:solidFill>
+                  <a:srgbClr val="000000"/>
+                </a:solidFill>
+                <a:latin typeface="돋움체" panose="020B0609000101010101" pitchFamily="49" charset="-127"/>
+                <a:ea typeface="돋움체" panose="020B0609000101010101" pitchFamily="49" charset="-127"/>
+              </a:rPr>
+              <a:t>printf</a:t>
+            </a:r>
+            <a:r>
+              <a:rPr lang="en-US" altLang="ko-KR" sz="1800" dirty="0">
+                <a:solidFill>
+                  <a:srgbClr val="000000"/>
+                </a:solidFill>
+                <a:latin typeface="돋움체" panose="020B0609000101010101" pitchFamily="49" charset="-127"/>
+                <a:ea typeface="돋움체" panose="020B0609000101010101" pitchFamily="49" charset="-127"/>
+              </a:rPr>
+              <a:t>(</a:t>
+            </a:r>
+            <a:r>
+              <a:rPr lang="en-US" altLang="ko-KR" sz="1800" dirty="0">
+                <a:solidFill>
+                  <a:srgbClr val="A31515"/>
+                </a:solidFill>
+                <a:latin typeface="돋움체" panose="020B0609000101010101" pitchFamily="49" charset="-127"/>
+                <a:ea typeface="돋움체" panose="020B0609000101010101" pitchFamily="49" charset="-127"/>
+              </a:rPr>
+              <a:t>"%p\n"</a:t>
+            </a:r>
+            <a:r>
+              <a:rPr lang="en-US" altLang="ko-KR" sz="1800" dirty="0">
+                <a:solidFill>
+                  <a:srgbClr val="000000"/>
+                </a:solidFill>
+                <a:latin typeface="돋움체" panose="020B0609000101010101" pitchFamily="49" charset="-127"/>
+                <a:ea typeface="돋움체" panose="020B0609000101010101" pitchFamily="49" charset="-127"/>
+              </a:rPr>
+              <a:t>, &amp;b);    </a:t>
+            </a:r>
+            <a:r>
+              <a:rPr lang="en-US" altLang="ko-KR" sz="1800" dirty="0">
+                <a:solidFill>
+                  <a:srgbClr val="008000"/>
+                </a:solidFill>
+                <a:latin typeface="돋움체" panose="020B0609000101010101" pitchFamily="49" charset="-127"/>
+                <a:ea typeface="돋움체" panose="020B0609000101010101" pitchFamily="49" charset="-127"/>
+              </a:rPr>
+              <a:t>//b</a:t>
+            </a:r>
+            <a:r>
+              <a:rPr lang="ko-KR" altLang="en-US" sz="1800" dirty="0">
+                <a:solidFill>
+                  <a:srgbClr val="008000"/>
+                </a:solidFill>
+                <a:latin typeface="돋움체" panose="020B0609000101010101" pitchFamily="49" charset="-127"/>
+                <a:ea typeface="돋움체" panose="020B0609000101010101" pitchFamily="49" charset="-127"/>
+              </a:rPr>
+              <a:t>의 주소</a:t>
+            </a:r>
+            <a:endParaRPr lang="ko-KR" altLang="en-US" sz="1800" dirty="0">
+              <a:solidFill>
+                <a:srgbClr val="000000"/>
+              </a:solidFill>
+              <a:latin typeface="돋움체" panose="020B0609000101010101" pitchFamily="49" charset="-127"/>
+              <a:ea typeface="돋움체" panose="020B0609000101010101" pitchFamily="49" charset="-127"/>
+            </a:endParaRPr>
+          </a:p>
+          <a:p>
+            <a:r>
+              <a:rPr lang="en-US" altLang="ko-KR" sz="1800" dirty="0" err="1">
+                <a:solidFill>
+                  <a:srgbClr val="000000"/>
+                </a:solidFill>
+                <a:latin typeface="돋움체" panose="020B0609000101010101" pitchFamily="49" charset="-127"/>
+                <a:ea typeface="돋움체" panose="020B0609000101010101" pitchFamily="49" charset="-127"/>
+              </a:rPr>
+              <a:t>printf</a:t>
+            </a:r>
+            <a:r>
+              <a:rPr lang="en-US" altLang="ko-KR" sz="1800" dirty="0">
+                <a:solidFill>
+                  <a:srgbClr val="000000"/>
+                </a:solidFill>
+                <a:latin typeface="돋움체" panose="020B0609000101010101" pitchFamily="49" charset="-127"/>
+                <a:ea typeface="돋움체" panose="020B0609000101010101" pitchFamily="49" charset="-127"/>
+              </a:rPr>
+              <a:t>(</a:t>
+            </a:r>
+            <a:r>
+              <a:rPr lang="en-US" altLang="ko-KR" sz="1800" dirty="0">
+                <a:solidFill>
+                  <a:srgbClr val="A31515"/>
+                </a:solidFill>
+                <a:latin typeface="돋움체" panose="020B0609000101010101" pitchFamily="49" charset="-127"/>
+                <a:ea typeface="돋움체" panose="020B0609000101010101" pitchFamily="49" charset="-127"/>
+              </a:rPr>
+              <a:t>"%p\n"</a:t>
+            </a:r>
+            <a:r>
+              <a:rPr lang="en-US" altLang="ko-KR" sz="1800" dirty="0">
+                <a:solidFill>
+                  <a:srgbClr val="000000"/>
+                </a:solidFill>
+                <a:latin typeface="돋움체" panose="020B0609000101010101" pitchFamily="49" charset="-127"/>
+                <a:ea typeface="돋움체" panose="020B0609000101010101" pitchFamily="49" charset="-127"/>
+              </a:rPr>
+              <a:t>, c);  </a:t>
+            </a:r>
+            <a:r>
+              <a:rPr lang="en-US" altLang="ko-KR" sz="1800" dirty="0">
+                <a:solidFill>
+                  <a:srgbClr val="008000"/>
+                </a:solidFill>
+                <a:latin typeface="돋움체" panose="020B0609000101010101" pitchFamily="49" charset="-127"/>
+                <a:ea typeface="돋움체" panose="020B0609000101010101" pitchFamily="49" charset="-127"/>
+              </a:rPr>
+              <a:t>//b</a:t>
+            </a:r>
+            <a:r>
+              <a:rPr lang="ko-KR" altLang="en-US" sz="1800" dirty="0">
+                <a:solidFill>
+                  <a:srgbClr val="008000"/>
+                </a:solidFill>
+                <a:latin typeface="돋움체" panose="020B0609000101010101" pitchFamily="49" charset="-127"/>
+                <a:ea typeface="돋움체" panose="020B0609000101010101" pitchFamily="49" charset="-127"/>
+              </a:rPr>
+              <a:t>의 주소</a:t>
+            </a:r>
+            <a:endParaRPr lang="ko-KR" altLang="en-US" sz="1800" dirty="0">
+              <a:solidFill>
+                <a:srgbClr val="000000"/>
+              </a:solidFill>
+              <a:latin typeface="돋움체" panose="020B0609000101010101" pitchFamily="49" charset="-127"/>
+              <a:ea typeface="돋움체" panose="020B0609000101010101" pitchFamily="49" charset="-127"/>
+            </a:endParaRPr>
+          </a:p>
+          <a:p>
+            <a:r>
+              <a:rPr lang="en-US" altLang="ko-KR" sz="1800" dirty="0" err="1">
+                <a:solidFill>
+                  <a:srgbClr val="000000"/>
+                </a:solidFill>
+                <a:latin typeface="돋움체" panose="020B0609000101010101" pitchFamily="49" charset="-127"/>
+                <a:ea typeface="돋움체" panose="020B0609000101010101" pitchFamily="49" charset="-127"/>
+              </a:rPr>
+              <a:t>printf</a:t>
+            </a:r>
+            <a:r>
+              <a:rPr lang="en-US" altLang="ko-KR" sz="1800" dirty="0">
+                <a:solidFill>
+                  <a:srgbClr val="000000"/>
+                </a:solidFill>
+                <a:latin typeface="돋움체" panose="020B0609000101010101" pitchFamily="49" charset="-127"/>
+                <a:ea typeface="돋움체" panose="020B0609000101010101" pitchFamily="49" charset="-127"/>
+              </a:rPr>
+              <a:t>(</a:t>
+            </a:r>
+            <a:r>
+              <a:rPr lang="en-US" altLang="ko-KR" sz="1800" dirty="0">
+                <a:solidFill>
+                  <a:srgbClr val="A31515"/>
+                </a:solidFill>
+                <a:latin typeface="돋움체" panose="020B0609000101010101" pitchFamily="49" charset="-127"/>
+                <a:ea typeface="돋움체" panose="020B0609000101010101" pitchFamily="49" charset="-127"/>
+              </a:rPr>
+              <a:t>"%p\n"</a:t>
+            </a:r>
+            <a:r>
+              <a:rPr lang="en-US" altLang="ko-KR" sz="1800" dirty="0">
+                <a:solidFill>
+                  <a:srgbClr val="000000"/>
+                </a:solidFill>
+                <a:latin typeface="돋움체" panose="020B0609000101010101" pitchFamily="49" charset="-127"/>
+                <a:ea typeface="돋움체" panose="020B0609000101010101" pitchFamily="49" charset="-127"/>
+              </a:rPr>
+              <a:t>, *c);  </a:t>
+            </a:r>
+            <a:r>
+              <a:rPr lang="en-US" altLang="ko-KR" sz="1800" dirty="0">
+                <a:solidFill>
+                  <a:srgbClr val="008000"/>
+                </a:solidFill>
+                <a:latin typeface="돋움체" panose="020B0609000101010101" pitchFamily="49" charset="-127"/>
+                <a:ea typeface="돋움체" panose="020B0609000101010101" pitchFamily="49" charset="-127"/>
+              </a:rPr>
+              <a:t>//a</a:t>
+            </a:r>
+            <a:r>
+              <a:rPr lang="ko-KR" altLang="en-US" sz="1800" dirty="0">
+                <a:solidFill>
+                  <a:srgbClr val="008000"/>
+                </a:solidFill>
+                <a:latin typeface="돋움체" panose="020B0609000101010101" pitchFamily="49" charset="-127"/>
+                <a:ea typeface="돋움체" panose="020B0609000101010101" pitchFamily="49" charset="-127"/>
+              </a:rPr>
+              <a:t>의 주소</a:t>
+            </a:r>
+            <a:endParaRPr lang="ko-KR" altLang="en-US" sz="1800" dirty="0">
+              <a:solidFill>
+                <a:srgbClr val="000000"/>
+              </a:solidFill>
+              <a:latin typeface="돋움체" panose="020B0609000101010101" pitchFamily="49" charset="-127"/>
+              <a:ea typeface="돋움체" panose="020B0609000101010101" pitchFamily="49" charset="-127"/>
+            </a:endParaRPr>
+          </a:p>
+          <a:p>
+            <a:endParaRPr lang="ko-KR" altLang="en-US" sz="1800" dirty="0">
+              <a:solidFill>
+                <a:srgbClr val="000000"/>
+              </a:solidFill>
+              <a:latin typeface="돋움체" panose="020B0609000101010101" pitchFamily="49" charset="-127"/>
+              <a:ea typeface="돋움체" panose="020B0609000101010101" pitchFamily="49" charset="-127"/>
+            </a:endParaRPr>
+          </a:p>
+          <a:p>
+            <a:r>
+              <a:rPr lang="en-US" altLang="ko-KR" sz="1800" dirty="0">
+                <a:solidFill>
+                  <a:srgbClr val="000000"/>
+                </a:solidFill>
+                <a:latin typeface="돋움체" panose="020B0609000101010101" pitchFamily="49" charset="-127"/>
+                <a:ea typeface="돋움체" panose="020B0609000101010101" pitchFamily="49" charset="-127"/>
+              </a:rPr>
+              <a:t>}</a:t>
+            </a:r>
+          </a:p>
+          <a:p>
+            <a:endParaRPr lang="en-US" altLang="ko-KR" dirty="0">
+              <a:solidFill>
+                <a:srgbClr val="000000"/>
+              </a:solidFill>
+              <a:latin typeface="돋움체" panose="020B0609000101010101" pitchFamily="49" charset="-127"/>
+              <a:ea typeface="돋움체" panose="020B0609000101010101" pitchFamily="49" charset="-127"/>
+            </a:endParaRPr>
+          </a:p>
+          <a:p>
+            <a:r>
+              <a:rPr lang="en-US" altLang="ko-KR" dirty="0">
+                <a:solidFill>
+                  <a:srgbClr val="000000"/>
+                </a:solidFill>
+                <a:latin typeface="돋움체" panose="020B0609000101010101" pitchFamily="49" charset="-127"/>
+                <a:ea typeface="돋움체" panose="020B0609000101010101" pitchFamily="49" charset="-127"/>
+              </a:rPr>
+              <a:t>                        </a:t>
+            </a:r>
+            <a:endParaRPr lang="ko-KR" altLang="en-US" dirty="0"/>
+          </a:p>
+        </p:txBody>
+      </p:sp>
+      <p:sp>
+        <p:nvSpPr>
+          <p:cNvPr id="5" name="TextBox 4">
+            <a:extLst>
+              <a:ext uri="{FF2B5EF4-FFF2-40B4-BE49-F238E27FC236}">
+                <a16:creationId xmlns:a16="http://schemas.microsoft.com/office/drawing/2014/main" id="{EEFBD138-208C-E68E-E855-DC517AB41B9D}"/>
+              </a:ext>
+            </a:extLst>
+          </p:cNvPr>
+          <p:cNvSpPr txBox="1"/>
+          <p:nvPr/>
+        </p:nvSpPr>
+        <p:spPr>
+          <a:xfrm>
+            <a:off x="6206837" y="2419927"/>
+            <a:ext cx="350982" cy="523220"/>
+          </a:xfrm>
+          <a:prstGeom prst="rect">
+            <a:avLst/>
+          </a:prstGeom>
+          <a:noFill/>
+        </p:spPr>
+        <p:txBody>
+          <a:bodyPr wrap="square" rtlCol="0">
+            <a:spAutoFit/>
+          </a:bodyPr>
+          <a:lstStyle/>
+          <a:p>
+            <a:r>
+              <a:rPr lang="en-US" altLang="ko-KR" sz="2800" dirty="0"/>
+              <a:t>c</a:t>
+            </a:r>
+            <a:endParaRPr lang="ko-KR" altLang="en-US" sz="2800" dirty="0"/>
+          </a:p>
+        </p:txBody>
+      </p:sp>
+      <p:sp>
+        <p:nvSpPr>
+          <p:cNvPr id="6" name="TextBox 5">
+            <a:extLst>
+              <a:ext uri="{FF2B5EF4-FFF2-40B4-BE49-F238E27FC236}">
+                <a16:creationId xmlns:a16="http://schemas.microsoft.com/office/drawing/2014/main" id="{A05FA9AE-00B2-0DB7-FD78-F9819B06678E}"/>
+              </a:ext>
+            </a:extLst>
+          </p:cNvPr>
+          <p:cNvSpPr txBox="1"/>
+          <p:nvPr/>
+        </p:nvSpPr>
+        <p:spPr>
+          <a:xfrm>
+            <a:off x="8691424" y="2401454"/>
+            <a:ext cx="350982" cy="523220"/>
+          </a:xfrm>
+          <a:prstGeom prst="rect">
+            <a:avLst/>
+          </a:prstGeom>
+          <a:noFill/>
+        </p:spPr>
+        <p:txBody>
+          <a:bodyPr wrap="square" rtlCol="0">
+            <a:spAutoFit/>
+          </a:bodyPr>
+          <a:lstStyle/>
+          <a:p>
+            <a:r>
+              <a:rPr lang="en-US" altLang="ko-KR" sz="2800" dirty="0"/>
+              <a:t>b</a:t>
+            </a:r>
+            <a:endParaRPr lang="ko-KR" altLang="en-US" sz="2800" dirty="0"/>
+          </a:p>
+        </p:txBody>
+      </p:sp>
+      <p:sp>
+        <p:nvSpPr>
+          <p:cNvPr id="7" name="TextBox 6">
+            <a:extLst>
+              <a:ext uri="{FF2B5EF4-FFF2-40B4-BE49-F238E27FC236}">
+                <a16:creationId xmlns:a16="http://schemas.microsoft.com/office/drawing/2014/main" id="{F1057187-B9AE-CC0B-7047-F0E62C743043}"/>
+              </a:ext>
+            </a:extLst>
+          </p:cNvPr>
+          <p:cNvSpPr txBox="1"/>
+          <p:nvPr/>
+        </p:nvSpPr>
+        <p:spPr>
+          <a:xfrm>
+            <a:off x="10769605" y="2401454"/>
+            <a:ext cx="350982" cy="523220"/>
+          </a:xfrm>
+          <a:prstGeom prst="rect">
+            <a:avLst/>
+          </a:prstGeom>
+          <a:noFill/>
+        </p:spPr>
+        <p:txBody>
+          <a:bodyPr wrap="square" rtlCol="0">
+            <a:spAutoFit/>
+          </a:bodyPr>
+          <a:lstStyle/>
+          <a:p>
+            <a:r>
+              <a:rPr lang="en-US" altLang="ko-KR" sz="2800" dirty="0"/>
+              <a:t>a</a:t>
+            </a:r>
+            <a:endParaRPr lang="ko-KR" altLang="en-US" sz="2800" dirty="0"/>
+          </a:p>
+        </p:txBody>
+      </p:sp>
+      <p:cxnSp>
+        <p:nvCxnSpPr>
+          <p:cNvPr id="9" name="직선 화살표 연결선 8">
+            <a:extLst>
+              <a:ext uri="{FF2B5EF4-FFF2-40B4-BE49-F238E27FC236}">
+                <a16:creationId xmlns:a16="http://schemas.microsoft.com/office/drawing/2014/main" id="{BC4CAD27-AF59-C5D5-42CC-7D6E75371541}"/>
+              </a:ext>
+            </a:extLst>
+          </p:cNvPr>
+          <p:cNvCxnSpPr/>
+          <p:nvPr/>
+        </p:nvCxnSpPr>
+        <p:spPr>
+          <a:xfrm>
+            <a:off x="6770255" y="2681537"/>
+            <a:ext cx="1653309" cy="0"/>
+          </a:xfrm>
+          <a:prstGeom prst="straightConnector1">
+            <a:avLst/>
+          </a:prstGeom>
+          <a:ln>
+            <a:tailEnd type="triangle"/>
+          </a:ln>
+        </p:spPr>
+        <p:style>
+          <a:lnRef idx="2">
+            <a:schemeClr val="accent1"/>
+          </a:lnRef>
+          <a:fillRef idx="0">
+            <a:schemeClr val="accent1"/>
+          </a:fillRef>
+          <a:effectRef idx="1">
+            <a:schemeClr val="accent1"/>
+          </a:effectRef>
+          <a:fontRef idx="minor">
+            <a:schemeClr val="tx1"/>
+          </a:fontRef>
+        </p:style>
+      </p:cxnSp>
+      <p:cxnSp>
+        <p:nvCxnSpPr>
+          <p:cNvPr id="10" name="직선 화살표 연결선 9">
+            <a:extLst>
+              <a:ext uri="{FF2B5EF4-FFF2-40B4-BE49-F238E27FC236}">
+                <a16:creationId xmlns:a16="http://schemas.microsoft.com/office/drawing/2014/main" id="{21752F88-1E40-D3D5-4601-CBBAE3190F46}"/>
+              </a:ext>
+            </a:extLst>
+          </p:cNvPr>
+          <p:cNvCxnSpPr/>
+          <p:nvPr/>
+        </p:nvCxnSpPr>
+        <p:spPr>
+          <a:xfrm>
+            <a:off x="9116296" y="2681537"/>
+            <a:ext cx="1653309" cy="0"/>
+          </a:xfrm>
+          <a:prstGeom prst="straightConnector1">
+            <a:avLst/>
+          </a:prstGeom>
+          <a:ln>
+            <a:tailEnd type="triangle"/>
+          </a:ln>
+        </p:spPr>
+        <p:style>
+          <a:lnRef idx="2">
+            <a:schemeClr val="accent1"/>
+          </a:lnRef>
+          <a:fillRef idx="0">
+            <a:schemeClr val="accent1"/>
+          </a:fillRef>
+          <a:effectRef idx="1">
+            <a:schemeClr val="accent1"/>
+          </a:effectRef>
+          <a:fontRef idx="minor">
+            <a:schemeClr val="tx1"/>
+          </a:fontRef>
+        </p:style>
+      </p:cxnSp>
+    </p:spTree>
+    <p:extLst>
+      <p:ext uri="{BB962C8B-B14F-4D97-AF65-F5344CB8AC3E}">
+        <p14:creationId xmlns:p14="http://schemas.microsoft.com/office/powerpoint/2010/main" val="3507370344"/>
+      </p:ext>
+    </p:extLst>
+  </p:cSld>
+  <p:clrMapOvr>
+    <a:masterClrMapping/>
+  </p:clrMapOvr>
+</p:sld>
+</file>
+
+<file path=ppt/slides/slide43.xml><?xml version="1.0" encoding="utf-8"?>
 <p:sld xmlns:a="http://schemas.openxmlformats.org/drawingml/2006/main" xmlns:r="http://schemas.openxmlformats.org/officeDocument/2006/relationships" xmlns:p="http://schemas.openxmlformats.org/presentationml/2006/main">
   <p:cSld>
     <p:spTree>
@@ -21833,7 +22587,7 @@
 </p:sld>
 </file>
 
-<file path=ppt/slides/slide43.xml><?xml version="1.0" encoding="utf-8"?>
+<file path=ppt/slides/slide44.xml><?xml version="1.0" encoding="utf-8"?>
 <p:sld xmlns:a="http://schemas.openxmlformats.org/drawingml/2006/main" xmlns:r="http://schemas.openxmlformats.org/officeDocument/2006/relationships" xmlns:p="http://schemas.openxmlformats.org/presentationml/2006/main">
   <p:cSld>
     <p:spTree>
@@ -22124,7 +22878,7 @@
 </p:sld>
 </file>
 
-<file path=ppt/slides/slide44.xml><?xml version="1.0" encoding="utf-8"?>
+<file path=ppt/slides/slide45.xml><?xml version="1.0" encoding="utf-8"?>
 <p:sld xmlns:a="http://schemas.openxmlformats.org/drawingml/2006/main" xmlns:r="http://schemas.openxmlformats.org/officeDocument/2006/relationships" xmlns:p="http://schemas.openxmlformats.org/presentationml/2006/main">
   <p:cSld>
     <p:spTree>
@@ -23004,7 +23758,7 @@
 </p:sld>
 </file>
 
-<file path=ppt/slides/slide45.xml><?xml version="1.0" encoding="utf-8"?>
+<file path=ppt/slides/slide46.xml><?xml version="1.0" encoding="utf-8"?>
 <p:sld xmlns:a="http://schemas.openxmlformats.org/drawingml/2006/main" xmlns:r="http://schemas.openxmlformats.org/officeDocument/2006/relationships" xmlns:p="http://schemas.openxmlformats.org/presentationml/2006/main">
   <p:cSld>
     <p:spTree>
@@ -24201,7 +24955,7 @@
 </p:sld>
 </file>
 
-<file path=ppt/slides/slide46.xml><?xml version="1.0" encoding="utf-8"?>
+<file path=ppt/slides/slide47.xml><?xml version="1.0" encoding="utf-8"?>
 <p:sld xmlns:a="http://schemas.openxmlformats.org/drawingml/2006/main" xmlns:r="http://schemas.openxmlformats.org/officeDocument/2006/relationships" xmlns:p="http://schemas.openxmlformats.org/presentationml/2006/main">
   <p:cSld>
     <p:spTree>
@@ -25059,7 +25813,7 @@
 </p:sld>
 </file>
 
-<file path=ppt/slides/slide47.xml><?xml version="1.0" encoding="utf-8"?>
+<file path=ppt/slides/slide48.xml><?xml version="1.0" encoding="utf-8"?>
 <p:sld xmlns:a="http://schemas.openxmlformats.org/drawingml/2006/main" xmlns:r="http://schemas.openxmlformats.org/officeDocument/2006/relationships" xmlns:p="http://schemas.openxmlformats.org/presentationml/2006/main">
   <p:cSld>
     <p:spTree>
@@ -25356,7 +26110,7 @@
 </p:sld>
 </file>
 
-<file path=ppt/slides/slide48.xml><?xml version="1.0" encoding="utf-8"?>
+<file path=ppt/slides/slide49.xml><?xml version="1.0" encoding="utf-8"?>
 <p:sld xmlns:a="http://schemas.openxmlformats.org/drawingml/2006/main" xmlns:r="http://schemas.openxmlformats.org/officeDocument/2006/relationships" xmlns:p="http://schemas.openxmlformats.org/presentationml/2006/main">
   <p:cSld>
     <p:spTree>
@@ -25615,290 +26369,6 @@
     <p:extLst>
       <p:ext uri="{BB962C8B-B14F-4D97-AF65-F5344CB8AC3E}">
         <p14:creationId xmlns:p14="http://schemas.microsoft.com/office/powerpoint/2010/main" val="1562978700"/>
-      </p:ext>
-    </p:extLst>
-  </p:cSld>
-  <p:clrMapOvr>
-    <a:masterClrMapping/>
-  </p:clrMapOvr>
-</p:sld>
-</file>
-
-<file path=ppt/slides/slide49.xml><?xml version="1.0" encoding="utf-8"?>
-<p:sld xmlns:a="http://schemas.openxmlformats.org/drawingml/2006/main" xmlns:r="http://schemas.openxmlformats.org/officeDocument/2006/relationships" xmlns:p="http://schemas.openxmlformats.org/presentationml/2006/main">
-  <p:cSld>
-    <p:spTree>
-      <p:nvGrpSpPr>
-        <p:cNvPr id="1" name=""/>
-        <p:cNvGrpSpPr/>
-        <p:nvPr/>
-      </p:nvGrpSpPr>
-      <p:grpSpPr>
-        <a:xfrm>
-          <a:off x="0" y="0"/>
-          <a:ext cx="0" cy="0"/>
-          <a:chOff x="0" y="0"/>
-          <a:chExt cx="0" cy="0"/>
-        </a:xfrm>
-      </p:grpSpPr>
-      <p:sp>
-        <p:nvSpPr>
-          <p:cNvPr id="2" name="제목 1">
-            <a:extLst>
-              <a:ext uri="{FF2B5EF4-FFF2-40B4-BE49-F238E27FC236}">
-                <a16:creationId xmlns:a16="http://schemas.microsoft.com/office/drawing/2014/main" id="{E132EFAD-5A68-DDD9-9EE7-AED66575508D}"/>
-              </a:ext>
-            </a:extLst>
-          </p:cNvPr>
-          <p:cNvSpPr>
-            <a:spLocks noGrp="1"/>
-          </p:cNvSpPr>
-          <p:nvPr>
-            <p:ph type="title"/>
-          </p:nvPr>
-        </p:nvSpPr>
-        <p:spPr/>
-        <p:txBody>
-          <a:bodyPr/>
-          <a:lstStyle/>
-          <a:p>
-            <a:pPr algn="ctr"/>
-            <a:r>
-              <a:rPr lang="ko-KR" altLang="en-US" dirty="0"/>
-              <a:t>스택</a:t>
-            </a:r>
-            <a:r>
-              <a:rPr lang="en-US" altLang="ko-KR" dirty="0"/>
-              <a:t>-1</a:t>
-            </a:r>
-            <a:endParaRPr lang="ko-KR" altLang="en-US" dirty="0"/>
-          </a:p>
-        </p:txBody>
-      </p:sp>
-      <p:sp>
-        <p:nvSpPr>
-          <p:cNvPr id="4" name="TextBox 3">
-            <a:extLst>
-              <a:ext uri="{FF2B5EF4-FFF2-40B4-BE49-F238E27FC236}">
-                <a16:creationId xmlns:a16="http://schemas.microsoft.com/office/drawing/2014/main" id="{877CB96C-B1BE-5EB8-3E3B-190F2A2AF779}"/>
-              </a:ext>
-            </a:extLst>
-          </p:cNvPr>
-          <p:cNvSpPr txBox="1"/>
-          <p:nvPr/>
-        </p:nvSpPr>
-        <p:spPr>
-          <a:xfrm>
-            <a:off x="424873" y="1570182"/>
-            <a:ext cx="11647054" cy="4247317"/>
-          </a:xfrm>
-          <a:prstGeom prst="rect">
-            <a:avLst/>
-          </a:prstGeom>
-          <a:noFill/>
-        </p:spPr>
-        <p:txBody>
-          <a:bodyPr wrap="square" rtlCol="0">
-            <a:spAutoFit/>
-          </a:bodyPr>
-          <a:lstStyle/>
-          <a:p>
-            <a:r>
-              <a:rPr lang="en-US" altLang="ko-KR" dirty="0"/>
-              <a:t>*</a:t>
-            </a:r>
-            <a:r>
-              <a:rPr lang="ko-KR" altLang="en-US" dirty="0"/>
-              <a:t>배열의 특정 원소 출력 시 주의</a:t>
-            </a:r>
-            <a:endParaRPr lang="en-US" altLang="ko-KR" dirty="0"/>
-          </a:p>
-          <a:p>
-            <a:endParaRPr lang="en-US" altLang="ko-KR" dirty="0"/>
-          </a:p>
-          <a:p>
-            <a:r>
-              <a:rPr lang="ko-KR" altLang="en-US" dirty="0"/>
-              <a:t>후위연산자 방식</a:t>
-            </a:r>
-            <a:endParaRPr lang="en-US" altLang="ko-KR" dirty="0"/>
-          </a:p>
-          <a:p>
-            <a:r>
-              <a:rPr lang="en-US" altLang="ko-KR" dirty="0"/>
-              <a:t>int </a:t>
-            </a:r>
-            <a:r>
-              <a:rPr lang="en-US" altLang="ko-KR" dirty="0" err="1"/>
-              <a:t>i</a:t>
-            </a:r>
-            <a:r>
-              <a:rPr lang="en-US" altLang="ko-KR" dirty="0"/>
-              <a:t>=0; </a:t>
-            </a:r>
-          </a:p>
-          <a:p>
-            <a:r>
-              <a:rPr lang="en-US" altLang="ko-KR" dirty="0" err="1"/>
-              <a:t>printf</a:t>
-            </a:r>
-            <a:r>
-              <a:rPr lang="en-US" altLang="ko-KR" dirty="0"/>
-              <a:t>(“%</a:t>
-            </a:r>
-            <a:r>
-              <a:rPr lang="en-US" altLang="ko-KR" dirty="0" err="1"/>
-              <a:t>d”,array</a:t>
-            </a:r>
-            <a:r>
-              <a:rPr lang="en-US" altLang="ko-KR" dirty="0"/>
-              <a:t>[</a:t>
-            </a:r>
-            <a:r>
-              <a:rPr lang="en-US" altLang="ko-KR" dirty="0" err="1"/>
-              <a:t>i</a:t>
-            </a:r>
-            <a:r>
-              <a:rPr lang="en-US" altLang="ko-KR" dirty="0"/>
-              <a:t>++]);  -&gt;  array[0]</a:t>
-            </a:r>
-            <a:r>
-              <a:rPr lang="ko-KR" altLang="en-US" dirty="0"/>
-              <a:t>을 출력한 다음</a:t>
-            </a:r>
-            <a:r>
-              <a:rPr lang="en-US" altLang="ko-KR" dirty="0"/>
-              <a:t>, </a:t>
-            </a:r>
-            <a:r>
-              <a:rPr lang="en-US" altLang="ko-KR" dirty="0" err="1"/>
-              <a:t>i</a:t>
-            </a:r>
-            <a:r>
-              <a:rPr lang="ko-KR" altLang="en-US" dirty="0"/>
-              <a:t>는 </a:t>
-            </a:r>
-            <a:r>
-              <a:rPr lang="en-US" altLang="ko-KR" dirty="0"/>
-              <a:t>1</a:t>
-            </a:r>
-            <a:r>
-              <a:rPr lang="ko-KR" altLang="en-US" dirty="0"/>
-              <a:t>로 변함</a:t>
-            </a:r>
-            <a:r>
-              <a:rPr lang="en-US" altLang="ko-KR" dirty="0"/>
-              <a:t>.</a:t>
-            </a:r>
-          </a:p>
-          <a:p>
-            <a:endParaRPr lang="en-US" altLang="ko-KR" dirty="0"/>
-          </a:p>
-          <a:p>
-            <a:endParaRPr lang="en-US" altLang="ko-KR" dirty="0"/>
-          </a:p>
-          <a:p>
-            <a:r>
-              <a:rPr lang="ko-KR" altLang="en-US" dirty="0"/>
-              <a:t>전위연산자 방식</a:t>
-            </a:r>
-            <a:endParaRPr lang="en-US" altLang="ko-KR" dirty="0"/>
-          </a:p>
-          <a:p>
-            <a:r>
-              <a:rPr lang="en-US" altLang="ko-KR" dirty="0"/>
-              <a:t>int </a:t>
-            </a:r>
-            <a:r>
-              <a:rPr lang="en-US" altLang="ko-KR" dirty="0" err="1"/>
-              <a:t>i</a:t>
-            </a:r>
-            <a:r>
-              <a:rPr lang="en-US" altLang="ko-KR" dirty="0"/>
-              <a:t>=0; </a:t>
-            </a:r>
-          </a:p>
-          <a:p>
-            <a:r>
-              <a:rPr lang="en-US" altLang="ko-KR" dirty="0" err="1"/>
-              <a:t>printf</a:t>
-            </a:r>
-            <a:r>
-              <a:rPr lang="en-US" altLang="ko-KR" dirty="0"/>
-              <a:t>(“%</a:t>
-            </a:r>
-            <a:r>
-              <a:rPr lang="en-US" altLang="ko-KR" dirty="0" err="1"/>
-              <a:t>d”,array</a:t>
-            </a:r>
-            <a:r>
-              <a:rPr lang="en-US" altLang="ko-KR" dirty="0"/>
-              <a:t>[++</a:t>
-            </a:r>
-            <a:r>
-              <a:rPr lang="en-US" altLang="ko-KR" dirty="0" err="1"/>
-              <a:t>i</a:t>
-            </a:r>
-            <a:r>
-              <a:rPr lang="en-US" altLang="ko-KR" dirty="0"/>
-              <a:t>]);  -&gt;   </a:t>
-            </a:r>
-            <a:r>
-              <a:rPr lang="en-US" altLang="ko-KR" dirty="0" err="1"/>
-              <a:t>i</a:t>
-            </a:r>
-            <a:r>
-              <a:rPr lang="ko-KR" altLang="en-US" dirty="0"/>
-              <a:t>는 </a:t>
-            </a:r>
-            <a:r>
-              <a:rPr lang="en-US" altLang="ko-KR" dirty="0"/>
-              <a:t>1</a:t>
-            </a:r>
-            <a:r>
-              <a:rPr lang="ko-KR" altLang="en-US" dirty="0"/>
-              <a:t>로 변하고</a:t>
-            </a:r>
-            <a:r>
-              <a:rPr lang="en-US" altLang="ko-KR" dirty="0"/>
-              <a:t>, array[1]</a:t>
-            </a:r>
-            <a:r>
-              <a:rPr lang="ko-KR" altLang="en-US" dirty="0"/>
-              <a:t>을 출력한다</a:t>
-            </a:r>
-            <a:r>
-              <a:rPr lang="en-US" altLang="ko-KR" dirty="0"/>
-              <a:t>.</a:t>
-            </a:r>
-          </a:p>
-          <a:p>
-            <a:endParaRPr lang="en-US" altLang="ko-KR" dirty="0"/>
-          </a:p>
-          <a:p>
-            <a:endParaRPr lang="en-US" altLang="ko-KR" dirty="0"/>
-          </a:p>
-          <a:p>
-            <a:r>
-              <a:rPr lang="en-US" altLang="ko-KR" dirty="0"/>
-              <a:t> </a:t>
-            </a:r>
-          </a:p>
-          <a:p>
-            <a:endParaRPr lang="en-US" altLang="ko-KR" dirty="0"/>
-          </a:p>
-          <a:p>
-            <a:r>
-              <a:rPr lang="ko-KR" altLang="en-US" dirty="0"/>
-              <a:t> </a:t>
-            </a:r>
-          </a:p>
-        </p:txBody>
-      </p:sp>
-    </p:spTree>
-    <p:extLst>
-      <p:ext uri="{BB962C8B-B14F-4D97-AF65-F5344CB8AC3E}">
-        <p14:creationId xmlns:p14="http://schemas.microsoft.com/office/powerpoint/2010/main" val="1690488280"/>
       </p:ext>
     </p:extLst>
   </p:cSld>
@@ -26285,6 +26755,290 @@
           <p:cNvPr id="2" name="제목 1">
             <a:extLst>
               <a:ext uri="{FF2B5EF4-FFF2-40B4-BE49-F238E27FC236}">
+                <a16:creationId xmlns:a16="http://schemas.microsoft.com/office/drawing/2014/main" id="{E132EFAD-5A68-DDD9-9EE7-AED66575508D}"/>
+              </a:ext>
+            </a:extLst>
+          </p:cNvPr>
+          <p:cNvSpPr>
+            <a:spLocks noGrp="1"/>
+          </p:cNvSpPr>
+          <p:nvPr>
+            <p:ph type="title"/>
+          </p:nvPr>
+        </p:nvSpPr>
+        <p:spPr/>
+        <p:txBody>
+          <a:bodyPr/>
+          <a:lstStyle/>
+          <a:p>
+            <a:pPr algn="ctr"/>
+            <a:r>
+              <a:rPr lang="ko-KR" altLang="en-US" dirty="0"/>
+              <a:t>스택</a:t>
+            </a:r>
+            <a:r>
+              <a:rPr lang="en-US" altLang="ko-KR" dirty="0"/>
+              <a:t>-1</a:t>
+            </a:r>
+            <a:endParaRPr lang="ko-KR" altLang="en-US" dirty="0"/>
+          </a:p>
+        </p:txBody>
+      </p:sp>
+      <p:sp>
+        <p:nvSpPr>
+          <p:cNvPr id="4" name="TextBox 3">
+            <a:extLst>
+              <a:ext uri="{FF2B5EF4-FFF2-40B4-BE49-F238E27FC236}">
+                <a16:creationId xmlns:a16="http://schemas.microsoft.com/office/drawing/2014/main" id="{877CB96C-B1BE-5EB8-3E3B-190F2A2AF779}"/>
+              </a:ext>
+            </a:extLst>
+          </p:cNvPr>
+          <p:cNvSpPr txBox="1"/>
+          <p:nvPr/>
+        </p:nvSpPr>
+        <p:spPr>
+          <a:xfrm>
+            <a:off x="424873" y="1570182"/>
+            <a:ext cx="11647054" cy="4247317"/>
+          </a:xfrm>
+          <a:prstGeom prst="rect">
+            <a:avLst/>
+          </a:prstGeom>
+          <a:noFill/>
+        </p:spPr>
+        <p:txBody>
+          <a:bodyPr wrap="square" rtlCol="0">
+            <a:spAutoFit/>
+          </a:bodyPr>
+          <a:lstStyle/>
+          <a:p>
+            <a:r>
+              <a:rPr lang="en-US" altLang="ko-KR" dirty="0"/>
+              <a:t>*</a:t>
+            </a:r>
+            <a:r>
+              <a:rPr lang="ko-KR" altLang="en-US" dirty="0"/>
+              <a:t>배열의 특정 원소 출력 시 주의</a:t>
+            </a:r>
+            <a:endParaRPr lang="en-US" altLang="ko-KR" dirty="0"/>
+          </a:p>
+          <a:p>
+            <a:endParaRPr lang="en-US" altLang="ko-KR" dirty="0"/>
+          </a:p>
+          <a:p>
+            <a:r>
+              <a:rPr lang="ko-KR" altLang="en-US" dirty="0"/>
+              <a:t>후위연산자 방식</a:t>
+            </a:r>
+            <a:endParaRPr lang="en-US" altLang="ko-KR" dirty="0"/>
+          </a:p>
+          <a:p>
+            <a:r>
+              <a:rPr lang="en-US" altLang="ko-KR" dirty="0"/>
+              <a:t>int </a:t>
+            </a:r>
+            <a:r>
+              <a:rPr lang="en-US" altLang="ko-KR" dirty="0" err="1"/>
+              <a:t>i</a:t>
+            </a:r>
+            <a:r>
+              <a:rPr lang="en-US" altLang="ko-KR" dirty="0"/>
+              <a:t>=0; </a:t>
+            </a:r>
+          </a:p>
+          <a:p>
+            <a:r>
+              <a:rPr lang="en-US" altLang="ko-KR" dirty="0" err="1"/>
+              <a:t>printf</a:t>
+            </a:r>
+            <a:r>
+              <a:rPr lang="en-US" altLang="ko-KR" dirty="0"/>
+              <a:t>(“%</a:t>
+            </a:r>
+            <a:r>
+              <a:rPr lang="en-US" altLang="ko-KR" dirty="0" err="1"/>
+              <a:t>d”,array</a:t>
+            </a:r>
+            <a:r>
+              <a:rPr lang="en-US" altLang="ko-KR" dirty="0"/>
+              <a:t>[</a:t>
+            </a:r>
+            <a:r>
+              <a:rPr lang="en-US" altLang="ko-KR" dirty="0" err="1"/>
+              <a:t>i</a:t>
+            </a:r>
+            <a:r>
+              <a:rPr lang="en-US" altLang="ko-KR" dirty="0"/>
+              <a:t>++]);  -&gt;  array[0]</a:t>
+            </a:r>
+            <a:r>
+              <a:rPr lang="ko-KR" altLang="en-US" dirty="0"/>
+              <a:t>을 출력한 다음</a:t>
+            </a:r>
+            <a:r>
+              <a:rPr lang="en-US" altLang="ko-KR" dirty="0"/>
+              <a:t>, </a:t>
+            </a:r>
+            <a:r>
+              <a:rPr lang="en-US" altLang="ko-KR" dirty="0" err="1"/>
+              <a:t>i</a:t>
+            </a:r>
+            <a:r>
+              <a:rPr lang="ko-KR" altLang="en-US" dirty="0"/>
+              <a:t>는 </a:t>
+            </a:r>
+            <a:r>
+              <a:rPr lang="en-US" altLang="ko-KR" dirty="0"/>
+              <a:t>1</a:t>
+            </a:r>
+            <a:r>
+              <a:rPr lang="ko-KR" altLang="en-US" dirty="0"/>
+              <a:t>로 변함</a:t>
+            </a:r>
+            <a:r>
+              <a:rPr lang="en-US" altLang="ko-KR" dirty="0"/>
+              <a:t>.</a:t>
+            </a:r>
+          </a:p>
+          <a:p>
+            <a:endParaRPr lang="en-US" altLang="ko-KR" dirty="0"/>
+          </a:p>
+          <a:p>
+            <a:endParaRPr lang="en-US" altLang="ko-KR" dirty="0"/>
+          </a:p>
+          <a:p>
+            <a:r>
+              <a:rPr lang="ko-KR" altLang="en-US" dirty="0"/>
+              <a:t>전위연산자 방식</a:t>
+            </a:r>
+            <a:endParaRPr lang="en-US" altLang="ko-KR" dirty="0"/>
+          </a:p>
+          <a:p>
+            <a:r>
+              <a:rPr lang="en-US" altLang="ko-KR" dirty="0"/>
+              <a:t>int </a:t>
+            </a:r>
+            <a:r>
+              <a:rPr lang="en-US" altLang="ko-KR" dirty="0" err="1"/>
+              <a:t>i</a:t>
+            </a:r>
+            <a:r>
+              <a:rPr lang="en-US" altLang="ko-KR" dirty="0"/>
+              <a:t>=0; </a:t>
+            </a:r>
+          </a:p>
+          <a:p>
+            <a:r>
+              <a:rPr lang="en-US" altLang="ko-KR" dirty="0" err="1"/>
+              <a:t>printf</a:t>
+            </a:r>
+            <a:r>
+              <a:rPr lang="en-US" altLang="ko-KR" dirty="0"/>
+              <a:t>(“%</a:t>
+            </a:r>
+            <a:r>
+              <a:rPr lang="en-US" altLang="ko-KR" dirty="0" err="1"/>
+              <a:t>d”,array</a:t>
+            </a:r>
+            <a:r>
+              <a:rPr lang="en-US" altLang="ko-KR" dirty="0"/>
+              <a:t>[++</a:t>
+            </a:r>
+            <a:r>
+              <a:rPr lang="en-US" altLang="ko-KR" dirty="0" err="1"/>
+              <a:t>i</a:t>
+            </a:r>
+            <a:r>
+              <a:rPr lang="en-US" altLang="ko-KR" dirty="0"/>
+              <a:t>]);  -&gt;   </a:t>
+            </a:r>
+            <a:r>
+              <a:rPr lang="en-US" altLang="ko-KR" dirty="0" err="1"/>
+              <a:t>i</a:t>
+            </a:r>
+            <a:r>
+              <a:rPr lang="ko-KR" altLang="en-US" dirty="0"/>
+              <a:t>는 </a:t>
+            </a:r>
+            <a:r>
+              <a:rPr lang="en-US" altLang="ko-KR" dirty="0"/>
+              <a:t>1</a:t>
+            </a:r>
+            <a:r>
+              <a:rPr lang="ko-KR" altLang="en-US" dirty="0"/>
+              <a:t>로 변하고</a:t>
+            </a:r>
+            <a:r>
+              <a:rPr lang="en-US" altLang="ko-KR" dirty="0"/>
+              <a:t>, array[1]</a:t>
+            </a:r>
+            <a:r>
+              <a:rPr lang="ko-KR" altLang="en-US" dirty="0"/>
+              <a:t>을 출력한다</a:t>
+            </a:r>
+            <a:r>
+              <a:rPr lang="en-US" altLang="ko-KR" dirty="0"/>
+              <a:t>.</a:t>
+            </a:r>
+          </a:p>
+          <a:p>
+            <a:endParaRPr lang="en-US" altLang="ko-KR" dirty="0"/>
+          </a:p>
+          <a:p>
+            <a:endParaRPr lang="en-US" altLang="ko-KR" dirty="0"/>
+          </a:p>
+          <a:p>
+            <a:r>
+              <a:rPr lang="en-US" altLang="ko-KR" dirty="0"/>
+              <a:t> </a:t>
+            </a:r>
+          </a:p>
+          <a:p>
+            <a:endParaRPr lang="en-US" altLang="ko-KR" dirty="0"/>
+          </a:p>
+          <a:p>
+            <a:r>
+              <a:rPr lang="ko-KR" altLang="en-US" dirty="0"/>
+              <a:t> </a:t>
+            </a:r>
+          </a:p>
+        </p:txBody>
+      </p:sp>
+    </p:spTree>
+    <p:extLst>
+      <p:ext uri="{BB962C8B-B14F-4D97-AF65-F5344CB8AC3E}">
+        <p14:creationId xmlns:p14="http://schemas.microsoft.com/office/powerpoint/2010/main" val="1690488280"/>
+      </p:ext>
+    </p:extLst>
+  </p:cSld>
+  <p:clrMapOvr>
+    <a:masterClrMapping/>
+  </p:clrMapOvr>
+</p:sld>
+</file>
+
+<file path=ppt/slides/slide51.xml><?xml version="1.0" encoding="utf-8"?>
+<p:sld xmlns:a="http://schemas.openxmlformats.org/drawingml/2006/main" xmlns:r="http://schemas.openxmlformats.org/officeDocument/2006/relationships" xmlns:p="http://schemas.openxmlformats.org/presentationml/2006/main">
+  <p:cSld>
+    <p:spTree>
+      <p:nvGrpSpPr>
+        <p:cNvPr id="1" name=""/>
+        <p:cNvGrpSpPr/>
+        <p:nvPr/>
+      </p:nvGrpSpPr>
+      <p:grpSpPr>
+        <a:xfrm>
+          <a:off x="0" y="0"/>
+          <a:ext cx="0" cy="0"/>
+          <a:chOff x="0" y="0"/>
+          <a:chExt cx="0" cy="0"/>
+        </a:xfrm>
+      </p:grpSpPr>
+      <p:sp>
+        <p:nvSpPr>
+          <p:cNvPr id="2" name="제목 1">
+            <a:extLst>
+              <a:ext uri="{FF2B5EF4-FFF2-40B4-BE49-F238E27FC236}">
                 <a16:creationId xmlns:a16="http://schemas.microsoft.com/office/drawing/2014/main" id="{B4B58787-1748-C9FC-3316-2071B9E6C028}"/>
               </a:ext>
             </a:extLst>
@@ -26700,7 +27454,7 @@
 </p:sld>
 </file>
 
-<file path=ppt/slides/slide51.xml><?xml version="1.0" encoding="utf-8"?>
+<file path=ppt/slides/slide52.xml><?xml version="1.0" encoding="utf-8"?>
 <p:sld xmlns:a="http://schemas.openxmlformats.org/drawingml/2006/main" xmlns:r="http://schemas.openxmlformats.org/officeDocument/2006/relationships" xmlns:p="http://schemas.openxmlformats.org/presentationml/2006/main">
   <p:cSld>
     <p:spTree>
@@ -27389,7 +28143,7 @@
 </p:sld>
 </file>
 
-<file path=ppt/slides/slide52.xml><?xml version="1.0" encoding="utf-8"?>
+<file path=ppt/slides/slide53.xml><?xml version="1.0" encoding="utf-8"?>
 <p:sld xmlns:a="http://schemas.openxmlformats.org/drawingml/2006/main" xmlns:r="http://schemas.openxmlformats.org/officeDocument/2006/relationships" xmlns:p="http://schemas.openxmlformats.org/presentationml/2006/main">
   <p:cSld>
     <p:spTree>
@@ -28107,7 +28861,7 @@
 </p:sld>
 </file>
 
-<file path=ppt/slides/slide53.xml><?xml version="1.0" encoding="utf-8"?>
+<file path=ppt/slides/slide54.xml><?xml version="1.0" encoding="utf-8"?>
 <p:sld xmlns:a="http://schemas.openxmlformats.org/drawingml/2006/main" xmlns:r="http://schemas.openxmlformats.org/officeDocument/2006/relationships" xmlns:p="http://schemas.openxmlformats.org/presentationml/2006/main">
   <p:cSld>
     <p:spTree>
@@ -28917,7 +29671,7 @@
 </p:sld>
 </file>
 
-<file path=ppt/slides/slide54.xml><?xml version="1.0" encoding="utf-8"?>
+<file path=ppt/slides/slide55.xml><?xml version="1.0" encoding="utf-8"?>
 <p:sld xmlns:a="http://schemas.openxmlformats.org/drawingml/2006/main" xmlns:r="http://schemas.openxmlformats.org/officeDocument/2006/relationships" xmlns:p="http://schemas.openxmlformats.org/presentationml/2006/main">
   <p:cSld>
     <p:spTree>
@@ -29264,7 +30018,7 @@
 </p:sld>
 </file>
 
-<file path=ppt/slides/slide55.xml><?xml version="1.0" encoding="utf-8"?>
+<file path=ppt/slides/slide56.xml><?xml version="1.0" encoding="utf-8"?>
 <p:sld xmlns:a="http://schemas.openxmlformats.org/drawingml/2006/main" xmlns:r="http://schemas.openxmlformats.org/officeDocument/2006/relationships" xmlns:p="http://schemas.openxmlformats.org/presentationml/2006/main">
   <p:cSld>
     <p:spTree>
@@ -29443,7 +30197,7 @@
 </p:sld>
 </file>
 
-<file path=ppt/slides/slide56.xml><?xml version="1.0" encoding="utf-8"?>
+<file path=ppt/slides/slide57.xml><?xml version="1.0" encoding="utf-8"?>
 <p:sld xmlns:a="http://schemas.openxmlformats.org/drawingml/2006/main" xmlns:r="http://schemas.openxmlformats.org/officeDocument/2006/relationships" xmlns:p="http://schemas.openxmlformats.org/presentationml/2006/main">
   <p:cSld>
     <p:spTree>
@@ -30393,7 +31147,7 @@
 </p:sld>
 </file>
 
-<file path=ppt/slides/slide57.xml><?xml version="1.0" encoding="utf-8"?>
+<file path=ppt/slides/slide58.xml><?xml version="1.0" encoding="utf-8"?>
 <p:sld xmlns:a="http://schemas.openxmlformats.org/drawingml/2006/main" xmlns:r="http://schemas.openxmlformats.org/officeDocument/2006/relationships" xmlns:p="http://schemas.openxmlformats.org/presentationml/2006/main">
   <p:cSld>
     <p:spTree>
@@ -30885,7 +31639,7 @@
 </p:sld>
 </file>
 
-<file path=ppt/slides/slide58.xml><?xml version="1.0" encoding="utf-8"?>
+<file path=ppt/slides/slide59.xml><?xml version="1.0" encoding="utf-8"?>
 <p:sld xmlns:a="http://schemas.openxmlformats.org/drawingml/2006/main" xmlns:r="http://schemas.openxmlformats.org/officeDocument/2006/relationships" xmlns:p="http://schemas.openxmlformats.org/presentationml/2006/main">
   <p:cSld>
     <p:spTree>
@@ -31042,173 +31796,6 @@
     <p:extLst>
       <p:ext uri="{BB962C8B-B14F-4D97-AF65-F5344CB8AC3E}">
         <p14:creationId xmlns:p14="http://schemas.microsoft.com/office/powerpoint/2010/main" val="3407773105"/>
-      </p:ext>
-    </p:extLst>
-  </p:cSld>
-  <p:clrMapOvr>
-    <a:masterClrMapping/>
-  </p:clrMapOvr>
-</p:sld>
-</file>
-
-<file path=ppt/slides/slide59.xml><?xml version="1.0" encoding="utf-8"?>
-<p:sld xmlns:a="http://schemas.openxmlformats.org/drawingml/2006/main" xmlns:r="http://schemas.openxmlformats.org/officeDocument/2006/relationships" xmlns:p="http://schemas.openxmlformats.org/presentationml/2006/main">
-  <p:cSld>
-    <p:spTree>
-      <p:nvGrpSpPr>
-        <p:cNvPr id="1" name=""/>
-        <p:cNvGrpSpPr/>
-        <p:nvPr/>
-      </p:nvGrpSpPr>
-      <p:grpSpPr>
-        <a:xfrm>
-          <a:off x="0" y="0"/>
-          <a:ext cx="0" cy="0"/>
-          <a:chOff x="0" y="0"/>
-          <a:chExt cx="0" cy="0"/>
-        </a:xfrm>
-      </p:grpSpPr>
-      <p:sp>
-        <p:nvSpPr>
-          <p:cNvPr id="2" name="제목 1">
-            <a:extLst>
-              <a:ext uri="{FF2B5EF4-FFF2-40B4-BE49-F238E27FC236}">
-                <a16:creationId xmlns:a16="http://schemas.microsoft.com/office/drawing/2014/main" id="{D762B3AE-F808-775D-C45B-DEBE7F41575B}"/>
-              </a:ext>
-            </a:extLst>
-          </p:cNvPr>
-          <p:cNvSpPr>
-            <a:spLocks noGrp="1"/>
-          </p:cNvSpPr>
-          <p:nvPr>
-            <p:ph type="title"/>
-          </p:nvPr>
-        </p:nvSpPr>
-        <p:spPr/>
-        <p:txBody>
-          <a:bodyPr/>
-          <a:lstStyle/>
-          <a:p>
-            <a:pPr algn="ctr"/>
-            <a:r>
-              <a:rPr lang="ko-KR" altLang="en-US" dirty="0"/>
-              <a:t>후위표기식</a:t>
-            </a:r>
-            <a:r>
-              <a:rPr lang="en-US" altLang="ko-KR" dirty="0"/>
-              <a:t>(postfix)</a:t>
-            </a:r>
-            <a:r>
-              <a:rPr lang="ko-KR" altLang="en-US" dirty="0"/>
-              <a:t> 코드</a:t>
-            </a:r>
-          </a:p>
-        </p:txBody>
-      </p:sp>
-      <p:sp>
-        <p:nvSpPr>
-          <p:cNvPr id="4" name="TextBox 3">
-            <a:extLst>
-              <a:ext uri="{FF2B5EF4-FFF2-40B4-BE49-F238E27FC236}">
-                <a16:creationId xmlns:a16="http://schemas.microsoft.com/office/drawing/2014/main" id="{C443A8B4-A63A-8775-F947-1DA6645D87AB}"/>
-              </a:ext>
-            </a:extLst>
-          </p:cNvPr>
-          <p:cNvSpPr txBox="1"/>
-          <p:nvPr/>
-        </p:nvSpPr>
-        <p:spPr>
-          <a:xfrm>
-            <a:off x="287867" y="2167466"/>
-            <a:ext cx="11616266" cy="2308324"/>
-          </a:xfrm>
-          <a:prstGeom prst="rect">
-            <a:avLst/>
-          </a:prstGeom>
-          <a:noFill/>
-        </p:spPr>
-        <p:txBody>
-          <a:bodyPr wrap="square" rtlCol="0">
-            <a:spAutoFit/>
-          </a:bodyPr>
-          <a:lstStyle/>
-          <a:p>
-            <a:r>
-              <a:rPr lang="en-US" altLang="ko-KR" dirty="0"/>
-              <a:t>*a++ </a:t>
-            </a:r>
-            <a:r>
-              <a:rPr lang="ko-KR" altLang="en-US" dirty="0"/>
-              <a:t>식의 연산자 표기방식</a:t>
-            </a:r>
-            <a:endParaRPr lang="en-US" altLang="ko-KR" dirty="0"/>
-          </a:p>
-          <a:p>
-            <a:endParaRPr lang="en-US" altLang="ko-KR" dirty="0"/>
-          </a:p>
-          <a:p>
-            <a:r>
-              <a:rPr lang="en-US" altLang="ko-KR" dirty="0"/>
-              <a:t>char </a:t>
-            </a:r>
-            <a:r>
-              <a:rPr lang="ko-KR" altLang="en-US" dirty="0"/>
-              <a:t>형 숫자 </a:t>
-            </a:r>
-            <a:r>
-              <a:rPr lang="en-US" altLang="ko-KR" dirty="0"/>
-              <a:t>– ‘0’ =&gt; int </a:t>
-            </a:r>
-            <a:r>
-              <a:rPr lang="ko-KR" altLang="en-US" dirty="0"/>
-              <a:t>형 숫자</a:t>
-            </a:r>
-            <a:endParaRPr lang="en-US" altLang="ko-KR" dirty="0"/>
-          </a:p>
-          <a:p>
-            <a:endParaRPr lang="en-US" altLang="ko-KR" dirty="0"/>
-          </a:p>
-          <a:p>
-            <a:endParaRPr lang="en-US" altLang="ko-KR" dirty="0"/>
-          </a:p>
-          <a:p>
-            <a:r>
-              <a:rPr lang="ko-KR" altLang="en-US" dirty="0"/>
-              <a:t>식 계산 과정은</a:t>
-            </a:r>
-            <a:r>
-              <a:rPr lang="en-US" altLang="ko-KR" dirty="0"/>
-              <a:t>, push</a:t>
-            </a:r>
-            <a:r>
-              <a:rPr lang="ko-KR" altLang="en-US" dirty="0"/>
-              <a:t>와 </a:t>
-            </a:r>
-            <a:r>
-              <a:rPr lang="en-US" altLang="ko-KR" dirty="0"/>
-              <a:t>pop</a:t>
-            </a:r>
-            <a:r>
-              <a:rPr lang="ko-KR" altLang="en-US" dirty="0"/>
-              <a:t>이 진행되는 과정을 잘 파악하면 이해할 수 있다</a:t>
-            </a:r>
-            <a:r>
-              <a:rPr lang="en-US" altLang="ko-KR" dirty="0"/>
-              <a:t>.</a:t>
-            </a:r>
-          </a:p>
-          <a:p>
-            <a:endParaRPr lang="en-US" altLang="ko-KR" dirty="0"/>
-          </a:p>
-          <a:p>
-            <a:endParaRPr lang="ko-KR" altLang="en-US" dirty="0"/>
-          </a:p>
-        </p:txBody>
-      </p:sp>
-    </p:spTree>
-    <p:extLst>
-      <p:ext uri="{BB962C8B-B14F-4D97-AF65-F5344CB8AC3E}">
-        <p14:creationId xmlns:p14="http://schemas.microsoft.com/office/powerpoint/2010/main" val="2776171826"/>
       </p:ext>
     </p:extLst>
   </p:cSld>
@@ -31576,6 +32163,173 @@
           <p:cNvPr id="2" name="제목 1">
             <a:extLst>
               <a:ext uri="{FF2B5EF4-FFF2-40B4-BE49-F238E27FC236}">
+                <a16:creationId xmlns:a16="http://schemas.microsoft.com/office/drawing/2014/main" id="{D762B3AE-F808-775D-C45B-DEBE7F41575B}"/>
+              </a:ext>
+            </a:extLst>
+          </p:cNvPr>
+          <p:cNvSpPr>
+            <a:spLocks noGrp="1"/>
+          </p:cNvSpPr>
+          <p:nvPr>
+            <p:ph type="title"/>
+          </p:nvPr>
+        </p:nvSpPr>
+        <p:spPr/>
+        <p:txBody>
+          <a:bodyPr/>
+          <a:lstStyle/>
+          <a:p>
+            <a:pPr algn="ctr"/>
+            <a:r>
+              <a:rPr lang="ko-KR" altLang="en-US" dirty="0"/>
+              <a:t>후위표기식</a:t>
+            </a:r>
+            <a:r>
+              <a:rPr lang="en-US" altLang="ko-KR" dirty="0"/>
+              <a:t>(postfix)</a:t>
+            </a:r>
+            <a:r>
+              <a:rPr lang="ko-KR" altLang="en-US" dirty="0"/>
+              <a:t> 코드</a:t>
+            </a:r>
+          </a:p>
+        </p:txBody>
+      </p:sp>
+      <p:sp>
+        <p:nvSpPr>
+          <p:cNvPr id="4" name="TextBox 3">
+            <a:extLst>
+              <a:ext uri="{FF2B5EF4-FFF2-40B4-BE49-F238E27FC236}">
+                <a16:creationId xmlns:a16="http://schemas.microsoft.com/office/drawing/2014/main" id="{C443A8B4-A63A-8775-F947-1DA6645D87AB}"/>
+              </a:ext>
+            </a:extLst>
+          </p:cNvPr>
+          <p:cNvSpPr txBox="1"/>
+          <p:nvPr/>
+        </p:nvSpPr>
+        <p:spPr>
+          <a:xfrm>
+            <a:off x="287867" y="2167466"/>
+            <a:ext cx="11616266" cy="2308324"/>
+          </a:xfrm>
+          <a:prstGeom prst="rect">
+            <a:avLst/>
+          </a:prstGeom>
+          <a:noFill/>
+        </p:spPr>
+        <p:txBody>
+          <a:bodyPr wrap="square" rtlCol="0">
+            <a:spAutoFit/>
+          </a:bodyPr>
+          <a:lstStyle/>
+          <a:p>
+            <a:r>
+              <a:rPr lang="en-US" altLang="ko-KR" dirty="0"/>
+              <a:t>*a++ </a:t>
+            </a:r>
+            <a:r>
+              <a:rPr lang="ko-KR" altLang="en-US" dirty="0"/>
+              <a:t>식의 연산자 표기방식</a:t>
+            </a:r>
+            <a:endParaRPr lang="en-US" altLang="ko-KR" dirty="0"/>
+          </a:p>
+          <a:p>
+            <a:endParaRPr lang="en-US" altLang="ko-KR" dirty="0"/>
+          </a:p>
+          <a:p>
+            <a:r>
+              <a:rPr lang="en-US" altLang="ko-KR" dirty="0"/>
+              <a:t>char </a:t>
+            </a:r>
+            <a:r>
+              <a:rPr lang="ko-KR" altLang="en-US" dirty="0"/>
+              <a:t>형 숫자 </a:t>
+            </a:r>
+            <a:r>
+              <a:rPr lang="en-US" altLang="ko-KR" dirty="0"/>
+              <a:t>– ‘0’ =&gt; int </a:t>
+            </a:r>
+            <a:r>
+              <a:rPr lang="ko-KR" altLang="en-US" dirty="0"/>
+              <a:t>형 숫자</a:t>
+            </a:r>
+            <a:endParaRPr lang="en-US" altLang="ko-KR" dirty="0"/>
+          </a:p>
+          <a:p>
+            <a:endParaRPr lang="en-US" altLang="ko-KR" dirty="0"/>
+          </a:p>
+          <a:p>
+            <a:endParaRPr lang="en-US" altLang="ko-KR" dirty="0"/>
+          </a:p>
+          <a:p>
+            <a:r>
+              <a:rPr lang="ko-KR" altLang="en-US" dirty="0"/>
+              <a:t>식 계산 과정은</a:t>
+            </a:r>
+            <a:r>
+              <a:rPr lang="en-US" altLang="ko-KR" dirty="0"/>
+              <a:t>, push</a:t>
+            </a:r>
+            <a:r>
+              <a:rPr lang="ko-KR" altLang="en-US" dirty="0"/>
+              <a:t>와 </a:t>
+            </a:r>
+            <a:r>
+              <a:rPr lang="en-US" altLang="ko-KR" dirty="0"/>
+              <a:t>pop</a:t>
+            </a:r>
+            <a:r>
+              <a:rPr lang="ko-KR" altLang="en-US" dirty="0"/>
+              <a:t>이 진행되는 과정을 잘 파악하면 이해할 수 있다</a:t>
+            </a:r>
+            <a:r>
+              <a:rPr lang="en-US" altLang="ko-KR" dirty="0"/>
+              <a:t>.</a:t>
+            </a:r>
+          </a:p>
+          <a:p>
+            <a:endParaRPr lang="en-US" altLang="ko-KR" dirty="0"/>
+          </a:p>
+          <a:p>
+            <a:endParaRPr lang="ko-KR" altLang="en-US" dirty="0"/>
+          </a:p>
+        </p:txBody>
+      </p:sp>
+    </p:spTree>
+    <p:extLst>
+      <p:ext uri="{BB962C8B-B14F-4D97-AF65-F5344CB8AC3E}">
+        <p14:creationId xmlns:p14="http://schemas.microsoft.com/office/powerpoint/2010/main" val="2776171826"/>
+      </p:ext>
+    </p:extLst>
+  </p:cSld>
+  <p:clrMapOvr>
+    <a:masterClrMapping/>
+  </p:clrMapOvr>
+</p:sld>
+</file>
+
+<file path=ppt/slides/slide61.xml><?xml version="1.0" encoding="utf-8"?>
+<p:sld xmlns:a="http://schemas.openxmlformats.org/drawingml/2006/main" xmlns:r="http://schemas.openxmlformats.org/officeDocument/2006/relationships" xmlns:p="http://schemas.openxmlformats.org/presentationml/2006/main">
+  <p:cSld>
+    <p:spTree>
+      <p:nvGrpSpPr>
+        <p:cNvPr id="1" name=""/>
+        <p:cNvGrpSpPr/>
+        <p:nvPr/>
+      </p:nvGrpSpPr>
+      <p:grpSpPr>
+        <a:xfrm>
+          <a:off x="0" y="0"/>
+          <a:ext cx="0" cy="0"/>
+          <a:chOff x="0" y="0"/>
+          <a:chExt cx="0" cy="0"/>
+        </a:xfrm>
+      </p:grpSpPr>
+      <p:sp>
+        <p:nvSpPr>
+          <p:cNvPr id="2" name="제목 1">
+            <a:extLst>
+              <a:ext uri="{FF2B5EF4-FFF2-40B4-BE49-F238E27FC236}">
                 <a16:creationId xmlns:a16="http://schemas.microsoft.com/office/drawing/2014/main" id="{3CF607DE-ED4D-FBFC-EF04-7AE19109B2D7}"/>
               </a:ext>
             </a:extLst>
@@ -31769,7 +32523,7 @@
 </p:sld>
 </file>
 
-<file path=ppt/slides/slide61.xml><?xml version="1.0" encoding="utf-8"?>
+<file path=ppt/slides/slide62.xml><?xml version="1.0" encoding="utf-8"?>
 <p:sld xmlns:a="http://schemas.openxmlformats.org/drawingml/2006/main" xmlns:r="http://schemas.openxmlformats.org/officeDocument/2006/relationships" xmlns:p="http://schemas.openxmlformats.org/presentationml/2006/main">
   <p:cSld>
     <p:spTree>
@@ -32058,7 +32812,7 @@
               <a:t> 어떤 느낌인지 안다</a:t>
             </a:r>
             <a:r>
-              <a:rPr lang="en-US" altLang="ko-KR"/>
+              <a:rPr lang="en-US" altLang="ko-KR" dirty="0"/>
               <a:t>.</a:t>
             </a:r>
             <a:endParaRPr lang="ko-KR" altLang="en-US" dirty="0"/>
@@ -32078,7 +32832,7 @@
 </p:sld>
 </file>
 
-<file path=ppt/slides/slide62.xml><?xml version="1.0" encoding="utf-8"?>
+<file path=ppt/slides/slide63.xml><?xml version="1.0" encoding="utf-8"?>
 <p:sld xmlns:a="http://schemas.openxmlformats.org/drawingml/2006/main" xmlns:r="http://schemas.openxmlformats.org/officeDocument/2006/relationships" xmlns:p="http://schemas.openxmlformats.org/presentationml/2006/main">
   <p:cSld>
     <p:spTree>
@@ -32097,171 +32851,10 @@
       </p:grpSpPr>
       <p:sp>
         <p:nvSpPr>
-          <p:cNvPr id="8" name="TextBox 7">
+          <p:cNvPr id="2" name="제목 1">
             <a:extLst>
               <a:ext uri="{FF2B5EF4-FFF2-40B4-BE49-F238E27FC236}">
-                <a16:creationId xmlns:a16="http://schemas.microsoft.com/office/drawing/2014/main" id="{FDFB3FAE-AB46-1169-9A10-F7F325720F90}"/>
-              </a:ext>
-            </a:extLst>
-          </p:cNvPr>
-          <p:cNvSpPr txBox="1"/>
-          <p:nvPr/>
-        </p:nvSpPr>
-        <p:spPr>
-          <a:xfrm>
-            <a:off x="838200" y="3031640"/>
-            <a:ext cx="6724073" cy="707886"/>
-          </a:xfrm>
-          <a:prstGeom prst="rect">
-            <a:avLst/>
-          </a:prstGeom>
-          <a:noFill/>
-        </p:spPr>
-        <p:txBody>
-          <a:bodyPr wrap="square" rtlCol="0">
-            <a:spAutoFit/>
-          </a:bodyPr>
-          <a:lstStyle/>
-          <a:p>
-            <a:r>
-              <a:rPr lang="ko-KR" altLang="en-US" sz="4000" dirty="0"/>
-              <a:t>아직 공부 제대로 </a:t>
-            </a:r>
-            <a:r>
-              <a:rPr lang="ko-KR" altLang="en-US" sz="4000" dirty="0" err="1"/>
-              <a:t>안한</a:t>
-            </a:r>
-            <a:r>
-              <a:rPr lang="ko-KR" altLang="en-US" sz="4000" dirty="0"/>
-              <a:t> 부분</a:t>
-            </a:r>
-          </a:p>
-        </p:txBody>
-      </p:sp>
-      <p:sp>
-        <p:nvSpPr>
-          <p:cNvPr id="9" name="TextBox 8">
-            <a:extLst>
-              <a:ext uri="{FF2B5EF4-FFF2-40B4-BE49-F238E27FC236}">
-                <a16:creationId xmlns:a16="http://schemas.microsoft.com/office/drawing/2014/main" id="{E327CAB4-8C4F-D437-756A-A993C7607BA4}"/>
-              </a:ext>
-            </a:extLst>
-          </p:cNvPr>
-          <p:cNvSpPr txBox="1"/>
-          <p:nvPr/>
-        </p:nvSpPr>
-        <p:spPr>
-          <a:xfrm>
-            <a:off x="745837" y="3860800"/>
-            <a:ext cx="7592291" cy="923330"/>
-          </a:xfrm>
-          <a:prstGeom prst="rect">
-            <a:avLst/>
-          </a:prstGeom>
-          <a:noFill/>
-        </p:spPr>
-        <p:txBody>
-          <a:bodyPr wrap="square" rtlCol="0">
-            <a:spAutoFit/>
-          </a:bodyPr>
-          <a:lstStyle/>
-          <a:p>
-            <a:r>
-              <a:rPr lang="en-US" altLang="ko-KR" dirty="0"/>
-              <a:t>1)context switching, </a:t>
-            </a:r>
-            <a:r>
-              <a:rPr lang="ko-KR" altLang="en-US" dirty="0"/>
-              <a:t>함수의 필수요소</a:t>
-            </a:r>
-            <a:r>
-              <a:rPr lang="en-US" altLang="ko-KR" dirty="0"/>
-              <a:t>, </a:t>
-            </a:r>
-            <a:r>
-              <a:rPr lang="ko-KR" altLang="en-US" dirty="0"/>
-              <a:t>지금까지 </a:t>
-            </a:r>
-            <a:r>
-              <a:rPr lang="ko-KR" altLang="en-US" dirty="0" err="1"/>
-              <a:t>배운거</a:t>
-            </a:r>
-            <a:r>
-              <a:rPr lang="ko-KR" altLang="en-US" dirty="0"/>
-              <a:t> 연결</a:t>
-            </a:r>
-            <a:endParaRPr lang="en-US" altLang="ko-KR" dirty="0"/>
-          </a:p>
-          <a:p>
-            <a:r>
-              <a:rPr lang="en-US" altLang="ko-KR" dirty="0"/>
-              <a:t>2)</a:t>
-            </a:r>
-            <a:r>
-              <a:rPr lang="ko-KR" altLang="en-US" dirty="0"/>
-              <a:t>구조체 부분 돌려보기</a:t>
-            </a:r>
-            <a:r>
-              <a:rPr lang="en-US" altLang="ko-KR" dirty="0"/>
-              <a:t>, </a:t>
-            </a:r>
-            <a:r>
-              <a:rPr lang="ko-KR" altLang="en-US" dirty="0"/>
-              <a:t>하노이 돌려보기</a:t>
-            </a:r>
-            <a:r>
-              <a:rPr lang="en-US" altLang="ko-KR" dirty="0"/>
-              <a:t>, </a:t>
-            </a:r>
-            <a:r>
-              <a:rPr lang="ko-KR" altLang="en-US" dirty="0"/>
-              <a:t>다시 복습하면서 분석하기</a:t>
-            </a:r>
-            <a:endParaRPr lang="en-US" altLang="ko-KR" dirty="0"/>
-          </a:p>
-          <a:p>
-            <a:r>
-              <a:rPr lang="en-US" altLang="ko-KR" dirty="0"/>
-              <a:t>3)3</a:t>
-            </a:r>
-            <a:r>
-              <a:rPr lang="ko-KR" altLang="en-US" dirty="0"/>
-              <a:t>장 </a:t>
-            </a:r>
-            <a:r>
-              <a:rPr lang="en-US" altLang="ko-KR" dirty="0"/>
-              <a:t>PPT </a:t>
-            </a:r>
-            <a:r>
-              <a:rPr lang="ko-KR" altLang="en-US" dirty="0"/>
-              <a:t>공부</a:t>
-            </a:r>
-            <a:r>
-              <a:rPr lang="en-US" altLang="ko-KR" dirty="0"/>
-              <a:t>. </a:t>
-            </a:r>
-            <a:r>
-              <a:rPr lang="ko-KR" altLang="en-US" dirty="0"/>
-              <a:t>동시에 </a:t>
-            </a:r>
-            <a:r>
-              <a:rPr lang="ko-KR" altLang="en-US"/>
-              <a:t>여기에 이해 안되는 부분도 있음</a:t>
-            </a:r>
-            <a:r>
-              <a:rPr lang="en-US" altLang="ko-KR"/>
-              <a:t> </a:t>
-            </a:r>
-            <a:endParaRPr lang="ko-KR" altLang="en-US" dirty="0"/>
-          </a:p>
-        </p:txBody>
-      </p:sp>
-      <p:sp>
-        <p:nvSpPr>
-          <p:cNvPr id="4" name="제목 3">
-            <a:extLst>
-              <a:ext uri="{FF2B5EF4-FFF2-40B4-BE49-F238E27FC236}">
-                <a16:creationId xmlns:a16="http://schemas.microsoft.com/office/drawing/2014/main" id="{D67A620D-C546-EB7F-51FB-B32A0F7F7B37}"/>
+                <a16:creationId xmlns:a16="http://schemas.microsoft.com/office/drawing/2014/main" id="{F9C9F527-BEE5-2DEB-AC5E-F771A27E93BC}"/>
               </a:ext>
             </a:extLst>
           </p:cNvPr>
@@ -32277,14 +32870,2162 @@
           <a:bodyPr/>
           <a:lstStyle/>
           <a:p>
-            <a:endParaRPr lang="ko-KR" altLang="en-US"/>
+            <a:pPr algn="ctr"/>
+            <a:r>
+              <a:rPr lang="ko-KR" altLang="en-US" dirty="0"/>
+              <a:t>큐</a:t>
+            </a:r>
+          </a:p>
+        </p:txBody>
+      </p:sp>
+      <p:sp>
+        <p:nvSpPr>
+          <p:cNvPr id="4" name="TextBox 3">
+            <a:extLst>
+              <a:ext uri="{FF2B5EF4-FFF2-40B4-BE49-F238E27FC236}">
+                <a16:creationId xmlns:a16="http://schemas.microsoft.com/office/drawing/2014/main" id="{2F3417F2-F110-7C45-ED09-74877248713D}"/>
+              </a:ext>
+            </a:extLst>
+          </p:cNvPr>
+          <p:cNvSpPr txBox="1"/>
+          <p:nvPr/>
+        </p:nvSpPr>
+        <p:spPr>
+          <a:xfrm>
+            <a:off x="295564" y="1690688"/>
+            <a:ext cx="11656291" cy="3416320"/>
+          </a:xfrm>
+          <a:prstGeom prst="rect">
+            <a:avLst/>
+          </a:prstGeom>
+          <a:noFill/>
+        </p:spPr>
+        <p:txBody>
+          <a:bodyPr wrap="square" rtlCol="0">
+            <a:spAutoFit/>
+          </a:bodyPr>
+          <a:lstStyle/>
+          <a:p>
+            <a:r>
+              <a:rPr lang="en-US" altLang="ko-KR" dirty="0"/>
+              <a:t>AI</a:t>
+            </a:r>
+            <a:r>
+              <a:rPr lang="ko-KR" altLang="en-US" dirty="0"/>
+              <a:t> 정리 노트의 </a:t>
+            </a:r>
+            <a:r>
+              <a:rPr lang="en-US" altLang="ko-KR" dirty="0"/>
+              <a:t>‘</a:t>
+            </a:r>
+            <a:r>
+              <a:rPr lang="ko-KR" altLang="en-US" dirty="0"/>
+              <a:t>큐</a:t>
+            </a:r>
+            <a:r>
+              <a:rPr lang="en-US" altLang="ko-KR" dirty="0"/>
+              <a:t>’ </a:t>
+            </a:r>
+            <a:r>
+              <a:rPr lang="ko-KR" altLang="en-US" dirty="0"/>
+              <a:t>부분 확인 할 것</a:t>
+            </a:r>
+            <a:r>
+              <a:rPr lang="en-US" altLang="ko-KR" dirty="0"/>
+              <a:t>.</a:t>
+            </a:r>
+          </a:p>
+          <a:p>
+            <a:endParaRPr lang="en-US" altLang="ko-KR" dirty="0"/>
+          </a:p>
+          <a:p>
+            <a:r>
+              <a:rPr lang="ko-KR" altLang="en-US" dirty="0"/>
+              <a:t> </a:t>
+            </a:r>
+            <a:endParaRPr lang="en-US" altLang="ko-KR" dirty="0"/>
+          </a:p>
+          <a:p>
+            <a:r>
+              <a:rPr lang="en-US" altLang="ko-KR" dirty="0"/>
+              <a:t>enqueue : </a:t>
+            </a:r>
+            <a:r>
+              <a:rPr lang="ko-KR" altLang="en-US" dirty="0"/>
+              <a:t>큐에 자료 삽입</a:t>
+            </a:r>
+            <a:r>
+              <a:rPr lang="en-US" altLang="ko-KR" dirty="0"/>
+              <a:t>. </a:t>
+            </a:r>
+          </a:p>
+          <a:p>
+            <a:endParaRPr lang="en-US" altLang="ko-KR" dirty="0"/>
+          </a:p>
+          <a:p>
+            <a:r>
+              <a:rPr lang="en-US" altLang="ko-KR" dirty="0"/>
+              <a:t>dequeue : </a:t>
+            </a:r>
+            <a:r>
+              <a:rPr lang="ko-KR" altLang="en-US" dirty="0"/>
+              <a:t>큐에서 자료 나감</a:t>
+            </a:r>
+            <a:endParaRPr lang="en-US" altLang="ko-KR" dirty="0"/>
+          </a:p>
+          <a:p>
+            <a:endParaRPr lang="en-US" altLang="ko-KR" dirty="0"/>
+          </a:p>
+          <a:p>
+            <a:r>
+              <a:rPr lang="en-US" altLang="ko-KR" dirty="0"/>
+              <a:t>front</a:t>
+            </a:r>
+            <a:r>
+              <a:rPr lang="ko-KR" altLang="en-US" dirty="0"/>
+              <a:t> 포인터와 </a:t>
+            </a:r>
+            <a:r>
+              <a:rPr lang="en-US" altLang="ko-KR" dirty="0"/>
+              <a:t>rear </a:t>
+            </a:r>
+            <a:r>
+              <a:rPr lang="ko-KR" altLang="en-US" dirty="0"/>
+              <a:t>포인터가</a:t>
+            </a:r>
+            <a:r>
+              <a:rPr lang="en-US" altLang="ko-KR" dirty="0"/>
+              <a:t> </a:t>
+            </a:r>
+            <a:r>
+              <a:rPr lang="ko-KR" altLang="en-US" dirty="0"/>
+              <a:t>움직이는 것을 보면</a:t>
+            </a:r>
+            <a:r>
+              <a:rPr lang="en-US" altLang="ko-KR" dirty="0"/>
+              <a:t>, enqueue </a:t>
+            </a:r>
+            <a:r>
+              <a:rPr lang="ko-KR" altLang="en-US" dirty="0"/>
+              <a:t>시 </a:t>
+            </a:r>
+            <a:r>
+              <a:rPr lang="en-US" altLang="ko-KR" dirty="0"/>
+              <a:t>rear</a:t>
+            </a:r>
+            <a:r>
+              <a:rPr lang="ko-KR" altLang="en-US" dirty="0"/>
+              <a:t>가 증가하고</a:t>
+            </a:r>
+            <a:r>
+              <a:rPr lang="en-US" altLang="ko-KR" dirty="0"/>
+              <a:t>(front</a:t>
+            </a:r>
+            <a:r>
+              <a:rPr lang="ko-KR" altLang="en-US" dirty="0"/>
+              <a:t>에서 멀어지고</a:t>
+            </a:r>
+            <a:r>
+              <a:rPr lang="en-US" altLang="ko-KR" dirty="0"/>
+              <a:t>), dequeue </a:t>
+            </a:r>
+            <a:r>
+              <a:rPr lang="ko-KR" altLang="en-US" dirty="0"/>
+              <a:t>시 </a:t>
+            </a:r>
+            <a:r>
+              <a:rPr lang="en-US" altLang="ko-KR" dirty="0"/>
+              <a:t>front</a:t>
+            </a:r>
+            <a:r>
+              <a:rPr lang="ko-KR" altLang="en-US" dirty="0"/>
+              <a:t>가 증가한다</a:t>
+            </a:r>
+            <a:r>
+              <a:rPr lang="en-US" altLang="ko-KR" dirty="0"/>
+              <a:t>.(rear</a:t>
+            </a:r>
+            <a:r>
+              <a:rPr lang="ko-KR" altLang="en-US" dirty="0"/>
+              <a:t>와 가까워지는데</a:t>
+            </a:r>
+            <a:r>
+              <a:rPr lang="en-US" altLang="ko-KR" dirty="0"/>
+              <a:t>, </a:t>
+            </a:r>
+            <a:r>
+              <a:rPr lang="ko-KR" altLang="en-US" dirty="0"/>
+              <a:t>그러면서 </a:t>
+            </a:r>
+            <a:r>
+              <a:rPr lang="en-US" altLang="ko-KR" dirty="0"/>
+              <a:t>front</a:t>
+            </a:r>
+            <a:r>
+              <a:rPr lang="ko-KR" altLang="en-US" dirty="0"/>
+              <a:t>에 가까운 블록 데이터가 삭제된다</a:t>
+            </a:r>
+            <a:r>
+              <a:rPr lang="en-US" altLang="ko-KR" dirty="0"/>
+              <a:t>.)</a:t>
+            </a:r>
+          </a:p>
+          <a:p>
+            <a:endParaRPr lang="en-US" altLang="ko-KR" dirty="0"/>
+          </a:p>
+          <a:p>
+            <a:endParaRPr lang="en-US" altLang="ko-KR" dirty="0"/>
+          </a:p>
+          <a:p>
+            <a:endParaRPr lang="ko-KR" altLang="en-US" dirty="0"/>
           </a:p>
         </p:txBody>
       </p:sp>
     </p:spTree>
     <p:extLst>
       <p:ext uri="{BB962C8B-B14F-4D97-AF65-F5344CB8AC3E}">
-        <p14:creationId xmlns:p14="http://schemas.microsoft.com/office/powerpoint/2010/main" val="3179400804"/>
+        <p14:creationId xmlns:p14="http://schemas.microsoft.com/office/powerpoint/2010/main" val="2483472005"/>
+      </p:ext>
+    </p:extLst>
+  </p:cSld>
+  <p:clrMapOvr>
+    <a:masterClrMapping/>
+  </p:clrMapOvr>
+</p:sld>
+</file>
+
+<file path=ppt/slides/slide64.xml><?xml version="1.0" encoding="utf-8"?>
+<p:sld xmlns:a="http://schemas.openxmlformats.org/drawingml/2006/main" xmlns:r="http://schemas.openxmlformats.org/officeDocument/2006/relationships" xmlns:p="http://schemas.openxmlformats.org/presentationml/2006/main">
+  <p:cSld>
+    <p:spTree>
+      <p:nvGrpSpPr>
+        <p:cNvPr id="1" name=""/>
+        <p:cNvGrpSpPr/>
+        <p:nvPr/>
+      </p:nvGrpSpPr>
+      <p:grpSpPr>
+        <a:xfrm>
+          <a:off x="0" y="0"/>
+          <a:ext cx="0" cy="0"/>
+          <a:chOff x="0" y="0"/>
+          <a:chExt cx="0" cy="0"/>
+        </a:xfrm>
+      </p:grpSpPr>
+      <p:sp>
+        <p:nvSpPr>
+          <p:cNvPr id="2" name="제목 1">
+            <a:extLst>
+              <a:ext uri="{FF2B5EF4-FFF2-40B4-BE49-F238E27FC236}">
+                <a16:creationId xmlns:a16="http://schemas.microsoft.com/office/drawing/2014/main" id="{538D21C3-7DCC-401A-33DC-BB91A9962926}"/>
+              </a:ext>
+            </a:extLst>
+          </p:cNvPr>
+          <p:cNvSpPr>
+            <a:spLocks noGrp="1"/>
+          </p:cNvSpPr>
+          <p:nvPr>
+            <p:ph type="title"/>
+          </p:nvPr>
+        </p:nvSpPr>
+        <p:spPr>
+          <a:xfrm>
+            <a:off x="865909" y="15467"/>
+            <a:ext cx="10515600" cy="1325563"/>
+          </a:xfrm>
+        </p:spPr>
+        <p:txBody>
+          <a:bodyPr/>
+          <a:lstStyle/>
+          <a:p>
+            <a:pPr algn="ctr"/>
+            <a:r>
+              <a:rPr lang="ko-KR" altLang="en-US" dirty="0"/>
+              <a:t>큐</a:t>
+            </a:r>
+            <a:r>
+              <a:rPr lang="en-US" altLang="ko-KR" dirty="0"/>
+              <a:t>(</a:t>
+            </a:r>
+            <a:r>
+              <a:rPr lang="en-US" altLang="ko-KR" dirty="0" err="1"/>
+              <a:t>linear_queue.c</a:t>
+            </a:r>
+            <a:r>
+              <a:rPr lang="en-US" altLang="ko-KR" dirty="0"/>
+              <a:t>)</a:t>
+            </a:r>
+            <a:endParaRPr lang="ko-KR" altLang="en-US" dirty="0"/>
+          </a:p>
+        </p:txBody>
+      </p:sp>
+      <p:sp>
+        <p:nvSpPr>
+          <p:cNvPr id="5" name="TextBox 4">
+            <a:extLst>
+              <a:ext uri="{FF2B5EF4-FFF2-40B4-BE49-F238E27FC236}">
+                <a16:creationId xmlns:a16="http://schemas.microsoft.com/office/drawing/2014/main" id="{88116744-418D-DADF-3BE4-FA0567D3D376}"/>
+              </a:ext>
+            </a:extLst>
+          </p:cNvPr>
+          <p:cNvSpPr txBox="1"/>
+          <p:nvPr/>
+        </p:nvSpPr>
+        <p:spPr>
+          <a:xfrm>
+            <a:off x="277091" y="1810327"/>
+            <a:ext cx="11693236" cy="646331"/>
+          </a:xfrm>
+          <a:prstGeom prst="rect">
+            <a:avLst/>
+          </a:prstGeom>
+          <a:noFill/>
+        </p:spPr>
+        <p:txBody>
+          <a:bodyPr wrap="square" rtlCol="0">
+            <a:spAutoFit/>
+          </a:bodyPr>
+          <a:lstStyle/>
+          <a:p>
+            <a:endParaRPr lang="en-US" altLang="ko-KR" dirty="0"/>
+          </a:p>
+          <a:p>
+            <a:endParaRPr lang="ko-KR" altLang="en-US" dirty="0"/>
+          </a:p>
+        </p:txBody>
+      </p:sp>
+      <p:sp>
+        <p:nvSpPr>
+          <p:cNvPr id="6" name="TextBox 5">
+            <a:extLst>
+              <a:ext uri="{FF2B5EF4-FFF2-40B4-BE49-F238E27FC236}">
+                <a16:creationId xmlns:a16="http://schemas.microsoft.com/office/drawing/2014/main" id="{044040CE-4B58-772A-5454-2EC9417408EE}"/>
+              </a:ext>
+            </a:extLst>
+          </p:cNvPr>
+          <p:cNvSpPr txBox="1"/>
+          <p:nvPr/>
+        </p:nvSpPr>
+        <p:spPr>
+          <a:xfrm>
+            <a:off x="443346" y="1257142"/>
+            <a:ext cx="3833090" cy="2308324"/>
+          </a:xfrm>
+          <a:prstGeom prst="rect">
+            <a:avLst/>
+          </a:prstGeom>
+          <a:noFill/>
+        </p:spPr>
+        <p:txBody>
+          <a:bodyPr wrap="square" rtlCol="0">
+            <a:spAutoFit/>
+          </a:bodyPr>
+          <a:lstStyle/>
+          <a:p>
+            <a:r>
+              <a:rPr lang="en-US" altLang="ko-KR" dirty="0" err="1"/>
+              <a:t>queue_print</a:t>
+            </a:r>
+            <a:r>
+              <a:rPr lang="en-US" altLang="ko-KR" dirty="0"/>
+              <a:t> </a:t>
+            </a:r>
+            <a:r>
+              <a:rPr lang="ko-KR" altLang="en-US" dirty="0"/>
+              <a:t>코드 </a:t>
+            </a:r>
+            <a:r>
+              <a:rPr lang="en-US" altLang="ko-KR" dirty="0"/>
+              <a:t>: </a:t>
+            </a:r>
+          </a:p>
+          <a:p>
+            <a:endParaRPr lang="en-US" altLang="ko-KR" dirty="0"/>
+          </a:p>
+          <a:p>
+            <a:r>
+              <a:rPr lang="en-US" altLang="ko-KR" dirty="0"/>
+              <a:t>if ( </a:t>
+            </a:r>
+            <a:r>
+              <a:rPr lang="en-US" altLang="ko-KR" dirty="0" err="1"/>
+              <a:t>i</a:t>
+            </a:r>
+            <a:r>
+              <a:rPr lang="en-US" altLang="ko-KR" dirty="0"/>
+              <a:t> &lt;= q-&gt;front | | </a:t>
+            </a:r>
+            <a:r>
+              <a:rPr lang="en-US" altLang="ko-KR" dirty="0" err="1"/>
+              <a:t>i</a:t>
+            </a:r>
+            <a:r>
+              <a:rPr lang="en-US" altLang="ko-KR" dirty="0"/>
+              <a:t> &gt; q-&gt;rear)</a:t>
+            </a:r>
+          </a:p>
+          <a:p>
+            <a:r>
+              <a:rPr lang="en-US" altLang="ko-KR" dirty="0"/>
+              <a:t>  </a:t>
+            </a:r>
+            <a:r>
+              <a:rPr lang="en-US" altLang="ko-KR" dirty="0" err="1"/>
+              <a:t>printf</a:t>
+            </a:r>
+            <a:r>
+              <a:rPr lang="en-US" altLang="ko-KR" dirty="0"/>
+              <a:t>(“   | ”);</a:t>
+            </a:r>
+          </a:p>
+          <a:p>
+            <a:r>
+              <a:rPr lang="en-US" altLang="ko-KR" dirty="0"/>
+              <a:t>else</a:t>
+            </a:r>
+          </a:p>
+          <a:p>
+            <a:r>
+              <a:rPr lang="en-US" altLang="ko-KR" dirty="0"/>
+              <a:t>  </a:t>
+            </a:r>
+            <a:r>
+              <a:rPr lang="en-US" altLang="ko-KR" dirty="0" err="1"/>
+              <a:t>printf</a:t>
+            </a:r>
+            <a:r>
+              <a:rPr lang="en-US" altLang="ko-KR" dirty="0"/>
+              <a:t>(“%d | “, q-&gt;data[</a:t>
+            </a:r>
+            <a:r>
+              <a:rPr lang="en-US" altLang="ko-KR" dirty="0" err="1"/>
+              <a:t>i</a:t>
+            </a:r>
+            <a:r>
+              <a:rPr lang="en-US" altLang="ko-KR" dirty="0"/>
+              <a:t>]);</a:t>
+            </a:r>
+          </a:p>
+          <a:p>
+            <a:endParaRPr lang="en-US" altLang="ko-KR" dirty="0"/>
+          </a:p>
+          <a:p>
+            <a:endParaRPr lang="ko-KR" altLang="en-US" dirty="0"/>
+          </a:p>
+        </p:txBody>
+      </p:sp>
+      <p:sp>
+        <p:nvSpPr>
+          <p:cNvPr id="7" name="직사각형 6">
+            <a:extLst>
+              <a:ext uri="{FF2B5EF4-FFF2-40B4-BE49-F238E27FC236}">
+                <a16:creationId xmlns:a16="http://schemas.microsoft.com/office/drawing/2014/main" id="{524B329A-C5BB-FC48-C892-2700D0DB8A47}"/>
+              </a:ext>
+            </a:extLst>
+          </p:cNvPr>
+          <p:cNvSpPr/>
+          <p:nvPr/>
+        </p:nvSpPr>
+        <p:spPr>
+          <a:xfrm>
+            <a:off x="5865091" y="5297089"/>
+            <a:ext cx="766618" cy="766618"/>
+          </a:xfrm>
+          <a:prstGeom prst="rect">
+            <a:avLst/>
+          </a:prstGeom>
+          <a:ln>
+            <a:solidFill>
+              <a:schemeClr val="tx1"/>
+            </a:solidFill>
+          </a:ln>
+        </p:spPr>
+        <p:style>
+          <a:lnRef idx="2">
+            <a:schemeClr val="accent6"/>
+          </a:lnRef>
+          <a:fillRef idx="1">
+            <a:schemeClr val="lt1"/>
+          </a:fillRef>
+          <a:effectRef idx="0">
+            <a:schemeClr val="accent6"/>
+          </a:effectRef>
+          <a:fontRef idx="minor">
+            <a:schemeClr val="dk1"/>
+          </a:fontRef>
+        </p:style>
+        <p:txBody>
+          <a:bodyPr rtlCol="0" anchor="ctr"/>
+          <a:lstStyle/>
+          <a:p>
+            <a:pPr algn="ctr"/>
+            <a:endParaRPr lang="ko-KR" altLang="en-US"/>
+          </a:p>
+        </p:txBody>
+      </p:sp>
+      <p:sp>
+        <p:nvSpPr>
+          <p:cNvPr id="8" name="직사각형 7">
+            <a:extLst>
+              <a:ext uri="{FF2B5EF4-FFF2-40B4-BE49-F238E27FC236}">
+                <a16:creationId xmlns:a16="http://schemas.microsoft.com/office/drawing/2014/main" id="{14BC8456-9DB7-7D5F-6A8F-5EDAC9A79F62}"/>
+              </a:ext>
+            </a:extLst>
+          </p:cNvPr>
+          <p:cNvSpPr/>
+          <p:nvPr/>
+        </p:nvSpPr>
+        <p:spPr>
+          <a:xfrm>
+            <a:off x="6631709" y="5297089"/>
+            <a:ext cx="766618" cy="766618"/>
+          </a:xfrm>
+          <a:prstGeom prst="rect">
+            <a:avLst/>
+          </a:prstGeom>
+          <a:ln>
+            <a:solidFill>
+              <a:schemeClr val="tx1"/>
+            </a:solidFill>
+          </a:ln>
+        </p:spPr>
+        <p:style>
+          <a:lnRef idx="2">
+            <a:schemeClr val="accent6"/>
+          </a:lnRef>
+          <a:fillRef idx="1">
+            <a:schemeClr val="lt1"/>
+          </a:fillRef>
+          <a:effectRef idx="0">
+            <a:schemeClr val="accent6"/>
+          </a:effectRef>
+          <a:fontRef idx="minor">
+            <a:schemeClr val="dk1"/>
+          </a:fontRef>
+        </p:style>
+        <p:txBody>
+          <a:bodyPr rtlCol="0" anchor="ctr"/>
+          <a:lstStyle/>
+          <a:p>
+            <a:pPr algn="ctr"/>
+            <a:endParaRPr lang="ko-KR" altLang="en-US"/>
+          </a:p>
+        </p:txBody>
+      </p:sp>
+      <p:sp>
+        <p:nvSpPr>
+          <p:cNvPr id="9" name="직사각형 8">
+            <a:extLst>
+              <a:ext uri="{FF2B5EF4-FFF2-40B4-BE49-F238E27FC236}">
+                <a16:creationId xmlns:a16="http://schemas.microsoft.com/office/drawing/2014/main" id="{1C79A7A6-2A73-08E1-C80D-B483A6C4C065}"/>
+              </a:ext>
+            </a:extLst>
+          </p:cNvPr>
+          <p:cNvSpPr/>
+          <p:nvPr/>
+        </p:nvSpPr>
+        <p:spPr>
+          <a:xfrm>
+            <a:off x="7402946" y="5297089"/>
+            <a:ext cx="766618" cy="766618"/>
+          </a:xfrm>
+          <a:prstGeom prst="rect">
+            <a:avLst/>
+          </a:prstGeom>
+          <a:ln>
+            <a:solidFill>
+              <a:schemeClr val="tx1"/>
+            </a:solidFill>
+          </a:ln>
+        </p:spPr>
+        <p:style>
+          <a:lnRef idx="2">
+            <a:schemeClr val="accent6"/>
+          </a:lnRef>
+          <a:fillRef idx="1">
+            <a:schemeClr val="lt1"/>
+          </a:fillRef>
+          <a:effectRef idx="0">
+            <a:schemeClr val="accent6"/>
+          </a:effectRef>
+          <a:fontRef idx="minor">
+            <a:schemeClr val="dk1"/>
+          </a:fontRef>
+        </p:style>
+        <p:txBody>
+          <a:bodyPr rtlCol="0" anchor="ctr"/>
+          <a:lstStyle/>
+          <a:p>
+            <a:pPr algn="ctr"/>
+            <a:endParaRPr lang="ko-KR" altLang="en-US"/>
+          </a:p>
+        </p:txBody>
+      </p:sp>
+      <p:sp>
+        <p:nvSpPr>
+          <p:cNvPr id="10" name="직사각형 9">
+            <a:extLst>
+              <a:ext uri="{FF2B5EF4-FFF2-40B4-BE49-F238E27FC236}">
+                <a16:creationId xmlns:a16="http://schemas.microsoft.com/office/drawing/2014/main" id="{13CB7F44-E6AD-31C9-A5C8-47724365DF23}"/>
+              </a:ext>
+            </a:extLst>
+          </p:cNvPr>
+          <p:cNvSpPr/>
+          <p:nvPr/>
+        </p:nvSpPr>
+        <p:spPr>
+          <a:xfrm>
+            <a:off x="8164945" y="5297089"/>
+            <a:ext cx="766618" cy="766618"/>
+          </a:xfrm>
+          <a:prstGeom prst="rect">
+            <a:avLst/>
+          </a:prstGeom>
+          <a:ln>
+            <a:solidFill>
+              <a:schemeClr val="tx1"/>
+            </a:solidFill>
+          </a:ln>
+        </p:spPr>
+        <p:style>
+          <a:lnRef idx="2">
+            <a:schemeClr val="accent6"/>
+          </a:lnRef>
+          <a:fillRef idx="1">
+            <a:schemeClr val="lt1"/>
+          </a:fillRef>
+          <a:effectRef idx="0">
+            <a:schemeClr val="accent6"/>
+          </a:effectRef>
+          <a:fontRef idx="minor">
+            <a:schemeClr val="dk1"/>
+          </a:fontRef>
+        </p:style>
+        <p:txBody>
+          <a:bodyPr rtlCol="0" anchor="ctr"/>
+          <a:lstStyle/>
+          <a:p>
+            <a:pPr algn="ctr"/>
+            <a:endParaRPr lang="ko-KR" altLang="en-US"/>
+          </a:p>
+        </p:txBody>
+      </p:sp>
+      <p:sp>
+        <p:nvSpPr>
+          <p:cNvPr id="11" name="직사각형 10">
+            <a:extLst>
+              <a:ext uri="{FF2B5EF4-FFF2-40B4-BE49-F238E27FC236}">
+                <a16:creationId xmlns:a16="http://schemas.microsoft.com/office/drawing/2014/main" id="{D3E0FDF9-BEDD-F2E9-FA91-3168DCB5E64B}"/>
+              </a:ext>
+            </a:extLst>
+          </p:cNvPr>
+          <p:cNvSpPr/>
+          <p:nvPr/>
+        </p:nvSpPr>
+        <p:spPr>
+          <a:xfrm>
+            <a:off x="8931563" y="5297089"/>
+            <a:ext cx="766618" cy="766618"/>
+          </a:xfrm>
+          <a:prstGeom prst="rect">
+            <a:avLst/>
+          </a:prstGeom>
+          <a:ln>
+            <a:solidFill>
+              <a:schemeClr val="tx1"/>
+            </a:solidFill>
+          </a:ln>
+        </p:spPr>
+        <p:style>
+          <a:lnRef idx="2">
+            <a:schemeClr val="accent6"/>
+          </a:lnRef>
+          <a:fillRef idx="1">
+            <a:schemeClr val="lt1"/>
+          </a:fillRef>
+          <a:effectRef idx="0">
+            <a:schemeClr val="accent6"/>
+          </a:effectRef>
+          <a:fontRef idx="minor">
+            <a:schemeClr val="dk1"/>
+          </a:fontRef>
+        </p:style>
+        <p:txBody>
+          <a:bodyPr rtlCol="0" anchor="ctr"/>
+          <a:lstStyle/>
+          <a:p>
+            <a:pPr algn="ctr"/>
+            <a:endParaRPr lang="ko-KR" altLang="en-US"/>
+          </a:p>
+        </p:txBody>
+      </p:sp>
+      <p:cxnSp>
+        <p:nvCxnSpPr>
+          <p:cNvPr id="13" name="직선 화살표 연결선 12">
+            <a:extLst>
+              <a:ext uri="{FF2B5EF4-FFF2-40B4-BE49-F238E27FC236}">
+                <a16:creationId xmlns:a16="http://schemas.microsoft.com/office/drawing/2014/main" id="{132C4372-5547-0341-C6CB-A00936D75F81}"/>
+              </a:ext>
+            </a:extLst>
+          </p:cNvPr>
+          <p:cNvCxnSpPr/>
+          <p:nvPr/>
+        </p:nvCxnSpPr>
+        <p:spPr>
+          <a:xfrm>
+            <a:off x="6945745" y="4318000"/>
+            <a:ext cx="0" cy="914400"/>
+          </a:xfrm>
+          <a:prstGeom prst="straightConnector1">
+            <a:avLst/>
+          </a:prstGeom>
+          <a:ln>
+            <a:tailEnd type="triangle"/>
+          </a:ln>
+        </p:spPr>
+        <p:style>
+          <a:lnRef idx="2">
+            <a:schemeClr val="accent1"/>
+          </a:lnRef>
+          <a:fillRef idx="0">
+            <a:schemeClr val="accent1"/>
+          </a:fillRef>
+          <a:effectRef idx="1">
+            <a:schemeClr val="accent1"/>
+          </a:effectRef>
+          <a:fontRef idx="minor">
+            <a:schemeClr val="tx1"/>
+          </a:fontRef>
+        </p:style>
+      </p:cxnSp>
+      <p:cxnSp>
+        <p:nvCxnSpPr>
+          <p:cNvPr id="14" name="직선 화살표 연결선 13">
+            <a:extLst>
+              <a:ext uri="{FF2B5EF4-FFF2-40B4-BE49-F238E27FC236}">
+                <a16:creationId xmlns:a16="http://schemas.microsoft.com/office/drawing/2014/main" id="{1B843778-65D4-70DF-6E3E-2E3F3C1D3BEA}"/>
+              </a:ext>
+            </a:extLst>
+          </p:cNvPr>
+          <p:cNvCxnSpPr/>
+          <p:nvPr/>
+        </p:nvCxnSpPr>
+        <p:spPr>
+          <a:xfrm>
+            <a:off x="8557490" y="4318000"/>
+            <a:ext cx="0" cy="914400"/>
+          </a:xfrm>
+          <a:prstGeom prst="straightConnector1">
+            <a:avLst/>
+          </a:prstGeom>
+          <a:ln>
+            <a:tailEnd type="triangle"/>
+          </a:ln>
+        </p:spPr>
+        <p:style>
+          <a:lnRef idx="1">
+            <a:schemeClr val="accent2"/>
+          </a:lnRef>
+          <a:fillRef idx="0">
+            <a:schemeClr val="accent2"/>
+          </a:fillRef>
+          <a:effectRef idx="0">
+            <a:schemeClr val="accent2"/>
+          </a:effectRef>
+          <a:fontRef idx="minor">
+            <a:schemeClr val="tx1"/>
+          </a:fontRef>
+        </p:style>
+      </p:cxnSp>
+      <p:sp>
+        <p:nvSpPr>
+          <p:cNvPr id="15" name="TextBox 14">
+            <a:extLst>
+              <a:ext uri="{FF2B5EF4-FFF2-40B4-BE49-F238E27FC236}">
+                <a16:creationId xmlns:a16="http://schemas.microsoft.com/office/drawing/2014/main" id="{5419AD63-8BDE-76AA-14C4-33A76A514332}"/>
+              </a:ext>
+            </a:extLst>
+          </p:cNvPr>
+          <p:cNvSpPr txBox="1"/>
+          <p:nvPr/>
+        </p:nvSpPr>
+        <p:spPr>
+          <a:xfrm>
+            <a:off x="6096000" y="3967263"/>
+            <a:ext cx="1625599" cy="369332"/>
+          </a:xfrm>
+          <a:prstGeom prst="rect">
+            <a:avLst/>
+          </a:prstGeom>
+          <a:noFill/>
+        </p:spPr>
+        <p:txBody>
+          <a:bodyPr wrap="square" rtlCol="0">
+            <a:spAutoFit/>
+          </a:bodyPr>
+          <a:lstStyle/>
+          <a:p>
+            <a:r>
+              <a:rPr lang="en-US" altLang="ko-KR"/>
+              <a:t>front </a:t>
+            </a:r>
+            <a:r>
+              <a:rPr lang="ko-KR" altLang="en-US" dirty="0"/>
+              <a:t>포인터</a:t>
+            </a:r>
+            <a:r>
+              <a:rPr lang="en-US" altLang="ko-KR" dirty="0"/>
+              <a:t> </a:t>
+            </a:r>
+            <a:endParaRPr lang="ko-KR" altLang="en-US" dirty="0"/>
+          </a:p>
+        </p:txBody>
+      </p:sp>
+      <p:sp>
+        <p:nvSpPr>
+          <p:cNvPr id="16" name="TextBox 15">
+            <a:extLst>
+              <a:ext uri="{FF2B5EF4-FFF2-40B4-BE49-F238E27FC236}">
+                <a16:creationId xmlns:a16="http://schemas.microsoft.com/office/drawing/2014/main" id="{F2C93C1F-CDC9-BDB6-207B-4D1C3352E008}"/>
+              </a:ext>
+            </a:extLst>
+          </p:cNvPr>
+          <p:cNvSpPr txBox="1"/>
+          <p:nvPr/>
+        </p:nvSpPr>
+        <p:spPr>
+          <a:xfrm>
+            <a:off x="7827812" y="3907786"/>
+            <a:ext cx="1625599" cy="369332"/>
+          </a:xfrm>
+          <a:prstGeom prst="rect">
+            <a:avLst/>
+          </a:prstGeom>
+          <a:noFill/>
+        </p:spPr>
+        <p:txBody>
+          <a:bodyPr wrap="square" rtlCol="0">
+            <a:spAutoFit/>
+          </a:bodyPr>
+          <a:lstStyle/>
+          <a:p>
+            <a:r>
+              <a:rPr lang="en-US" altLang="ko-KR" dirty="0"/>
+              <a:t>rear </a:t>
+            </a:r>
+            <a:r>
+              <a:rPr lang="ko-KR" altLang="en-US" dirty="0"/>
+              <a:t>포인터</a:t>
+            </a:r>
+            <a:r>
+              <a:rPr lang="en-US" altLang="ko-KR" dirty="0"/>
+              <a:t> </a:t>
+            </a:r>
+            <a:endParaRPr lang="ko-KR" altLang="en-US" dirty="0"/>
+          </a:p>
+        </p:txBody>
+      </p:sp>
+      <p:sp>
+        <p:nvSpPr>
+          <p:cNvPr id="17" name="TextBox 16">
+            <a:extLst>
+              <a:ext uri="{FF2B5EF4-FFF2-40B4-BE49-F238E27FC236}">
+                <a16:creationId xmlns:a16="http://schemas.microsoft.com/office/drawing/2014/main" id="{15A9A36C-356D-95B6-7F06-D6F018BC6484}"/>
+              </a:ext>
+            </a:extLst>
+          </p:cNvPr>
+          <p:cNvSpPr txBox="1"/>
+          <p:nvPr/>
+        </p:nvSpPr>
+        <p:spPr>
+          <a:xfrm>
+            <a:off x="7594597" y="5500411"/>
+            <a:ext cx="461819" cy="369332"/>
+          </a:xfrm>
+          <a:prstGeom prst="rect">
+            <a:avLst/>
+          </a:prstGeom>
+          <a:noFill/>
+        </p:spPr>
+        <p:txBody>
+          <a:bodyPr wrap="square" rtlCol="0">
+            <a:spAutoFit/>
+          </a:bodyPr>
+          <a:lstStyle/>
+          <a:p>
+            <a:r>
+              <a:rPr lang="en-US" altLang="ko-KR" dirty="0"/>
+              <a:t>A</a:t>
+            </a:r>
+            <a:endParaRPr lang="ko-KR" altLang="en-US" dirty="0"/>
+          </a:p>
+        </p:txBody>
+      </p:sp>
+      <p:sp>
+        <p:nvSpPr>
+          <p:cNvPr id="18" name="TextBox 17">
+            <a:extLst>
+              <a:ext uri="{FF2B5EF4-FFF2-40B4-BE49-F238E27FC236}">
+                <a16:creationId xmlns:a16="http://schemas.microsoft.com/office/drawing/2014/main" id="{2E0BC82C-C3B7-CAC8-0FD7-9895E130567D}"/>
+              </a:ext>
+            </a:extLst>
+          </p:cNvPr>
+          <p:cNvSpPr txBox="1"/>
+          <p:nvPr/>
+        </p:nvSpPr>
+        <p:spPr>
+          <a:xfrm>
+            <a:off x="8437416" y="5494930"/>
+            <a:ext cx="461819" cy="369332"/>
+          </a:xfrm>
+          <a:prstGeom prst="rect">
+            <a:avLst/>
+          </a:prstGeom>
+          <a:noFill/>
+        </p:spPr>
+        <p:txBody>
+          <a:bodyPr wrap="square" rtlCol="0">
+            <a:spAutoFit/>
+          </a:bodyPr>
+          <a:lstStyle/>
+          <a:p>
+            <a:r>
+              <a:rPr lang="en-US" altLang="ko-KR" dirty="0"/>
+              <a:t>B</a:t>
+            </a:r>
+            <a:endParaRPr lang="ko-KR" altLang="en-US" dirty="0"/>
+          </a:p>
+        </p:txBody>
+      </p:sp>
+      <p:sp>
+        <p:nvSpPr>
+          <p:cNvPr id="19" name="TextBox 18">
+            <a:extLst>
+              <a:ext uri="{FF2B5EF4-FFF2-40B4-BE49-F238E27FC236}">
+                <a16:creationId xmlns:a16="http://schemas.microsoft.com/office/drawing/2014/main" id="{7C967158-DB8A-4072-A167-C94DD42DE270}"/>
+              </a:ext>
+            </a:extLst>
+          </p:cNvPr>
+          <p:cNvSpPr txBox="1"/>
+          <p:nvPr/>
+        </p:nvSpPr>
+        <p:spPr>
+          <a:xfrm>
+            <a:off x="7320972" y="1303646"/>
+            <a:ext cx="4593937" cy="1700787"/>
+          </a:xfrm>
+          <a:prstGeom prst="rect">
+            <a:avLst/>
+          </a:prstGeom>
+          <a:noFill/>
+        </p:spPr>
+        <p:txBody>
+          <a:bodyPr wrap="square" rtlCol="0">
+            <a:spAutoFit/>
+          </a:bodyPr>
+          <a:lstStyle/>
+          <a:p>
+            <a:pPr>
+              <a:lnSpc>
+                <a:spcPct val="150000"/>
+              </a:lnSpc>
+            </a:pPr>
+            <a:r>
+              <a:rPr lang="ko-KR" altLang="en-US" dirty="0"/>
+              <a:t>의미해석 </a:t>
+            </a:r>
+            <a:r>
+              <a:rPr lang="en-US" altLang="ko-KR" dirty="0"/>
+              <a:t>: front </a:t>
+            </a:r>
+            <a:r>
+              <a:rPr lang="ko-KR" altLang="en-US" dirty="0"/>
+              <a:t>포인터가 가리키는 값과 그 이하의 칸에는 아무것도 없어야 하고</a:t>
+            </a:r>
+            <a:r>
+              <a:rPr lang="en-US" altLang="ko-KR" dirty="0"/>
+              <a:t>, rear</a:t>
+            </a:r>
+            <a:r>
+              <a:rPr lang="ko-KR" altLang="en-US" dirty="0"/>
+              <a:t>포인터가 가리키고 </a:t>
+            </a:r>
+            <a:r>
+              <a:rPr lang="en-US" altLang="ko-KR" dirty="0"/>
+              <a:t>front</a:t>
+            </a:r>
+            <a:r>
+              <a:rPr lang="ko-KR" altLang="en-US" dirty="0"/>
+              <a:t>와 </a:t>
+            </a:r>
+            <a:r>
+              <a:rPr lang="en-US" altLang="ko-KR" dirty="0"/>
+              <a:t>rear </a:t>
+            </a:r>
+            <a:r>
+              <a:rPr lang="ko-KR" altLang="en-US" dirty="0"/>
+              <a:t>사이의 칸에는 수가 있어야 된다</a:t>
+            </a:r>
+            <a:r>
+              <a:rPr lang="en-US" altLang="ko-KR" dirty="0"/>
+              <a:t>.</a:t>
+            </a:r>
+            <a:r>
+              <a:rPr lang="ko-KR" altLang="en-US" dirty="0"/>
+              <a:t> </a:t>
+            </a:r>
+          </a:p>
+        </p:txBody>
+      </p:sp>
+      <p:cxnSp>
+        <p:nvCxnSpPr>
+          <p:cNvPr id="21" name="직선 화살표 연결선 20">
+            <a:extLst>
+              <a:ext uri="{FF2B5EF4-FFF2-40B4-BE49-F238E27FC236}">
+                <a16:creationId xmlns:a16="http://schemas.microsoft.com/office/drawing/2014/main" id="{7CC7D4BC-8D58-312B-A9FF-EC635B030FA1}"/>
+              </a:ext>
+            </a:extLst>
+          </p:cNvPr>
+          <p:cNvCxnSpPr/>
+          <p:nvPr/>
+        </p:nvCxnSpPr>
+        <p:spPr>
+          <a:xfrm>
+            <a:off x="5971307" y="6262254"/>
+            <a:ext cx="3980871" cy="0"/>
+          </a:xfrm>
+          <a:prstGeom prst="straightConnector1">
+            <a:avLst/>
+          </a:prstGeom>
+          <a:ln>
+            <a:solidFill>
+              <a:schemeClr val="accent6">
+                <a:lumMod val="60000"/>
+                <a:lumOff val="40000"/>
+              </a:schemeClr>
+            </a:solidFill>
+            <a:tailEnd type="triangle"/>
+          </a:ln>
+        </p:spPr>
+        <p:style>
+          <a:lnRef idx="2">
+            <a:schemeClr val="accent1"/>
+          </a:lnRef>
+          <a:fillRef idx="0">
+            <a:schemeClr val="accent1"/>
+          </a:fillRef>
+          <a:effectRef idx="1">
+            <a:schemeClr val="accent1"/>
+          </a:effectRef>
+          <a:fontRef idx="minor">
+            <a:schemeClr val="tx1"/>
+          </a:fontRef>
+        </p:style>
+      </p:cxnSp>
+      <p:sp>
+        <p:nvSpPr>
+          <p:cNvPr id="22" name="TextBox 21">
+            <a:extLst>
+              <a:ext uri="{FF2B5EF4-FFF2-40B4-BE49-F238E27FC236}">
+                <a16:creationId xmlns:a16="http://schemas.microsoft.com/office/drawing/2014/main" id="{DC9ADD72-716B-CEDD-5C61-A3F2D63B3ABD}"/>
+              </a:ext>
+            </a:extLst>
+          </p:cNvPr>
+          <p:cNvSpPr txBox="1"/>
+          <p:nvPr/>
+        </p:nvSpPr>
+        <p:spPr>
+          <a:xfrm>
+            <a:off x="7730835" y="6410803"/>
+            <a:ext cx="1496291" cy="369332"/>
+          </a:xfrm>
+          <a:prstGeom prst="rect">
+            <a:avLst/>
+          </a:prstGeom>
+          <a:noFill/>
+        </p:spPr>
+        <p:txBody>
+          <a:bodyPr wrap="square" rtlCol="0">
+            <a:spAutoFit/>
+          </a:bodyPr>
+          <a:lstStyle/>
+          <a:p>
+            <a:r>
+              <a:rPr lang="ko-KR" altLang="en-US" dirty="0"/>
+              <a:t>칸 번호 증가</a:t>
+            </a:r>
+          </a:p>
+        </p:txBody>
+      </p:sp>
+      <p:sp>
+        <p:nvSpPr>
+          <p:cNvPr id="23" name="TextBox 22">
+            <a:extLst>
+              <a:ext uri="{FF2B5EF4-FFF2-40B4-BE49-F238E27FC236}">
+                <a16:creationId xmlns:a16="http://schemas.microsoft.com/office/drawing/2014/main" id="{A4C59D72-AA2F-1485-155C-24280BC416E5}"/>
+              </a:ext>
+            </a:extLst>
+          </p:cNvPr>
+          <p:cNvSpPr txBox="1"/>
+          <p:nvPr/>
+        </p:nvSpPr>
+        <p:spPr>
+          <a:xfrm>
+            <a:off x="443346" y="3363815"/>
+            <a:ext cx="4572000" cy="3416320"/>
+          </a:xfrm>
+          <a:prstGeom prst="rect">
+            <a:avLst/>
+          </a:prstGeom>
+          <a:noFill/>
+        </p:spPr>
+        <p:txBody>
+          <a:bodyPr wrap="square" rtlCol="0">
+            <a:spAutoFit/>
+          </a:bodyPr>
+          <a:lstStyle/>
+          <a:p>
+            <a:r>
+              <a:rPr lang="ko-KR" altLang="en-US" dirty="0"/>
+              <a:t>의미해석과 코드 </a:t>
+            </a:r>
+            <a:r>
+              <a:rPr lang="en-US" altLang="ko-KR" dirty="0"/>
+              <a:t>:</a:t>
+            </a:r>
+          </a:p>
+          <a:p>
+            <a:pPr marL="342900" indent="-342900">
+              <a:buAutoNum type="arabicParenR"/>
+            </a:pPr>
+            <a:r>
+              <a:rPr lang="en-US" altLang="ko-KR" dirty="0" err="1"/>
+              <a:t>i</a:t>
+            </a:r>
+            <a:r>
+              <a:rPr lang="en-US" altLang="ko-KR" dirty="0"/>
+              <a:t>&lt;=q-&gt;front       -&gt;      print(“ |”)</a:t>
+            </a:r>
+          </a:p>
+          <a:p>
+            <a:r>
+              <a:rPr lang="en-US" altLang="ko-KR" dirty="0"/>
+              <a:t>   *front </a:t>
+            </a:r>
+            <a:r>
+              <a:rPr lang="ko-KR" altLang="en-US" dirty="0"/>
+              <a:t>포인터가 가리키는 칸과</a:t>
+            </a:r>
+            <a:r>
+              <a:rPr lang="en-US" altLang="ko-KR" dirty="0"/>
+              <a:t>, </a:t>
+            </a:r>
+            <a:r>
+              <a:rPr lang="ko-KR" altLang="en-US" dirty="0"/>
+              <a:t>그 이하의 칸을 만났다면</a:t>
+            </a:r>
+            <a:r>
+              <a:rPr lang="en-US" altLang="ko-KR" dirty="0"/>
+              <a:t>, </a:t>
+            </a:r>
+            <a:r>
+              <a:rPr lang="ko-KR" altLang="en-US" dirty="0" err="1"/>
+              <a:t>칸막을</a:t>
+            </a:r>
+            <a:r>
+              <a:rPr lang="ko-KR" altLang="en-US" dirty="0"/>
+              <a:t> 나타내는 </a:t>
+            </a:r>
+            <a:r>
+              <a:rPr lang="en-US" altLang="ko-KR" dirty="0"/>
+              <a:t>|</a:t>
+            </a:r>
+            <a:r>
+              <a:rPr lang="ko-KR" altLang="en-US" dirty="0"/>
+              <a:t>을 표시할 것</a:t>
+            </a:r>
+            <a:endParaRPr lang="en-US" altLang="ko-KR" dirty="0"/>
+          </a:p>
+          <a:p>
+            <a:endParaRPr lang="en-US" altLang="ko-KR" dirty="0"/>
+          </a:p>
+          <a:p>
+            <a:r>
+              <a:rPr lang="en-US" altLang="ko-KR" dirty="0"/>
+              <a:t>2) </a:t>
+            </a:r>
+            <a:r>
+              <a:rPr lang="en-US" altLang="ko-KR" dirty="0" err="1"/>
+              <a:t>i</a:t>
+            </a:r>
+            <a:r>
+              <a:rPr lang="en-US" altLang="ko-KR" dirty="0"/>
+              <a:t> &gt; q-&gt;rear      -&gt;     print(“|”);</a:t>
+            </a:r>
+          </a:p>
+          <a:p>
+            <a:r>
+              <a:rPr lang="en-US" altLang="ko-KR" dirty="0"/>
+              <a:t>  * </a:t>
+            </a:r>
+            <a:r>
+              <a:rPr lang="ko-KR" altLang="en-US" dirty="0"/>
+              <a:t>의미해석 참고</a:t>
+            </a:r>
+            <a:endParaRPr lang="en-US" altLang="ko-KR" dirty="0"/>
+          </a:p>
+          <a:p>
+            <a:endParaRPr lang="en-US" altLang="ko-KR" dirty="0"/>
+          </a:p>
+          <a:p>
+            <a:r>
+              <a:rPr lang="en-US" altLang="ko-KR" dirty="0"/>
+              <a:t>3) </a:t>
+            </a:r>
+            <a:r>
+              <a:rPr lang="ko-KR" altLang="en-US" dirty="0"/>
+              <a:t>이 조건 이외의 것은</a:t>
+            </a:r>
+            <a:r>
+              <a:rPr lang="en-US" altLang="ko-KR" dirty="0"/>
+              <a:t>, </a:t>
+            </a:r>
+            <a:r>
+              <a:rPr lang="ko-KR" altLang="en-US" dirty="0"/>
+              <a:t>실제 값이 들어있는 칸을 </a:t>
+            </a:r>
+            <a:r>
+              <a:rPr lang="ko-KR" altLang="en-US" dirty="0" err="1"/>
+              <a:t>만난거므로</a:t>
+            </a:r>
+            <a:r>
+              <a:rPr lang="en-US" altLang="ko-KR" dirty="0"/>
+              <a:t>, </a:t>
+            </a:r>
+            <a:r>
+              <a:rPr lang="ko-KR" altLang="en-US" dirty="0"/>
+              <a:t>그 칸의 데이터를 </a:t>
+            </a:r>
+            <a:r>
+              <a:rPr lang="ko-KR" altLang="en-US" dirty="0" err="1"/>
+              <a:t>출력할것</a:t>
+            </a:r>
+            <a:endParaRPr lang="ko-KR" altLang="en-US" dirty="0"/>
+          </a:p>
+        </p:txBody>
+      </p:sp>
+      <p:cxnSp>
+        <p:nvCxnSpPr>
+          <p:cNvPr id="25" name="직선 연결선 24">
+            <a:extLst>
+              <a:ext uri="{FF2B5EF4-FFF2-40B4-BE49-F238E27FC236}">
+                <a16:creationId xmlns:a16="http://schemas.microsoft.com/office/drawing/2014/main" id="{3734D6D5-EF3B-B515-C4D7-ED36A4EA43A6}"/>
+              </a:ext>
+            </a:extLst>
+          </p:cNvPr>
+          <p:cNvCxnSpPr/>
+          <p:nvPr/>
+        </p:nvCxnSpPr>
+        <p:spPr>
+          <a:xfrm>
+            <a:off x="0" y="3266689"/>
+            <a:ext cx="12192000" cy="0"/>
+          </a:xfrm>
+          <a:prstGeom prst="line">
+            <a:avLst/>
+          </a:prstGeom>
+        </p:spPr>
+        <p:style>
+          <a:lnRef idx="2">
+            <a:schemeClr val="accent1"/>
+          </a:lnRef>
+          <a:fillRef idx="0">
+            <a:schemeClr val="accent1"/>
+          </a:fillRef>
+          <a:effectRef idx="1">
+            <a:schemeClr val="accent1"/>
+          </a:effectRef>
+          <a:fontRef idx="minor">
+            <a:schemeClr val="tx1"/>
+          </a:fontRef>
+        </p:style>
+      </p:cxnSp>
+    </p:spTree>
+    <p:extLst>
+      <p:ext uri="{BB962C8B-B14F-4D97-AF65-F5344CB8AC3E}">
+        <p14:creationId xmlns:p14="http://schemas.microsoft.com/office/powerpoint/2010/main" val="1529958148"/>
+      </p:ext>
+    </p:extLst>
+  </p:cSld>
+  <p:clrMapOvr>
+    <a:masterClrMapping/>
+  </p:clrMapOvr>
+</p:sld>
+</file>
+
+<file path=ppt/slides/slide65.xml><?xml version="1.0" encoding="utf-8"?>
+<p:sld xmlns:a="http://schemas.openxmlformats.org/drawingml/2006/main" xmlns:r="http://schemas.openxmlformats.org/officeDocument/2006/relationships" xmlns:p="http://schemas.openxmlformats.org/presentationml/2006/main">
+  <p:cSld>
+    <p:spTree>
+      <p:nvGrpSpPr>
+        <p:cNvPr id="1" name=""/>
+        <p:cNvGrpSpPr/>
+        <p:nvPr/>
+      </p:nvGrpSpPr>
+      <p:grpSpPr>
+        <a:xfrm>
+          <a:off x="0" y="0"/>
+          <a:ext cx="0" cy="0"/>
+          <a:chOff x="0" y="0"/>
+          <a:chExt cx="0" cy="0"/>
+        </a:xfrm>
+      </p:grpSpPr>
+      <p:sp>
+        <p:nvSpPr>
+          <p:cNvPr id="2" name="제목 1">
+            <a:extLst>
+              <a:ext uri="{FF2B5EF4-FFF2-40B4-BE49-F238E27FC236}">
+                <a16:creationId xmlns:a16="http://schemas.microsoft.com/office/drawing/2014/main" id="{7F7AA18A-131C-37E0-69A9-2AC590ABE310}"/>
+              </a:ext>
+            </a:extLst>
+          </p:cNvPr>
+          <p:cNvSpPr>
+            <a:spLocks noGrp="1"/>
+          </p:cNvSpPr>
+          <p:nvPr>
+            <p:ph type="title"/>
+          </p:nvPr>
+        </p:nvSpPr>
+        <p:spPr/>
+        <p:txBody>
+          <a:bodyPr/>
+          <a:lstStyle/>
+          <a:p>
+            <a:pPr algn="ctr"/>
+            <a:r>
+              <a:rPr lang="ko-KR" altLang="en-US" dirty="0"/>
+              <a:t>큐</a:t>
+            </a:r>
+            <a:r>
+              <a:rPr lang="en-US" altLang="ko-KR" dirty="0"/>
+              <a:t>(</a:t>
+            </a:r>
+            <a:r>
+              <a:rPr lang="en-US" altLang="ko-KR" dirty="0" err="1"/>
+              <a:t>linear_queue.c</a:t>
+            </a:r>
+            <a:r>
+              <a:rPr lang="en-US" altLang="ko-KR" dirty="0"/>
+              <a:t>)</a:t>
+            </a:r>
+            <a:endParaRPr lang="ko-KR" altLang="en-US" dirty="0"/>
+          </a:p>
+        </p:txBody>
+      </p:sp>
+      <p:sp>
+        <p:nvSpPr>
+          <p:cNvPr id="4" name="TextBox 3">
+            <a:extLst>
+              <a:ext uri="{FF2B5EF4-FFF2-40B4-BE49-F238E27FC236}">
+                <a16:creationId xmlns:a16="http://schemas.microsoft.com/office/drawing/2014/main" id="{DE1B017E-2A97-3C5B-1B9A-EB8D037B4A64}"/>
+              </a:ext>
+            </a:extLst>
+          </p:cNvPr>
+          <p:cNvSpPr txBox="1"/>
+          <p:nvPr/>
+        </p:nvSpPr>
+        <p:spPr>
+          <a:xfrm>
+            <a:off x="332509" y="2105891"/>
+            <a:ext cx="11480800" cy="869790"/>
+          </a:xfrm>
+          <a:prstGeom prst="rect">
+            <a:avLst/>
+          </a:prstGeom>
+          <a:noFill/>
+        </p:spPr>
+        <p:txBody>
+          <a:bodyPr wrap="square" rtlCol="0">
+            <a:spAutoFit/>
+          </a:bodyPr>
+          <a:lstStyle/>
+          <a:p>
+            <a:pPr algn="ctr">
+              <a:lnSpc>
+                <a:spcPct val="150000"/>
+              </a:lnSpc>
+            </a:pPr>
+            <a:r>
+              <a:rPr lang="ko-KR" altLang="en-US" dirty="0"/>
+              <a:t>데이터가 저장된 배열에서는</a:t>
+            </a:r>
+            <a:r>
+              <a:rPr lang="en-US" altLang="ko-KR" dirty="0"/>
+              <a:t> </a:t>
+            </a:r>
+            <a:r>
+              <a:rPr lang="ko-KR" altLang="en-US" dirty="0"/>
+              <a:t>실제로 데이터가 삭제되지 않는다</a:t>
+            </a:r>
+            <a:r>
+              <a:rPr lang="en-US" altLang="ko-KR" dirty="0"/>
+              <a:t>.</a:t>
+            </a:r>
+          </a:p>
+          <a:p>
+            <a:pPr algn="ctr">
+              <a:lnSpc>
+                <a:spcPct val="150000"/>
+              </a:lnSpc>
+            </a:pPr>
+            <a:r>
+              <a:rPr lang="ko-KR" altLang="en-US" dirty="0"/>
+              <a:t>다만 포인터들을 통해</a:t>
+            </a:r>
+            <a:r>
+              <a:rPr lang="en-US" altLang="ko-KR" dirty="0"/>
+              <a:t>, </a:t>
+            </a:r>
+            <a:r>
+              <a:rPr lang="ko-KR" altLang="en-US" dirty="0"/>
+              <a:t>개념적으로 큐라는 자료구조를 구현하고 있을 뿐이다</a:t>
+            </a:r>
+            <a:r>
+              <a:rPr lang="en-US" altLang="ko-KR" dirty="0"/>
+              <a:t>. </a:t>
+            </a:r>
+            <a:r>
+              <a:rPr lang="ko-KR" altLang="en-US" dirty="0"/>
+              <a:t> </a:t>
+            </a:r>
+            <a:r>
+              <a:rPr lang="en-US" altLang="ko-KR" dirty="0"/>
+              <a:t> </a:t>
+            </a:r>
+            <a:endParaRPr lang="ko-KR" altLang="en-US" dirty="0"/>
+          </a:p>
+        </p:txBody>
+      </p:sp>
+    </p:spTree>
+    <p:extLst>
+      <p:ext uri="{BB962C8B-B14F-4D97-AF65-F5344CB8AC3E}">
+        <p14:creationId xmlns:p14="http://schemas.microsoft.com/office/powerpoint/2010/main" val="2210347582"/>
+      </p:ext>
+    </p:extLst>
+  </p:cSld>
+  <p:clrMapOvr>
+    <a:masterClrMapping/>
+  </p:clrMapOvr>
+</p:sld>
+</file>
+
+<file path=ppt/slides/slide66.xml><?xml version="1.0" encoding="utf-8"?>
+<p:sld xmlns:a="http://schemas.openxmlformats.org/drawingml/2006/main" xmlns:r="http://schemas.openxmlformats.org/officeDocument/2006/relationships" xmlns:p="http://schemas.openxmlformats.org/presentationml/2006/main">
+  <p:cSld>
+    <p:spTree>
+      <p:nvGrpSpPr>
+        <p:cNvPr id="1" name=""/>
+        <p:cNvGrpSpPr/>
+        <p:nvPr/>
+      </p:nvGrpSpPr>
+      <p:grpSpPr>
+        <a:xfrm>
+          <a:off x="0" y="0"/>
+          <a:ext cx="0" cy="0"/>
+          <a:chOff x="0" y="0"/>
+          <a:chExt cx="0" cy="0"/>
+        </a:xfrm>
+      </p:grpSpPr>
+      <p:sp>
+        <p:nvSpPr>
+          <p:cNvPr id="2" name="제목 1">
+            <a:extLst>
+              <a:ext uri="{FF2B5EF4-FFF2-40B4-BE49-F238E27FC236}">
+                <a16:creationId xmlns:a16="http://schemas.microsoft.com/office/drawing/2014/main" id="{0E61E0CF-89E8-3BB5-A72B-E87EB4313533}"/>
+              </a:ext>
+            </a:extLst>
+          </p:cNvPr>
+          <p:cNvSpPr>
+            <a:spLocks noGrp="1"/>
+          </p:cNvSpPr>
+          <p:nvPr>
+            <p:ph type="title"/>
+          </p:nvPr>
+        </p:nvSpPr>
+        <p:spPr/>
+        <p:txBody>
+          <a:bodyPr/>
+          <a:lstStyle/>
+          <a:p>
+            <a:pPr algn="ctr"/>
+            <a:r>
+              <a:rPr lang="ko-KR" altLang="en-US" dirty="0"/>
+              <a:t>원형 큐</a:t>
+            </a:r>
+          </a:p>
+        </p:txBody>
+      </p:sp>
+      <p:sp>
+        <p:nvSpPr>
+          <p:cNvPr id="4" name="TextBox 3">
+            <a:extLst>
+              <a:ext uri="{FF2B5EF4-FFF2-40B4-BE49-F238E27FC236}">
+                <a16:creationId xmlns:a16="http://schemas.microsoft.com/office/drawing/2014/main" id="{10802B0D-1FFF-6DF9-1FC1-2298E58A1C5F}"/>
+              </a:ext>
+            </a:extLst>
+          </p:cNvPr>
+          <p:cNvSpPr txBox="1"/>
+          <p:nvPr/>
+        </p:nvSpPr>
+        <p:spPr>
+          <a:xfrm>
+            <a:off x="434109" y="2678979"/>
+            <a:ext cx="11471563" cy="1700787"/>
+          </a:xfrm>
+          <a:prstGeom prst="rect">
+            <a:avLst/>
+          </a:prstGeom>
+          <a:noFill/>
+        </p:spPr>
+        <p:txBody>
+          <a:bodyPr wrap="square" rtlCol="0">
+            <a:spAutoFit/>
+          </a:bodyPr>
+          <a:lstStyle/>
+          <a:p>
+            <a:pPr>
+              <a:lnSpc>
+                <a:spcPct val="150000"/>
+              </a:lnSpc>
+            </a:pPr>
+            <a:r>
+              <a:rPr lang="ko-KR" altLang="en-US" dirty="0"/>
+              <a:t>중요 부분 </a:t>
+            </a:r>
+            <a:r>
+              <a:rPr lang="en-US" altLang="ko-KR" dirty="0"/>
+              <a:t>: 1) </a:t>
+            </a:r>
+            <a:r>
+              <a:rPr lang="en-US" altLang="ko-KR" dirty="0" err="1"/>
+              <a:t>MAX_QUEUE_SIZE</a:t>
+            </a:r>
+            <a:r>
+              <a:rPr lang="ko-KR" altLang="en-US" dirty="0"/>
+              <a:t>로 나눗셈 </a:t>
+            </a:r>
+            <a:r>
+              <a:rPr lang="en-US" altLang="ko-KR" dirty="0"/>
+              <a:t>-&gt; </a:t>
+            </a:r>
+            <a:r>
+              <a:rPr lang="ko-KR" altLang="en-US" dirty="0"/>
+              <a:t>코드 내 저장 자료형은 배열이지만</a:t>
+            </a:r>
+            <a:r>
+              <a:rPr lang="en-US" altLang="ko-KR" dirty="0"/>
+              <a:t>, </a:t>
+            </a:r>
+            <a:r>
+              <a:rPr lang="ko-KR" altLang="en-US" dirty="0"/>
+              <a:t>나눗셈 기능을 통해 배열 칸의 수에 한정되지 않고</a:t>
+            </a:r>
+            <a:r>
+              <a:rPr lang="en-US" altLang="ko-KR" dirty="0"/>
+              <a:t>, </a:t>
+            </a:r>
+            <a:r>
+              <a:rPr lang="ko-KR" altLang="en-US" dirty="0"/>
+              <a:t>실제 원형 큐처럼 작동한다</a:t>
+            </a:r>
+            <a:r>
+              <a:rPr lang="en-US" altLang="ko-KR" dirty="0"/>
+              <a:t>.</a:t>
+            </a:r>
+            <a:r>
+              <a:rPr lang="ko-KR" altLang="en-US" dirty="0"/>
+              <a:t> </a:t>
+            </a:r>
+            <a:endParaRPr lang="en-US" altLang="ko-KR" dirty="0"/>
+          </a:p>
+          <a:p>
+            <a:pPr>
+              <a:lnSpc>
+                <a:spcPct val="150000"/>
+              </a:lnSpc>
+            </a:pPr>
+            <a:r>
+              <a:rPr lang="en-US" altLang="ko-KR" dirty="0"/>
+              <a:t>               2) </a:t>
+            </a:r>
+            <a:r>
+              <a:rPr lang="ko-KR" altLang="en-US" dirty="0"/>
+              <a:t>마찬가지로 </a:t>
+            </a:r>
+            <a:r>
+              <a:rPr lang="en-US" altLang="ko-KR" dirty="0"/>
+              <a:t>front </a:t>
+            </a:r>
+            <a:r>
+              <a:rPr lang="ko-KR" altLang="en-US" dirty="0"/>
+              <a:t>포인터와 </a:t>
+            </a:r>
+            <a:r>
+              <a:rPr lang="en-US" altLang="ko-KR" dirty="0"/>
+              <a:t>rear </a:t>
+            </a:r>
+            <a:r>
+              <a:rPr lang="ko-KR" altLang="en-US" dirty="0"/>
+              <a:t>포인터로 작동하여</a:t>
+            </a:r>
+            <a:r>
+              <a:rPr lang="en-US" altLang="ko-KR" dirty="0"/>
+              <a:t>, </a:t>
+            </a:r>
+            <a:r>
+              <a:rPr lang="ko-KR" altLang="en-US" dirty="0"/>
+              <a:t>원형 큐를 개념적으로 구현한 코드다</a:t>
+            </a:r>
+            <a:r>
+              <a:rPr lang="en-US" altLang="ko-KR" dirty="0"/>
+              <a:t>. </a:t>
+            </a:r>
+            <a:r>
+              <a:rPr lang="ko-KR" altLang="en-US" dirty="0"/>
+              <a:t>따라서 </a:t>
+            </a:r>
+            <a:r>
+              <a:rPr lang="en-US" altLang="ko-KR" dirty="0"/>
+              <a:t>front, rear</a:t>
+            </a:r>
+            <a:r>
+              <a:rPr lang="ko-KR" altLang="en-US" dirty="0"/>
+              <a:t>의 위치</a:t>
+            </a:r>
+            <a:r>
+              <a:rPr lang="en-US" altLang="ko-KR" dirty="0"/>
+              <a:t>, </a:t>
+            </a:r>
+            <a:r>
+              <a:rPr lang="ko-KR" altLang="en-US" dirty="0"/>
+              <a:t>그리고 배열 칸 내의 데이터 저장 이 세 현상을 종합적으로 보면서 판단해야 된다</a:t>
+            </a:r>
+            <a:r>
+              <a:rPr lang="en-US" altLang="ko-KR" dirty="0"/>
+              <a:t>. </a:t>
+            </a:r>
+            <a:r>
+              <a:rPr lang="ko-KR" altLang="en-US" dirty="0"/>
+              <a:t> </a:t>
+            </a:r>
+          </a:p>
+        </p:txBody>
+      </p:sp>
+    </p:spTree>
+    <p:extLst>
+      <p:ext uri="{BB962C8B-B14F-4D97-AF65-F5344CB8AC3E}">
+        <p14:creationId xmlns:p14="http://schemas.microsoft.com/office/powerpoint/2010/main" val="2456581381"/>
+      </p:ext>
+    </p:extLst>
+  </p:cSld>
+  <p:clrMapOvr>
+    <a:masterClrMapping/>
+  </p:clrMapOvr>
+</p:sld>
+</file>
+
+<file path=ppt/slides/slide67.xml><?xml version="1.0" encoding="utf-8"?>
+<p:sld xmlns:a="http://schemas.openxmlformats.org/drawingml/2006/main" xmlns:r="http://schemas.openxmlformats.org/officeDocument/2006/relationships" xmlns:p="http://schemas.openxmlformats.org/presentationml/2006/main">
+  <p:cSld>
+    <p:spTree>
+      <p:nvGrpSpPr>
+        <p:cNvPr id="1" name=""/>
+        <p:cNvGrpSpPr/>
+        <p:nvPr/>
+      </p:nvGrpSpPr>
+      <p:grpSpPr>
+        <a:xfrm>
+          <a:off x="0" y="0"/>
+          <a:ext cx="0" cy="0"/>
+          <a:chOff x="0" y="0"/>
+          <a:chExt cx="0" cy="0"/>
+        </a:xfrm>
+      </p:grpSpPr>
+      <p:sp>
+        <p:nvSpPr>
+          <p:cNvPr id="2" name="제목 1">
+            <a:extLst>
+              <a:ext uri="{FF2B5EF4-FFF2-40B4-BE49-F238E27FC236}">
+                <a16:creationId xmlns:a16="http://schemas.microsoft.com/office/drawing/2014/main" id="{238EEACD-5730-AE79-E297-BB1D5359B3EF}"/>
+              </a:ext>
+            </a:extLst>
+          </p:cNvPr>
+          <p:cNvSpPr>
+            <a:spLocks noGrp="1"/>
+          </p:cNvSpPr>
+          <p:nvPr>
+            <p:ph type="title"/>
+          </p:nvPr>
+        </p:nvSpPr>
+        <p:spPr/>
+        <p:txBody>
+          <a:bodyPr/>
+          <a:lstStyle/>
+          <a:p>
+            <a:pPr algn="ctr"/>
+            <a:r>
+              <a:rPr lang="en-US" altLang="ko-KR" dirty="0" err="1"/>
+              <a:t>bank_simuli</a:t>
+            </a:r>
+            <a:endParaRPr lang="ko-KR" altLang="en-US" dirty="0"/>
+          </a:p>
+        </p:txBody>
+      </p:sp>
+      <p:sp>
+        <p:nvSpPr>
+          <p:cNvPr id="4" name="TextBox 3">
+            <a:extLst>
+              <a:ext uri="{FF2B5EF4-FFF2-40B4-BE49-F238E27FC236}">
+                <a16:creationId xmlns:a16="http://schemas.microsoft.com/office/drawing/2014/main" id="{CEC2F794-2039-F25F-DB03-4955719676DD}"/>
+              </a:ext>
+            </a:extLst>
+          </p:cNvPr>
+          <p:cNvSpPr txBox="1"/>
+          <p:nvPr/>
+        </p:nvSpPr>
+        <p:spPr>
+          <a:xfrm>
+            <a:off x="554182" y="3244334"/>
+            <a:ext cx="11397673" cy="369332"/>
+          </a:xfrm>
+          <a:prstGeom prst="rect">
+            <a:avLst/>
+          </a:prstGeom>
+          <a:noFill/>
+        </p:spPr>
+        <p:txBody>
+          <a:bodyPr wrap="square" rtlCol="0">
+            <a:spAutoFit/>
+          </a:bodyPr>
+          <a:lstStyle/>
+          <a:p>
+            <a:r>
+              <a:rPr lang="ko-KR" altLang="en-US" dirty="0"/>
+              <a:t>                                                     원형 큐 </a:t>
+            </a:r>
+            <a:r>
+              <a:rPr lang="en-US" altLang="ko-KR" dirty="0"/>
+              <a:t>+ </a:t>
+            </a:r>
+            <a:r>
+              <a:rPr lang="ko-KR" altLang="en-US" dirty="0"/>
+              <a:t>랜덤 </a:t>
+            </a:r>
+            <a:r>
+              <a:rPr lang="ko-KR" altLang="en-US" dirty="0" err="1"/>
+              <a:t>입력값</a:t>
+            </a:r>
+            <a:r>
+              <a:rPr lang="ko-KR" altLang="en-US" dirty="0"/>
+              <a:t> </a:t>
+            </a:r>
+            <a:r>
+              <a:rPr lang="en-US" altLang="ko-KR" dirty="0"/>
+              <a:t> </a:t>
+            </a:r>
+            <a:endParaRPr lang="ko-KR" altLang="en-US" dirty="0"/>
+          </a:p>
+        </p:txBody>
+      </p:sp>
+    </p:spTree>
+    <p:extLst>
+      <p:ext uri="{BB962C8B-B14F-4D97-AF65-F5344CB8AC3E}">
+        <p14:creationId xmlns:p14="http://schemas.microsoft.com/office/powerpoint/2010/main" val="3703708777"/>
+      </p:ext>
+    </p:extLst>
+  </p:cSld>
+  <p:clrMapOvr>
+    <a:masterClrMapping/>
+  </p:clrMapOvr>
+</p:sld>
+</file>
+
+<file path=ppt/slides/slide68.xml><?xml version="1.0" encoding="utf-8"?>
+<p:sld xmlns:a="http://schemas.openxmlformats.org/drawingml/2006/main" xmlns:r="http://schemas.openxmlformats.org/officeDocument/2006/relationships" xmlns:p="http://schemas.openxmlformats.org/presentationml/2006/main">
+  <p:cSld>
+    <p:spTree>
+      <p:nvGrpSpPr>
+        <p:cNvPr id="1" name=""/>
+        <p:cNvGrpSpPr/>
+        <p:nvPr/>
+      </p:nvGrpSpPr>
+      <p:grpSpPr>
+        <a:xfrm>
+          <a:off x="0" y="0"/>
+          <a:ext cx="0" cy="0"/>
+          <a:chOff x="0" y="0"/>
+          <a:chExt cx="0" cy="0"/>
+        </a:xfrm>
+      </p:grpSpPr>
+      <p:sp>
+        <p:nvSpPr>
+          <p:cNvPr id="2" name="제목 1">
+            <a:extLst>
+              <a:ext uri="{FF2B5EF4-FFF2-40B4-BE49-F238E27FC236}">
+                <a16:creationId xmlns:a16="http://schemas.microsoft.com/office/drawing/2014/main" id="{A9116113-A8EA-CE16-4910-2E8B80AAF678}"/>
+              </a:ext>
+            </a:extLst>
+          </p:cNvPr>
+          <p:cNvSpPr>
+            <a:spLocks noGrp="1"/>
+          </p:cNvSpPr>
+          <p:nvPr>
+            <p:ph type="title"/>
+          </p:nvPr>
+        </p:nvSpPr>
+        <p:spPr/>
+        <p:txBody>
+          <a:bodyPr/>
+          <a:lstStyle/>
+          <a:p>
+            <a:pPr algn="ctr"/>
+            <a:r>
+              <a:rPr lang="ko-KR" altLang="en-US" dirty="0" err="1"/>
+              <a:t>덱</a:t>
+            </a:r>
+            <a:r>
+              <a:rPr lang="en-US" altLang="ko-KR" dirty="0"/>
+              <a:t>(deque)</a:t>
+            </a:r>
+            <a:endParaRPr lang="ko-KR" altLang="en-US" dirty="0"/>
+          </a:p>
+        </p:txBody>
+      </p:sp>
+      <p:sp>
+        <p:nvSpPr>
+          <p:cNvPr id="4" name="TextBox 3">
+            <a:extLst>
+              <a:ext uri="{FF2B5EF4-FFF2-40B4-BE49-F238E27FC236}">
+                <a16:creationId xmlns:a16="http://schemas.microsoft.com/office/drawing/2014/main" id="{0C5D0FDC-40E4-DD2E-DB03-5D8F51839E4E}"/>
+              </a:ext>
+            </a:extLst>
+          </p:cNvPr>
+          <p:cNvSpPr txBox="1"/>
+          <p:nvPr/>
+        </p:nvSpPr>
+        <p:spPr>
+          <a:xfrm>
+            <a:off x="521854" y="2994105"/>
+            <a:ext cx="11148291" cy="869790"/>
+          </a:xfrm>
+          <a:prstGeom prst="rect">
+            <a:avLst/>
+          </a:prstGeom>
+          <a:noFill/>
+        </p:spPr>
+        <p:txBody>
+          <a:bodyPr wrap="square" rtlCol="0">
+            <a:spAutoFit/>
+          </a:bodyPr>
+          <a:lstStyle/>
+          <a:p>
+            <a:pPr>
+              <a:lnSpc>
+                <a:spcPct val="150000"/>
+              </a:lnSpc>
+            </a:pPr>
+            <a:r>
+              <a:rPr lang="en-US" altLang="ko-KR" dirty="0"/>
+              <a:t> double ended queue : </a:t>
+            </a:r>
+            <a:r>
+              <a:rPr lang="ko-KR" altLang="en-US" dirty="0"/>
+              <a:t>큐의 앞</a:t>
+            </a:r>
+            <a:r>
+              <a:rPr lang="en-US" altLang="ko-KR" dirty="0"/>
+              <a:t>, </a:t>
+            </a:r>
+            <a:r>
+              <a:rPr lang="ko-KR" altLang="en-US" dirty="0"/>
+              <a:t>뒤에서 모두 삽입과 삭제가 가능함</a:t>
+            </a:r>
+            <a:r>
+              <a:rPr lang="en-US" altLang="ko-KR" dirty="0"/>
+              <a:t>.</a:t>
+            </a:r>
+          </a:p>
+          <a:p>
+            <a:pPr>
+              <a:lnSpc>
+                <a:spcPct val="150000"/>
+              </a:lnSpc>
+            </a:pPr>
+            <a:r>
+              <a:rPr lang="en-US" altLang="ko-KR" dirty="0"/>
+              <a:t> * </a:t>
+            </a:r>
+            <a:r>
+              <a:rPr lang="ko-KR" altLang="en-US" dirty="0"/>
+              <a:t>코드는 원형 큐 코드에 추가</a:t>
+            </a:r>
+            <a:r>
+              <a:rPr lang="en-US" altLang="ko-KR" dirty="0"/>
+              <a:t>, </a:t>
+            </a:r>
+            <a:r>
+              <a:rPr lang="ko-KR" altLang="en-US" dirty="0"/>
+              <a:t>삭제 코드를 더한 것</a:t>
+            </a:r>
+            <a:r>
+              <a:rPr lang="en-US" altLang="ko-KR" dirty="0"/>
+              <a:t>.</a:t>
+            </a:r>
+            <a:r>
+              <a:rPr lang="ko-KR" altLang="en-US" dirty="0"/>
+              <a:t> </a:t>
+            </a:r>
+            <a:r>
+              <a:rPr lang="en-US" altLang="ko-KR" dirty="0"/>
+              <a:t> </a:t>
+            </a:r>
+            <a:endParaRPr lang="ko-KR" altLang="en-US" dirty="0"/>
+          </a:p>
+        </p:txBody>
+      </p:sp>
+    </p:spTree>
+    <p:extLst>
+      <p:ext uri="{BB962C8B-B14F-4D97-AF65-F5344CB8AC3E}">
+        <p14:creationId xmlns:p14="http://schemas.microsoft.com/office/powerpoint/2010/main" val="1004278079"/>
+      </p:ext>
+    </p:extLst>
+  </p:cSld>
+  <p:clrMapOvr>
+    <a:masterClrMapping/>
+  </p:clrMapOvr>
+</p:sld>
+</file>
+
+<file path=ppt/slides/slide69.xml><?xml version="1.0" encoding="utf-8"?>
+<p:sld xmlns:a="http://schemas.openxmlformats.org/drawingml/2006/main" xmlns:r="http://schemas.openxmlformats.org/officeDocument/2006/relationships" xmlns:p="http://schemas.openxmlformats.org/presentationml/2006/main">
+  <p:cSld>
+    <p:spTree>
+      <p:nvGrpSpPr>
+        <p:cNvPr id="1" name=""/>
+        <p:cNvGrpSpPr/>
+        <p:nvPr/>
+      </p:nvGrpSpPr>
+      <p:grpSpPr>
+        <a:xfrm>
+          <a:off x="0" y="0"/>
+          <a:ext cx="0" cy="0"/>
+          <a:chOff x="0" y="0"/>
+          <a:chExt cx="0" cy="0"/>
+        </a:xfrm>
+      </p:grpSpPr>
+      <p:sp>
+        <p:nvSpPr>
+          <p:cNvPr id="2" name="제목 1">
+            <a:extLst>
+              <a:ext uri="{FF2B5EF4-FFF2-40B4-BE49-F238E27FC236}">
+                <a16:creationId xmlns:a16="http://schemas.microsoft.com/office/drawing/2014/main" id="{0CB99106-CAC5-6C55-8520-633E39C66880}"/>
+              </a:ext>
+            </a:extLst>
+          </p:cNvPr>
+          <p:cNvSpPr>
+            <a:spLocks noGrp="1"/>
+          </p:cNvSpPr>
+          <p:nvPr>
+            <p:ph type="title"/>
+          </p:nvPr>
+        </p:nvSpPr>
+        <p:spPr/>
+        <p:txBody>
+          <a:bodyPr/>
+          <a:lstStyle/>
+          <a:p>
+            <a:pPr algn="ctr"/>
+            <a:r>
+              <a:rPr lang="ko-KR" altLang="en-US" dirty="0"/>
+              <a:t>연결리스트</a:t>
+            </a:r>
+          </a:p>
+        </p:txBody>
+      </p:sp>
+      <p:sp>
+        <p:nvSpPr>
+          <p:cNvPr id="4" name="TextBox 3">
+            <a:extLst>
+              <a:ext uri="{FF2B5EF4-FFF2-40B4-BE49-F238E27FC236}">
+                <a16:creationId xmlns:a16="http://schemas.microsoft.com/office/drawing/2014/main" id="{091FD008-4D7A-ACEA-F8C2-71E0F58D0E8E}"/>
+              </a:ext>
+            </a:extLst>
+          </p:cNvPr>
+          <p:cNvSpPr txBox="1"/>
+          <p:nvPr/>
+        </p:nvSpPr>
+        <p:spPr>
+          <a:xfrm>
+            <a:off x="295564" y="1773382"/>
+            <a:ext cx="11600872" cy="2308324"/>
+          </a:xfrm>
+          <a:prstGeom prst="rect">
+            <a:avLst/>
+          </a:prstGeom>
+          <a:noFill/>
+        </p:spPr>
+        <p:txBody>
+          <a:bodyPr wrap="square" rtlCol="0">
+            <a:spAutoFit/>
+          </a:bodyPr>
+          <a:lstStyle/>
+          <a:p>
+            <a:r>
+              <a:rPr lang="ko-KR" altLang="en-US" dirty="0"/>
+              <a:t>정의</a:t>
+            </a:r>
+            <a:r>
+              <a:rPr lang="en-US" altLang="ko-KR" dirty="0"/>
+              <a:t>: </a:t>
+            </a:r>
+            <a:r>
+              <a:rPr lang="ko-KR" altLang="en-US" dirty="0"/>
+              <a:t>데이터</a:t>
+            </a:r>
+            <a:r>
+              <a:rPr lang="en-US" altLang="ko-KR" dirty="0"/>
+              <a:t>1</a:t>
+            </a:r>
+            <a:r>
+              <a:rPr lang="ko-KR" altLang="en-US" dirty="0"/>
+              <a:t> </a:t>
+            </a:r>
+            <a:r>
+              <a:rPr lang="en-US" altLang="ko-KR" dirty="0"/>
+              <a:t>-&gt; </a:t>
+            </a:r>
+            <a:r>
+              <a:rPr lang="ko-KR" altLang="en-US" dirty="0"/>
+              <a:t>데이터</a:t>
+            </a:r>
+            <a:r>
+              <a:rPr lang="en-US" altLang="ko-KR" dirty="0"/>
+              <a:t>2 -&gt; </a:t>
+            </a:r>
+            <a:r>
+              <a:rPr lang="ko-KR" altLang="en-US" dirty="0"/>
+              <a:t>데이터</a:t>
+            </a:r>
+            <a:r>
+              <a:rPr lang="en-US" altLang="ko-KR" dirty="0"/>
+              <a:t>3 -&gt; </a:t>
+            </a:r>
+            <a:r>
+              <a:rPr lang="ko-KR" altLang="en-US" dirty="0"/>
+              <a:t>데이터</a:t>
+            </a:r>
+            <a:r>
+              <a:rPr lang="en-US" altLang="ko-KR" dirty="0"/>
+              <a:t>4….. </a:t>
+            </a:r>
+            <a:r>
+              <a:rPr lang="ko-KR" altLang="en-US" dirty="0"/>
+              <a:t>이런 식으로 어떤 값들이 연결되어 있는 자료구조</a:t>
+            </a:r>
+            <a:endParaRPr lang="en-US" altLang="ko-KR" dirty="0"/>
+          </a:p>
+          <a:p>
+            <a:endParaRPr lang="en-US" altLang="ko-KR" dirty="0"/>
+          </a:p>
+          <a:p>
+            <a:r>
+              <a:rPr lang="ko-KR" altLang="en-US" dirty="0"/>
+              <a:t>연결 리스트에 자료 추가 방법</a:t>
+            </a:r>
+            <a:r>
+              <a:rPr lang="en-US" altLang="ko-KR" dirty="0"/>
+              <a:t> : </a:t>
+            </a:r>
+            <a:r>
+              <a:rPr lang="ko-KR" altLang="en-US" dirty="0"/>
+              <a:t>원하는 위치에 데이터를 추가하고</a:t>
+            </a:r>
+            <a:r>
+              <a:rPr lang="en-US" altLang="ko-KR" dirty="0"/>
+              <a:t>, </a:t>
+            </a:r>
+            <a:r>
+              <a:rPr lang="ko-KR" altLang="en-US" dirty="0"/>
+              <a:t>포인터</a:t>
+            </a:r>
+            <a:r>
+              <a:rPr lang="en-US" altLang="ko-KR" dirty="0"/>
+              <a:t>(-&gt;)</a:t>
+            </a:r>
+            <a:r>
+              <a:rPr lang="ko-KR" altLang="en-US" dirty="0"/>
+              <a:t>는 연결만 하면 됨</a:t>
+            </a:r>
+            <a:r>
+              <a:rPr lang="en-US" altLang="ko-KR" dirty="0"/>
+              <a:t>.</a:t>
+            </a:r>
+          </a:p>
+          <a:p>
+            <a:endParaRPr lang="en-US" altLang="ko-KR" dirty="0"/>
+          </a:p>
+          <a:p>
+            <a:r>
+              <a:rPr lang="en-US" altLang="ko-KR" dirty="0"/>
+              <a:t>       </a:t>
+            </a:r>
+            <a:r>
+              <a:rPr lang="ko-KR" altLang="en-US" dirty="0"/>
+              <a:t>데이터</a:t>
+            </a:r>
+            <a:r>
+              <a:rPr lang="en-US" altLang="ko-KR" dirty="0"/>
+              <a:t>1-&gt; </a:t>
+            </a:r>
+            <a:r>
+              <a:rPr lang="ko-KR" altLang="en-US" dirty="0"/>
+              <a:t>데이터</a:t>
+            </a:r>
+            <a:r>
+              <a:rPr lang="en-US" altLang="ko-KR" dirty="0"/>
+              <a:t>2 -&gt; new </a:t>
+            </a:r>
+            <a:r>
+              <a:rPr lang="ko-KR" altLang="en-US" dirty="0"/>
+              <a:t>데이터 </a:t>
+            </a:r>
+            <a:r>
+              <a:rPr lang="en-US" altLang="ko-KR" dirty="0"/>
+              <a:t>-&gt; </a:t>
+            </a:r>
+            <a:r>
+              <a:rPr lang="ko-KR" altLang="en-US" dirty="0"/>
+              <a:t>데이터 </a:t>
+            </a:r>
+            <a:r>
+              <a:rPr lang="en-US" altLang="ko-KR" dirty="0"/>
+              <a:t>3-&gt; …..</a:t>
+            </a:r>
+          </a:p>
+          <a:p>
+            <a:endParaRPr lang="en-US" altLang="ko-KR" dirty="0"/>
+          </a:p>
+          <a:p>
+            <a:endParaRPr lang="en-US" altLang="ko-KR" dirty="0"/>
+          </a:p>
+          <a:p>
+            <a:endParaRPr lang="ko-KR" altLang="en-US" dirty="0"/>
+          </a:p>
+        </p:txBody>
+      </p:sp>
+    </p:spTree>
+    <p:extLst>
+      <p:ext uri="{BB962C8B-B14F-4D97-AF65-F5344CB8AC3E}">
+        <p14:creationId xmlns:p14="http://schemas.microsoft.com/office/powerpoint/2010/main" val="3574315879"/>
       </p:ext>
     </p:extLst>
   </p:cSld>
@@ -32697,6 +35438,903 @@
     <p:extLst>
       <p:ext uri="{BB962C8B-B14F-4D97-AF65-F5344CB8AC3E}">
         <p14:creationId xmlns:p14="http://schemas.microsoft.com/office/powerpoint/2010/main" val="1041083720"/>
+      </p:ext>
+    </p:extLst>
+  </p:cSld>
+  <p:clrMapOvr>
+    <a:masterClrMapping/>
+  </p:clrMapOvr>
+</p:sld>
+</file>
+
+<file path=ppt/slides/slide70.xml><?xml version="1.0" encoding="utf-8"?>
+<p:sld xmlns:a="http://schemas.openxmlformats.org/drawingml/2006/main" xmlns:r="http://schemas.openxmlformats.org/officeDocument/2006/relationships" xmlns:p="http://schemas.openxmlformats.org/presentationml/2006/main">
+  <p:cSld>
+    <p:spTree>
+      <p:nvGrpSpPr>
+        <p:cNvPr id="1" name=""/>
+        <p:cNvGrpSpPr/>
+        <p:nvPr/>
+      </p:nvGrpSpPr>
+      <p:grpSpPr>
+        <a:xfrm>
+          <a:off x="0" y="0"/>
+          <a:ext cx="0" cy="0"/>
+          <a:chOff x="0" y="0"/>
+          <a:chExt cx="0" cy="0"/>
+        </a:xfrm>
+      </p:grpSpPr>
+      <p:sp>
+        <p:nvSpPr>
+          <p:cNvPr id="2" name="제목 1">
+            <a:extLst>
+              <a:ext uri="{FF2B5EF4-FFF2-40B4-BE49-F238E27FC236}">
+                <a16:creationId xmlns:a16="http://schemas.microsoft.com/office/drawing/2014/main" id="{EAF69C22-FB29-C39D-40C6-5D852B0B52B2}"/>
+              </a:ext>
+            </a:extLst>
+          </p:cNvPr>
+          <p:cNvSpPr>
+            <a:spLocks noGrp="1"/>
+          </p:cNvSpPr>
+          <p:nvPr>
+            <p:ph type="title"/>
+          </p:nvPr>
+        </p:nvSpPr>
+        <p:spPr/>
+        <p:txBody>
+          <a:bodyPr/>
+          <a:lstStyle/>
+          <a:p>
+            <a:pPr algn="ctr"/>
+            <a:r>
+              <a:rPr lang="ko-KR" altLang="en-US" dirty="0"/>
+              <a:t>연결리스트</a:t>
+            </a:r>
+            <a:r>
+              <a:rPr lang="en-US" altLang="ko-KR" dirty="0"/>
+              <a:t>(</a:t>
+            </a:r>
+            <a:r>
+              <a:rPr lang="en-US" altLang="ko-KR" dirty="0" err="1"/>
+              <a:t>arraylist</a:t>
+            </a:r>
+            <a:r>
+              <a:rPr lang="en-US" altLang="ko-KR" dirty="0"/>
+              <a:t>)</a:t>
+            </a:r>
+            <a:endParaRPr lang="ko-KR" altLang="en-US" dirty="0"/>
+          </a:p>
+        </p:txBody>
+      </p:sp>
+      <p:sp>
+        <p:nvSpPr>
+          <p:cNvPr id="4" name="TextBox 3">
+            <a:extLst>
+              <a:ext uri="{FF2B5EF4-FFF2-40B4-BE49-F238E27FC236}">
+                <a16:creationId xmlns:a16="http://schemas.microsoft.com/office/drawing/2014/main" id="{371F76C2-BC27-0426-ABC8-4784660DDF64}"/>
+              </a:ext>
+            </a:extLst>
+          </p:cNvPr>
+          <p:cNvSpPr txBox="1"/>
+          <p:nvPr/>
+        </p:nvSpPr>
+        <p:spPr>
+          <a:xfrm>
+            <a:off x="295564" y="1690688"/>
+            <a:ext cx="11526981" cy="5078313"/>
+          </a:xfrm>
+          <a:prstGeom prst="rect">
+            <a:avLst/>
+          </a:prstGeom>
+          <a:noFill/>
+        </p:spPr>
+        <p:txBody>
+          <a:bodyPr wrap="square" rtlCol="0">
+            <a:spAutoFit/>
+          </a:bodyPr>
+          <a:lstStyle/>
+          <a:p>
+            <a:r>
+              <a:rPr lang="en-US" altLang="ko-KR" dirty="0"/>
+              <a:t>*</a:t>
+            </a:r>
+            <a:r>
+              <a:rPr lang="ko-KR" altLang="en-US" dirty="0"/>
+              <a:t>구조체 안의 배열 변수</a:t>
+            </a:r>
+            <a:r>
+              <a:rPr lang="en-US" altLang="ko-KR" dirty="0"/>
+              <a:t>, </a:t>
+            </a:r>
+            <a:r>
+              <a:rPr lang="ko-KR" altLang="en-US" dirty="0"/>
+              <a:t>크기 변수</a:t>
+            </a:r>
+            <a:r>
+              <a:rPr lang="en-US" altLang="ko-KR" dirty="0"/>
+              <a:t>, </a:t>
+            </a:r>
+            <a:r>
+              <a:rPr lang="ko-KR" altLang="en-US" dirty="0"/>
+              <a:t>콘솔 출력</a:t>
+            </a:r>
+            <a:r>
+              <a:rPr lang="en-US" altLang="ko-KR" dirty="0"/>
+              <a:t>(</a:t>
+            </a:r>
+            <a:r>
+              <a:rPr lang="ko-KR" altLang="en-US" dirty="0"/>
+              <a:t>포인터 표시</a:t>
+            </a:r>
+            <a:r>
+              <a:rPr lang="en-US" altLang="ko-KR" dirty="0"/>
+              <a:t>)</a:t>
+            </a:r>
+            <a:r>
+              <a:rPr lang="ko-KR" altLang="en-US" dirty="0"/>
+              <a:t>로 연결리스트를 구현</a:t>
+            </a:r>
+            <a:r>
+              <a:rPr lang="en-US" altLang="ko-KR" dirty="0"/>
+              <a:t>[</a:t>
+            </a:r>
+            <a:r>
+              <a:rPr lang="ko-KR" altLang="en-US" dirty="0"/>
+              <a:t>개념적</a:t>
+            </a:r>
+            <a:r>
+              <a:rPr lang="en-US" altLang="ko-KR" dirty="0"/>
+              <a:t>]</a:t>
+            </a:r>
+          </a:p>
+          <a:p>
+            <a:r>
+              <a:rPr lang="en-US" altLang="ko-KR" dirty="0"/>
+              <a:t>*</a:t>
+            </a:r>
+            <a:r>
+              <a:rPr lang="ko-KR" altLang="en-US" dirty="0"/>
+              <a:t>배열 변수</a:t>
+            </a:r>
+            <a:r>
+              <a:rPr lang="en-US" altLang="ko-KR" dirty="0"/>
+              <a:t>=</a:t>
+            </a:r>
+            <a:r>
+              <a:rPr lang="ko-KR" altLang="en-US" dirty="0"/>
+              <a:t>데이터 저장</a:t>
+            </a:r>
+            <a:endParaRPr lang="en-US" altLang="ko-KR" dirty="0"/>
+          </a:p>
+          <a:p>
+            <a:r>
+              <a:rPr lang="en-US" altLang="ko-KR" dirty="0"/>
+              <a:t>*</a:t>
+            </a:r>
+            <a:r>
+              <a:rPr lang="ko-KR" altLang="en-US" dirty="0"/>
+              <a:t>크기 변수</a:t>
+            </a:r>
+            <a:r>
+              <a:rPr lang="en-US" altLang="ko-KR" dirty="0"/>
+              <a:t>=</a:t>
+            </a:r>
+            <a:r>
+              <a:rPr lang="ko-KR" altLang="en-US" dirty="0"/>
+              <a:t>연결 리스트 크기 표시</a:t>
+            </a:r>
+            <a:endParaRPr lang="en-US" altLang="ko-KR" dirty="0"/>
+          </a:p>
+          <a:p>
+            <a:endParaRPr lang="en-US" altLang="ko-KR" dirty="0"/>
+          </a:p>
+          <a:p>
+            <a:endParaRPr lang="en-US" altLang="ko-KR" dirty="0"/>
+          </a:p>
+          <a:p>
+            <a:r>
+              <a:rPr lang="ko-KR" altLang="en-US" dirty="0"/>
+              <a:t>코드 작동 단계</a:t>
+            </a:r>
+            <a:endParaRPr lang="en-US" altLang="ko-KR" dirty="0"/>
+          </a:p>
+          <a:p>
+            <a:r>
+              <a:rPr lang="en-US" altLang="ko-KR" dirty="0"/>
+              <a:t>1)</a:t>
+            </a:r>
+            <a:r>
+              <a:rPr lang="ko-KR" altLang="en-US" dirty="0"/>
+              <a:t>연결리스트</a:t>
+            </a:r>
+            <a:r>
+              <a:rPr lang="en-US" altLang="ko-KR" dirty="0"/>
+              <a:t>(list) </a:t>
+            </a:r>
+            <a:r>
+              <a:rPr lang="ko-KR" altLang="en-US" dirty="0"/>
+              <a:t>구조체 선언</a:t>
+            </a:r>
+            <a:endParaRPr lang="en-US" altLang="ko-KR" dirty="0"/>
+          </a:p>
+          <a:p>
+            <a:r>
+              <a:rPr lang="en-US" altLang="ko-KR" dirty="0"/>
+              <a:t>2)</a:t>
+            </a:r>
+            <a:r>
+              <a:rPr lang="ko-KR" altLang="en-US" dirty="0"/>
+              <a:t>구조체 초기화</a:t>
+            </a:r>
+            <a:r>
+              <a:rPr lang="en-US" altLang="ko-KR" dirty="0"/>
+              <a:t>(</a:t>
+            </a:r>
+            <a:r>
+              <a:rPr lang="en-US" altLang="ko-KR" dirty="0" err="1"/>
+              <a:t>init</a:t>
+            </a:r>
+            <a:r>
+              <a:rPr lang="en-US" altLang="ko-KR" dirty="0"/>
+              <a:t>)</a:t>
+            </a:r>
+          </a:p>
+          <a:p>
+            <a:r>
+              <a:rPr lang="en-US" altLang="ko-KR" dirty="0"/>
+              <a:t>3)</a:t>
+            </a:r>
+            <a:r>
+              <a:rPr lang="ko-KR" altLang="en-US" dirty="0"/>
+              <a:t>리스트의 특정 위치에 특정 데이터 삽입 요구</a:t>
+            </a:r>
+            <a:r>
+              <a:rPr lang="en-US" altLang="ko-KR" dirty="0"/>
+              <a:t>(insert)</a:t>
+            </a:r>
+          </a:p>
+          <a:p>
+            <a:r>
+              <a:rPr lang="en-US" altLang="ko-KR" dirty="0"/>
+              <a:t>4)</a:t>
+            </a:r>
+            <a:r>
+              <a:rPr lang="ko-KR" altLang="en-US" dirty="0"/>
+              <a:t>존재하는 연결 리스트에 자리가 있는 지 확인</a:t>
+            </a:r>
+            <a:r>
+              <a:rPr lang="en-US" altLang="ko-KR" dirty="0"/>
+              <a:t>(checking size full?)</a:t>
+            </a:r>
+          </a:p>
+          <a:p>
+            <a:r>
+              <a:rPr lang="en-US" altLang="ko-KR" dirty="0"/>
+              <a:t>  </a:t>
+            </a:r>
+            <a:r>
+              <a:rPr lang="ko-KR" altLang="en-US" dirty="0"/>
+              <a:t>연결 리스트에 뭘 더 넣을 수 있는 자리가 있는지 확인</a:t>
+            </a:r>
+            <a:endParaRPr lang="en-US" altLang="ko-KR" dirty="0"/>
+          </a:p>
+          <a:p>
+            <a:r>
+              <a:rPr lang="en-US" altLang="ko-KR" dirty="0"/>
+              <a:t>   (pos[</a:t>
+            </a:r>
+            <a:r>
+              <a:rPr lang="ko-KR" altLang="en-US" dirty="0"/>
+              <a:t>삽입 위치</a:t>
+            </a:r>
+            <a:r>
+              <a:rPr lang="en-US" altLang="ko-KR" dirty="0"/>
+              <a:t>] &gt;=0 ? pos &lt;=size ?)</a:t>
+            </a:r>
+          </a:p>
+          <a:p>
+            <a:endParaRPr lang="en-US" altLang="ko-KR" dirty="0"/>
+          </a:p>
+          <a:p>
+            <a:r>
+              <a:rPr lang="en-US" altLang="ko-KR" dirty="0"/>
+              <a:t>5)</a:t>
+            </a:r>
+            <a:r>
+              <a:rPr lang="ko-KR" altLang="en-US" dirty="0"/>
+              <a:t>연결 리스트를 콘솔에 출력</a:t>
+            </a:r>
+            <a:endParaRPr lang="en-US" altLang="ko-KR" dirty="0"/>
+          </a:p>
+          <a:p>
+            <a:r>
+              <a:rPr lang="en-US" altLang="ko-KR" dirty="0"/>
+              <a:t>  (‘</a:t>
+            </a:r>
+            <a:r>
+              <a:rPr lang="ko-KR" altLang="en-US" dirty="0"/>
+              <a:t>첫번째 데이터 </a:t>
+            </a:r>
+            <a:r>
+              <a:rPr lang="en-US" altLang="ko-KR" dirty="0"/>
+              <a:t>-&gt;’ </a:t>
+            </a:r>
+            <a:r>
+              <a:rPr lang="ko-KR" altLang="en-US" dirty="0"/>
+              <a:t>출력</a:t>
+            </a:r>
+            <a:r>
+              <a:rPr lang="en-US" altLang="ko-KR" dirty="0"/>
+              <a:t>, </a:t>
+            </a:r>
+            <a:r>
+              <a:rPr lang="ko-KR" altLang="en-US" dirty="0" err="1"/>
+              <a:t>개행문자</a:t>
+            </a:r>
+            <a:r>
+              <a:rPr lang="ko-KR" altLang="en-US" dirty="0"/>
+              <a:t> 없이 바로 </a:t>
+            </a:r>
+            <a:r>
+              <a:rPr lang="en-US" altLang="ko-KR" dirty="0"/>
+              <a:t>‘</a:t>
+            </a:r>
+            <a:r>
+              <a:rPr lang="ko-KR" altLang="en-US" dirty="0"/>
+              <a:t>두번째 데이터 </a:t>
+            </a:r>
+            <a:r>
+              <a:rPr lang="en-US" altLang="ko-KR" dirty="0"/>
+              <a:t>-&gt; </a:t>
+            </a:r>
+            <a:r>
+              <a:rPr lang="ko-KR" altLang="en-US" dirty="0"/>
+              <a:t>출력</a:t>
+            </a:r>
+            <a:r>
+              <a:rPr lang="en-US" altLang="ko-KR" dirty="0"/>
+              <a:t>’… </a:t>
+            </a:r>
+            <a:r>
+              <a:rPr lang="ko-KR" altLang="en-US" dirty="0"/>
+              <a:t>이런 식으로 연결 리스트를 표현</a:t>
+            </a:r>
+            <a:r>
+              <a:rPr lang="en-US" altLang="ko-KR" dirty="0"/>
+              <a:t>)</a:t>
+            </a:r>
+          </a:p>
+          <a:p>
+            <a:endParaRPr lang="en-US" altLang="ko-KR" dirty="0"/>
+          </a:p>
+          <a:p>
+            <a:r>
+              <a:rPr lang="en-US" altLang="ko-KR" dirty="0"/>
+              <a:t>*</a:t>
+            </a:r>
+            <a:r>
+              <a:rPr lang="en-US" altLang="ko-KR" dirty="0" err="1"/>
+              <a:t>insert_last</a:t>
+            </a:r>
+            <a:r>
+              <a:rPr lang="en-US" altLang="ko-KR" dirty="0"/>
+              <a:t> : </a:t>
+            </a:r>
+            <a:r>
+              <a:rPr lang="ko-KR" altLang="en-US" dirty="0"/>
+              <a:t>리스트의 마지막 부분에 데이터 삽입</a:t>
+            </a:r>
+            <a:r>
+              <a:rPr lang="en-US" altLang="ko-KR" dirty="0"/>
+              <a:t>. </a:t>
+            </a:r>
+            <a:r>
+              <a:rPr lang="ko-KR" altLang="en-US" dirty="0"/>
+              <a:t>현재 </a:t>
+            </a:r>
+            <a:r>
+              <a:rPr lang="en-US" altLang="ko-KR" dirty="0"/>
+              <a:t>size</a:t>
+            </a:r>
+            <a:r>
+              <a:rPr lang="ko-KR" altLang="en-US" dirty="0"/>
+              <a:t> 크기를 기준으로 삽입</a:t>
+            </a:r>
+            <a:r>
+              <a:rPr lang="en-US" altLang="ko-KR" dirty="0"/>
+              <a:t>   </a:t>
+            </a:r>
+          </a:p>
+          <a:p>
+            <a:endParaRPr lang="ko-KR" altLang="en-US" dirty="0"/>
+          </a:p>
+        </p:txBody>
+      </p:sp>
+    </p:spTree>
+    <p:extLst>
+      <p:ext uri="{BB962C8B-B14F-4D97-AF65-F5344CB8AC3E}">
+        <p14:creationId xmlns:p14="http://schemas.microsoft.com/office/powerpoint/2010/main" val="606246461"/>
+      </p:ext>
+    </p:extLst>
+  </p:cSld>
+  <p:clrMapOvr>
+    <a:masterClrMapping/>
+  </p:clrMapOvr>
+</p:sld>
+</file>
+
+<file path=ppt/slides/slide71.xml><?xml version="1.0" encoding="utf-8"?>
+<p:sld xmlns:a="http://schemas.openxmlformats.org/drawingml/2006/main" xmlns:r="http://schemas.openxmlformats.org/officeDocument/2006/relationships" xmlns:p="http://schemas.openxmlformats.org/presentationml/2006/main">
+  <p:cSld>
+    <p:spTree>
+      <p:nvGrpSpPr>
+        <p:cNvPr id="1" name=""/>
+        <p:cNvGrpSpPr/>
+        <p:nvPr/>
+      </p:nvGrpSpPr>
+      <p:grpSpPr>
+        <a:xfrm>
+          <a:off x="0" y="0"/>
+          <a:ext cx="0" cy="0"/>
+          <a:chOff x="0" y="0"/>
+          <a:chExt cx="0" cy="0"/>
+        </a:xfrm>
+      </p:grpSpPr>
+      <p:sp>
+        <p:nvSpPr>
+          <p:cNvPr id="2" name="제목 1">
+            <a:extLst>
+              <a:ext uri="{FF2B5EF4-FFF2-40B4-BE49-F238E27FC236}">
+                <a16:creationId xmlns:a16="http://schemas.microsoft.com/office/drawing/2014/main" id="{87A8C804-220E-C0BB-A237-ACD542FCFC1D}"/>
+              </a:ext>
+            </a:extLst>
+          </p:cNvPr>
+          <p:cNvSpPr>
+            <a:spLocks noGrp="1"/>
+          </p:cNvSpPr>
+          <p:nvPr>
+            <p:ph type="title"/>
+          </p:nvPr>
+        </p:nvSpPr>
+        <p:spPr/>
+        <p:txBody>
+          <a:bodyPr/>
+          <a:lstStyle/>
+          <a:p>
+            <a:pPr algn="ctr"/>
+            <a:r>
+              <a:rPr lang="ko-KR" altLang="en-US" dirty="0"/>
+              <a:t>연결리스트</a:t>
+            </a:r>
+            <a:r>
+              <a:rPr lang="en-US" altLang="ko-KR" dirty="0"/>
+              <a:t>(</a:t>
+            </a:r>
+            <a:r>
+              <a:rPr lang="en-US" altLang="ko-KR" dirty="0" err="1"/>
+              <a:t>array_list</a:t>
+            </a:r>
+            <a:r>
+              <a:rPr lang="en-US" altLang="ko-KR" dirty="0"/>
+              <a:t>)</a:t>
+            </a:r>
+            <a:endParaRPr lang="ko-KR" altLang="en-US" dirty="0"/>
+          </a:p>
+        </p:txBody>
+      </p:sp>
+      <p:sp>
+        <p:nvSpPr>
+          <p:cNvPr id="4" name="TextBox 3">
+            <a:extLst>
+              <a:ext uri="{FF2B5EF4-FFF2-40B4-BE49-F238E27FC236}">
+                <a16:creationId xmlns:a16="http://schemas.microsoft.com/office/drawing/2014/main" id="{2DD1FB0D-A2B6-7B5A-6E34-4A8B4C00DCA6}"/>
+              </a:ext>
+            </a:extLst>
+          </p:cNvPr>
+          <p:cNvSpPr txBox="1"/>
+          <p:nvPr/>
+        </p:nvSpPr>
+        <p:spPr>
+          <a:xfrm>
+            <a:off x="230909" y="1791855"/>
+            <a:ext cx="11684000" cy="2862322"/>
+          </a:xfrm>
+          <a:prstGeom prst="rect">
+            <a:avLst/>
+          </a:prstGeom>
+          <a:noFill/>
+        </p:spPr>
+        <p:txBody>
+          <a:bodyPr wrap="square" rtlCol="0">
+            <a:spAutoFit/>
+          </a:bodyPr>
+          <a:lstStyle/>
+          <a:p>
+            <a:r>
+              <a:rPr lang="ko-KR" altLang="en-US" dirty="0"/>
+              <a:t>특정 데이터 삭제</a:t>
+            </a:r>
+            <a:r>
+              <a:rPr lang="en-US" altLang="ko-KR" dirty="0"/>
+              <a:t>(delete) : </a:t>
+            </a:r>
+          </a:p>
+          <a:p>
+            <a:r>
+              <a:rPr lang="en-US" altLang="ko-KR" dirty="0"/>
+              <a:t>1)</a:t>
+            </a:r>
+            <a:r>
+              <a:rPr lang="ko-KR" altLang="en-US" dirty="0"/>
+              <a:t>원하는 위치가 말이 되는지 확인 </a:t>
+            </a:r>
+            <a:r>
+              <a:rPr lang="en-US" altLang="ko-KR" dirty="0"/>
+              <a:t>[pos &lt; 0 OR pos &gt;=size]</a:t>
+            </a:r>
+          </a:p>
+          <a:p>
+            <a:r>
+              <a:rPr lang="en-US" altLang="ko-KR" dirty="0"/>
+              <a:t>2)item </a:t>
+            </a:r>
+            <a:r>
+              <a:rPr lang="ko-KR" altLang="en-US" dirty="0"/>
+              <a:t>변수에 리스트 배열 저장</a:t>
+            </a:r>
+            <a:r>
+              <a:rPr lang="en-US" altLang="ko-KR" dirty="0"/>
+              <a:t>. item</a:t>
+            </a:r>
+            <a:r>
+              <a:rPr lang="ko-KR" altLang="en-US" dirty="0"/>
+              <a:t>은 변화될 리스트 배열을 반환할 예정</a:t>
+            </a:r>
+            <a:r>
+              <a:rPr lang="en-US" altLang="ko-KR" dirty="0"/>
+              <a:t>.</a:t>
+            </a:r>
+          </a:p>
+          <a:p>
+            <a:r>
+              <a:rPr lang="en-US" altLang="ko-KR" dirty="0"/>
+              <a:t>3)</a:t>
+            </a:r>
+            <a:r>
+              <a:rPr lang="ko-KR" altLang="en-US" dirty="0"/>
+              <a:t>현재 위치를 기준으로</a:t>
+            </a:r>
+            <a:r>
+              <a:rPr lang="en-US" altLang="ko-KR" dirty="0"/>
+              <a:t>, </a:t>
+            </a:r>
+            <a:r>
+              <a:rPr lang="ko-KR" altLang="en-US" dirty="0"/>
+              <a:t>앞에 있는 배열 값들을 모두 당김</a:t>
+            </a:r>
+            <a:r>
+              <a:rPr lang="en-US" altLang="ko-KR" dirty="0"/>
+              <a:t>(</a:t>
+            </a:r>
+            <a:r>
+              <a:rPr lang="ko-KR" altLang="en-US" dirty="0"/>
+              <a:t>특정 데이터는 </a:t>
+            </a:r>
+            <a:r>
+              <a:rPr lang="ko-KR" altLang="en-US" dirty="0" err="1"/>
+              <a:t>덮어씌워짐으로서</a:t>
+            </a:r>
+            <a:r>
+              <a:rPr lang="ko-KR" altLang="en-US" dirty="0"/>
+              <a:t> 삭제 처리</a:t>
+            </a:r>
+            <a:r>
+              <a:rPr lang="en-US" altLang="ko-KR" dirty="0"/>
+              <a:t>)</a:t>
+            </a:r>
+          </a:p>
+          <a:p>
+            <a:r>
+              <a:rPr lang="en-US" altLang="ko-KR" dirty="0"/>
+              <a:t>4)item</a:t>
+            </a:r>
+            <a:r>
+              <a:rPr lang="ko-KR" altLang="en-US" dirty="0"/>
+              <a:t>을 반환</a:t>
+            </a:r>
+            <a:r>
+              <a:rPr lang="en-US" altLang="ko-KR" dirty="0"/>
+              <a:t>. </a:t>
+            </a:r>
+            <a:r>
+              <a:rPr lang="ko-KR" altLang="en-US" dirty="0"/>
+              <a:t>구조체 포인터로 구조체 내부의 데이터를 처리해서 </a:t>
+            </a:r>
+            <a:r>
+              <a:rPr lang="en-US" altLang="ko-KR" dirty="0"/>
+              <a:t>item</a:t>
+            </a:r>
+            <a:r>
+              <a:rPr lang="ko-KR" altLang="en-US" dirty="0"/>
+              <a:t>의 데이터도 변함</a:t>
+            </a:r>
+            <a:r>
+              <a:rPr lang="en-US" altLang="ko-KR" dirty="0"/>
+              <a:t>.</a:t>
+            </a:r>
+          </a:p>
+          <a:p>
+            <a:endParaRPr lang="en-US" altLang="ko-KR" dirty="0"/>
+          </a:p>
+          <a:p>
+            <a:endParaRPr lang="en-US" altLang="ko-KR" dirty="0"/>
+          </a:p>
+          <a:p>
+            <a:r>
+              <a:rPr lang="en-US" altLang="ko-KR" dirty="0"/>
+              <a:t>*delete </a:t>
+            </a:r>
+            <a:r>
+              <a:rPr lang="ko-KR" altLang="en-US" dirty="0"/>
+              <a:t>함수를 </a:t>
+            </a:r>
+            <a:r>
+              <a:rPr lang="en-US" altLang="ko-KR" dirty="0"/>
+              <a:t>void</a:t>
+            </a:r>
+            <a:r>
+              <a:rPr lang="ko-KR" altLang="en-US" dirty="0"/>
+              <a:t>형으로 선언하고 </a:t>
+            </a:r>
+            <a:r>
+              <a:rPr lang="en-US" altLang="ko-KR" dirty="0"/>
+              <a:t>return</a:t>
+            </a:r>
+            <a:r>
+              <a:rPr lang="ko-KR" altLang="en-US" dirty="0"/>
+              <a:t>을 없애도 똑같이 작동함</a:t>
+            </a:r>
+            <a:r>
+              <a:rPr lang="en-US" altLang="ko-KR" dirty="0"/>
+              <a:t>.</a:t>
+            </a:r>
+          </a:p>
+          <a:p>
+            <a:endParaRPr lang="en-US" altLang="ko-KR" dirty="0"/>
+          </a:p>
+          <a:p>
+            <a:endParaRPr lang="en-US" altLang="ko-KR" dirty="0"/>
+          </a:p>
+        </p:txBody>
+      </p:sp>
+    </p:spTree>
+    <p:extLst>
+      <p:ext uri="{BB962C8B-B14F-4D97-AF65-F5344CB8AC3E}">
+        <p14:creationId xmlns:p14="http://schemas.microsoft.com/office/powerpoint/2010/main" val="4245411792"/>
+      </p:ext>
+    </p:extLst>
+  </p:cSld>
+  <p:clrMapOvr>
+    <a:masterClrMapping/>
+  </p:clrMapOvr>
+</p:sld>
+</file>
+
+<file path=ppt/slides/slide72.xml><?xml version="1.0" encoding="utf-8"?>
+<p:sld xmlns:a="http://schemas.openxmlformats.org/drawingml/2006/main" xmlns:r="http://schemas.openxmlformats.org/officeDocument/2006/relationships" xmlns:p="http://schemas.openxmlformats.org/presentationml/2006/main">
+  <p:cSld>
+    <p:spTree>
+      <p:nvGrpSpPr>
+        <p:cNvPr id="1" name=""/>
+        <p:cNvGrpSpPr/>
+        <p:nvPr/>
+      </p:nvGrpSpPr>
+      <p:grpSpPr>
+        <a:xfrm>
+          <a:off x="0" y="0"/>
+          <a:ext cx="0" cy="0"/>
+          <a:chOff x="0" y="0"/>
+          <a:chExt cx="0" cy="0"/>
+        </a:xfrm>
+      </p:grpSpPr>
+      <p:sp>
+        <p:nvSpPr>
+          <p:cNvPr id="2" name="제목 1">
+            <a:extLst>
+              <a:ext uri="{FF2B5EF4-FFF2-40B4-BE49-F238E27FC236}">
+                <a16:creationId xmlns:a16="http://schemas.microsoft.com/office/drawing/2014/main" id="{3B3BC97D-E1CC-39AD-3830-94137DD4709C}"/>
+              </a:ext>
+            </a:extLst>
+          </p:cNvPr>
+          <p:cNvSpPr>
+            <a:spLocks noGrp="1"/>
+          </p:cNvSpPr>
+          <p:nvPr>
+            <p:ph type="title"/>
+          </p:nvPr>
+        </p:nvSpPr>
+        <p:spPr/>
+        <p:txBody>
+          <a:bodyPr/>
+          <a:lstStyle/>
+          <a:p>
+            <a:pPr algn="ctr"/>
+            <a:r>
+              <a:rPr lang="ko-KR" altLang="en-US" dirty="0"/>
+              <a:t>연결리스트</a:t>
+            </a:r>
+            <a:r>
+              <a:rPr lang="en-US" altLang="ko-KR" dirty="0"/>
+              <a:t>(linked list)</a:t>
+            </a:r>
+            <a:endParaRPr lang="ko-KR" altLang="en-US" dirty="0"/>
+          </a:p>
+        </p:txBody>
+      </p:sp>
+    </p:spTree>
+    <p:extLst>
+      <p:ext uri="{BB962C8B-B14F-4D97-AF65-F5344CB8AC3E}">
+        <p14:creationId xmlns:p14="http://schemas.microsoft.com/office/powerpoint/2010/main" val="487596896"/>
+      </p:ext>
+    </p:extLst>
+  </p:cSld>
+  <p:clrMapOvr>
+    <a:masterClrMapping/>
+  </p:clrMapOvr>
+</p:sld>
+</file>
+
+<file path=ppt/slides/slide73.xml><?xml version="1.0" encoding="utf-8"?>
+<p:sld xmlns:a="http://schemas.openxmlformats.org/drawingml/2006/main" xmlns:r="http://schemas.openxmlformats.org/officeDocument/2006/relationships" xmlns:p="http://schemas.openxmlformats.org/presentationml/2006/main">
+  <p:cSld>
+    <p:spTree>
+      <p:nvGrpSpPr>
+        <p:cNvPr id="1" name=""/>
+        <p:cNvGrpSpPr/>
+        <p:nvPr/>
+      </p:nvGrpSpPr>
+      <p:grpSpPr>
+        <a:xfrm>
+          <a:off x="0" y="0"/>
+          <a:ext cx="0" cy="0"/>
+          <a:chOff x="0" y="0"/>
+          <a:chExt cx="0" cy="0"/>
+        </a:xfrm>
+      </p:grpSpPr>
+      <p:sp>
+        <p:nvSpPr>
+          <p:cNvPr id="2" name="제목 1">
+            <a:extLst>
+              <a:ext uri="{FF2B5EF4-FFF2-40B4-BE49-F238E27FC236}">
+                <a16:creationId xmlns:a16="http://schemas.microsoft.com/office/drawing/2014/main" id="{9F479400-46E9-9F5E-0C25-97EBAB301A38}"/>
+              </a:ext>
+            </a:extLst>
+          </p:cNvPr>
+          <p:cNvSpPr>
+            <a:spLocks noGrp="1"/>
+          </p:cNvSpPr>
+          <p:nvPr>
+            <p:ph type="title"/>
+          </p:nvPr>
+        </p:nvSpPr>
+        <p:spPr/>
+        <p:txBody>
+          <a:bodyPr/>
+          <a:lstStyle/>
+          <a:p>
+            <a:endParaRPr lang="ko-KR" altLang="en-US"/>
+          </a:p>
+        </p:txBody>
+      </p:sp>
+      <p:sp>
+        <p:nvSpPr>
+          <p:cNvPr id="3" name="내용 개체 틀 2">
+            <a:extLst>
+              <a:ext uri="{FF2B5EF4-FFF2-40B4-BE49-F238E27FC236}">
+                <a16:creationId xmlns:a16="http://schemas.microsoft.com/office/drawing/2014/main" id="{2A2A0BCA-B344-C6D9-2FDA-16498A9AADB5}"/>
+              </a:ext>
+            </a:extLst>
+          </p:cNvPr>
+          <p:cNvSpPr>
+            <a:spLocks noGrp="1"/>
+          </p:cNvSpPr>
+          <p:nvPr>
+            <p:ph idx="1"/>
+          </p:nvPr>
+        </p:nvSpPr>
+        <p:spPr/>
+        <p:txBody>
+          <a:bodyPr/>
+          <a:lstStyle/>
+          <a:p>
+            <a:endParaRPr lang="ko-KR" altLang="en-US"/>
+          </a:p>
+        </p:txBody>
+      </p:sp>
+    </p:spTree>
+    <p:extLst>
+      <p:ext uri="{BB962C8B-B14F-4D97-AF65-F5344CB8AC3E}">
+        <p14:creationId xmlns:p14="http://schemas.microsoft.com/office/powerpoint/2010/main" val="3165085511"/>
+      </p:ext>
+    </p:extLst>
+  </p:cSld>
+  <p:clrMapOvr>
+    <a:masterClrMapping/>
+  </p:clrMapOvr>
+</p:sld>
+</file>
+
+<file path=ppt/slides/slide74.xml><?xml version="1.0" encoding="utf-8"?>
+<p:sld xmlns:a="http://schemas.openxmlformats.org/drawingml/2006/main" xmlns:r="http://schemas.openxmlformats.org/officeDocument/2006/relationships" xmlns:p="http://schemas.openxmlformats.org/presentationml/2006/main">
+  <p:cSld>
+    <p:spTree>
+      <p:nvGrpSpPr>
+        <p:cNvPr id="1" name=""/>
+        <p:cNvGrpSpPr/>
+        <p:nvPr/>
+      </p:nvGrpSpPr>
+      <p:grpSpPr>
+        <a:xfrm>
+          <a:off x="0" y="0"/>
+          <a:ext cx="0" cy="0"/>
+          <a:chOff x="0" y="0"/>
+          <a:chExt cx="0" cy="0"/>
+        </a:xfrm>
+      </p:grpSpPr>
+      <p:sp>
+        <p:nvSpPr>
+          <p:cNvPr id="2" name="제목 1">
+            <a:extLst>
+              <a:ext uri="{FF2B5EF4-FFF2-40B4-BE49-F238E27FC236}">
+                <a16:creationId xmlns:a16="http://schemas.microsoft.com/office/drawing/2014/main" id="{F8D363D1-B480-C545-E4B3-714A77AEF6FF}"/>
+              </a:ext>
+            </a:extLst>
+          </p:cNvPr>
+          <p:cNvSpPr>
+            <a:spLocks noGrp="1"/>
+          </p:cNvSpPr>
+          <p:nvPr>
+            <p:ph type="title"/>
+          </p:nvPr>
+        </p:nvSpPr>
+        <p:spPr/>
+        <p:txBody>
+          <a:bodyPr/>
+          <a:lstStyle/>
+          <a:p>
+            <a:endParaRPr lang="ko-KR" altLang="en-US"/>
+          </a:p>
+        </p:txBody>
+      </p:sp>
+      <p:sp>
+        <p:nvSpPr>
+          <p:cNvPr id="3" name="내용 개체 틀 2">
+            <a:extLst>
+              <a:ext uri="{FF2B5EF4-FFF2-40B4-BE49-F238E27FC236}">
+                <a16:creationId xmlns:a16="http://schemas.microsoft.com/office/drawing/2014/main" id="{D69EFC0C-CEC2-A015-7A46-16AD3D105153}"/>
+              </a:ext>
+            </a:extLst>
+          </p:cNvPr>
+          <p:cNvSpPr>
+            <a:spLocks noGrp="1"/>
+          </p:cNvSpPr>
+          <p:nvPr>
+            <p:ph idx="1"/>
+          </p:nvPr>
+        </p:nvSpPr>
+        <p:spPr/>
+        <p:txBody>
+          <a:bodyPr/>
+          <a:lstStyle/>
+          <a:p>
+            <a:endParaRPr lang="ko-KR" altLang="en-US"/>
+          </a:p>
+        </p:txBody>
+      </p:sp>
+    </p:spTree>
+    <p:extLst>
+      <p:ext uri="{BB962C8B-B14F-4D97-AF65-F5344CB8AC3E}">
+        <p14:creationId xmlns:p14="http://schemas.microsoft.com/office/powerpoint/2010/main" val="3523601985"/>
       </p:ext>
     </p:extLst>
   </p:cSld>
